--- a/Architecture/HackathonArchitecture.pptx
+++ b/Architecture/HackathonArchitecture.pptx
@@ -5,23 +5,25 @@
     <p:sldMasterId id="2147483648" r:id="rId1"/>
   </p:sldMasterIdLst>
   <p:notesMasterIdLst>
-    <p:notesMasterId r:id="rId16"/>
+    <p:notesMasterId r:id="rId18"/>
   </p:notesMasterIdLst>
   <p:sldIdLst>
     <p:sldId id="264" r:id="rId2"/>
     <p:sldId id="265" r:id="rId3"/>
-    <p:sldId id="266" r:id="rId4"/>
+    <p:sldId id="270" r:id="rId4"/>
     <p:sldId id="269" r:id="rId5"/>
     <p:sldId id="268" r:id="rId6"/>
-    <p:sldId id="259" r:id="rId7"/>
-    <p:sldId id="258" r:id="rId8"/>
-    <p:sldId id="260" r:id="rId9"/>
-    <p:sldId id="267" r:id="rId10"/>
-    <p:sldId id="261" r:id="rId11"/>
-    <p:sldId id="256" r:id="rId12"/>
-    <p:sldId id="262" r:id="rId13"/>
-    <p:sldId id="257" r:id="rId14"/>
-    <p:sldId id="263" r:id="rId15"/>
+    <p:sldId id="271" r:id="rId7"/>
+    <p:sldId id="272" r:id="rId8"/>
+    <p:sldId id="273" r:id="rId9"/>
+    <p:sldId id="258" r:id="rId10"/>
+    <p:sldId id="260" r:id="rId11"/>
+    <p:sldId id="267" r:id="rId12"/>
+    <p:sldId id="261" r:id="rId13"/>
+    <p:sldId id="256" r:id="rId14"/>
+    <p:sldId id="262" r:id="rId15"/>
+    <p:sldId id="257" r:id="rId16"/>
+    <p:sldId id="263" r:id="rId17"/>
   </p:sldIdLst>
   <p:sldSz cx="12192000" cy="6858000"/>
   <p:notesSz cx="6858000" cy="9144000"/>
@@ -3797,6 +3799,1494 @@
         </p:nvSpPr>
         <p:spPr>
           <a:xfrm>
+            <a:off x="1324178" y="1136451"/>
+            <a:ext cx="8122722" cy="5474525"/>
+          </a:xfrm>
+          <a:prstGeom prst="rect">
+            <a:avLst/>
+          </a:prstGeom>
+          <a:noFill/>
+        </p:spPr>
+        <p:style>
+          <a:lnRef idx="2">
+            <a:schemeClr val="accent1">
+              <a:shade val="50000"/>
+            </a:schemeClr>
+          </a:lnRef>
+          <a:fillRef idx="1">
+            <a:schemeClr val="accent1"/>
+          </a:fillRef>
+          <a:effectRef idx="0">
+            <a:schemeClr val="accent1"/>
+          </a:effectRef>
+          <a:fontRef idx="minor">
+            <a:schemeClr val="lt1"/>
+          </a:fontRef>
+        </p:style>
+        <p:txBody>
+          <a:bodyPr rtlCol="0" anchor="ctr"/>
+          <a:lstStyle/>
+          <a:p>
+            <a:pPr algn="ctr"/>
+            <a:endParaRPr lang="en-US"/>
+          </a:p>
+        </p:txBody>
+      </p:sp>
+      <p:sp>
+        <p:nvSpPr>
+          <p:cNvPr id="5" name="Rectangle 4">
+            <a:extLst>
+              <a:ext uri="{FF2B5EF4-FFF2-40B4-BE49-F238E27FC236}">
+                <a16:creationId xmlns:a16="http://schemas.microsoft.com/office/drawing/2014/main" id="{16F8A9F0-B21D-B24A-BD66-FFCDBC9CB469}"/>
+              </a:ext>
+            </a:extLst>
+          </p:cNvPr>
+          <p:cNvSpPr/>
+          <p:nvPr/>
+        </p:nvSpPr>
+        <p:spPr>
+          <a:xfrm>
+            <a:off x="1324178" y="1136451"/>
+            <a:ext cx="8122722" cy="665019"/>
+          </a:xfrm>
+          <a:prstGeom prst="rect">
+            <a:avLst/>
+          </a:prstGeom>
+        </p:spPr>
+        <p:style>
+          <a:lnRef idx="2">
+            <a:schemeClr val="accent1">
+              <a:shade val="50000"/>
+            </a:schemeClr>
+          </a:lnRef>
+          <a:fillRef idx="1">
+            <a:schemeClr val="accent1"/>
+          </a:fillRef>
+          <a:effectRef idx="0">
+            <a:schemeClr val="accent1"/>
+          </a:effectRef>
+          <a:fontRef idx="minor">
+            <a:schemeClr val="lt1"/>
+          </a:fontRef>
+        </p:style>
+        <p:txBody>
+          <a:bodyPr rtlCol="0" anchor="ctr"/>
+          <a:lstStyle/>
+          <a:p>
+            <a:pPr algn="ctr"/>
+            <a:endParaRPr lang="en-US"/>
+          </a:p>
+        </p:txBody>
+      </p:sp>
+      <p:sp>
+        <p:nvSpPr>
+          <p:cNvPr id="6" name="TextBox 5">
+            <a:extLst>
+              <a:ext uri="{FF2B5EF4-FFF2-40B4-BE49-F238E27FC236}">
+                <a16:creationId xmlns:a16="http://schemas.microsoft.com/office/drawing/2014/main" id="{5E25FB1E-0E5D-7848-ABF3-48DC9A5F81D7}"/>
+              </a:ext>
+            </a:extLst>
+          </p:cNvPr>
+          <p:cNvSpPr txBox="1"/>
+          <p:nvPr/>
+        </p:nvSpPr>
+        <p:spPr>
+          <a:xfrm>
+            <a:off x="4126754" y="1863010"/>
+            <a:ext cx="2220685" cy="369332"/>
+          </a:xfrm>
+          <a:prstGeom prst="rect">
+            <a:avLst/>
+          </a:prstGeom>
+          <a:noFill/>
+        </p:spPr>
+        <p:txBody>
+          <a:bodyPr wrap="square" rtlCol="0">
+            <a:spAutoFit/>
+          </a:bodyPr>
+          <a:lstStyle/>
+          <a:p>
+            <a:pPr algn="ctr"/>
+            <a:r>
+              <a:rPr lang="en-US" dirty="0"/>
+              <a:t>Forecast Page</a:t>
+            </a:r>
+          </a:p>
+        </p:txBody>
+      </p:sp>
+      <p:sp>
+        <p:nvSpPr>
+          <p:cNvPr id="9" name="Rounded Rectangle 8">
+            <a:extLst>
+              <a:ext uri="{FF2B5EF4-FFF2-40B4-BE49-F238E27FC236}">
+                <a16:creationId xmlns:a16="http://schemas.microsoft.com/office/drawing/2014/main" id="{0A40F08C-FAE4-034E-BAC3-B9E1151B2575}"/>
+              </a:ext>
+            </a:extLst>
+          </p:cNvPr>
+          <p:cNvSpPr/>
+          <p:nvPr/>
+        </p:nvSpPr>
+        <p:spPr>
+          <a:xfrm>
+            <a:off x="3526062" y="4479354"/>
+            <a:ext cx="1248888" cy="380010"/>
+          </a:xfrm>
+          <a:prstGeom prst="roundRect">
+            <a:avLst/>
+          </a:prstGeom>
+          <a:solidFill>
+            <a:schemeClr val="accent1">
+              <a:lumMod val="20000"/>
+              <a:lumOff val="80000"/>
+            </a:schemeClr>
+          </a:solidFill>
+          <a:ln>
+            <a:solidFill>
+              <a:schemeClr val="tx1"/>
+            </a:solidFill>
+          </a:ln>
+        </p:spPr>
+        <p:style>
+          <a:lnRef idx="2">
+            <a:schemeClr val="accent1">
+              <a:shade val="50000"/>
+            </a:schemeClr>
+          </a:lnRef>
+          <a:fillRef idx="1">
+            <a:schemeClr val="accent1"/>
+          </a:fillRef>
+          <a:effectRef idx="0">
+            <a:schemeClr val="accent1"/>
+          </a:effectRef>
+          <a:fontRef idx="minor">
+            <a:schemeClr val="lt1"/>
+          </a:fontRef>
+        </p:style>
+        <p:txBody>
+          <a:bodyPr rtlCol="0" anchor="ctr"/>
+          <a:lstStyle/>
+          <a:p>
+            <a:pPr algn="ctr"/>
+            <a:r>
+              <a:rPr lang="en-US" dirty="0">
+                <a:solidFill>
+                  <a:schemeClr val="tx1"/>
+                </a:solidFill>
+              </a:rPr>
+              <a:t>Search</a:t>
+            </a:r>
+          </a:p>
+        </p:txBody>
+      </p:sp>
+      <p:sp>
+        <p:nvSpPr>
+          <p:cNvPr id="11" name="Rounded Rectangle 10">
+            <a:extLst>
+              <a:ext uri="{FF2B5EF4-FFF2-40B4-BE49-F238E27FC236}">
+                <a16:creationId xmlns:a16="http://schemas.microsoft.com/office/drawing/2014/main" id="{53A93196-4EAE-794D-BAA4-DC216C59FBFD}"/>
+              </a:ext>
+            </a:extLst>
+          </p:cNvPr>
+          <p:cNvSpPr/>
+          <p:nvPr/>
+        </p:nvSpPr>
+        <p:spPr>
+          <a:xfrm>
+            <a:off x="5252932" y="4483912"/>
+            <a:ext cx="1248888" cy="380010"/>
+          </a:xfrm>
+          <a:prstGeom prst="roundRect">
+            <a:avLst/>
+          </a:prstGeom>
+          <a:solidFill>
+            <a:schemeClr val="accent1">
+              <a:lumMod val="20000"/>
+              <a:lumOff val="80000"/>
+            </a:schemeClr>
+          </a:solidFill>
+          <a:ln>
+            <a:solidFill>
+              <a:schemeClr val="tx1"/>
+            </a:solidFill>
+          </a:ln>
+        </p:spPr>
+        <p:style>
+          <a:lnRef idx="2">
+            <a:schemeClr val="accent1">
+              <a:shade val="50000"/>
+            </a:schemeClr>
+          </a:lnRef>
+          <a:fillRef idx="1">
+            <a:schemeClr val="accent1"/>
+          </a:fillRef>
+          <a:effectRef idx="0">
+            <a:schemeClr val="accent1"/>
+          </a:effectRef>
+          <a:fontRef idx="minor">
+            <a:schemeClr val="lt1"/>
+          </a:fontRef>
+        </p:style>
+        <p:txBody>
+          <a:bodyPr rtlCol="0" anchor="ctr"/>
+          <a:lstStyle/>
+          <a:p>
+            <a:pPr algn="ctr"/>
+            <a:r>
+              <a:rPr lang="en-US" dirty="0">
+                <a:solidFill>
+                  <a:schemeClr val="tx1"/>
+                </a:solidFill>
+              </a:rPr>
+              <a:t>Clear</a:t>
+            </a:r>
+          </a:p>
+        </p:txBody>
+      </p:sp>
+      <p:sp>
+        <p:nvSpPr>
+          <p:cNvPr id="2" name="TextBox 1">
+            <a:extLst>
+              <a:ext uri="{FF2B5EF4-FFF2-40B4-BE49-F238E27FC236}">
+                <a16:creationId xmlns:a16="http://schemas.microsoft.com/office/drawing/2014/main" id="{7A254233-B99F-594F-97DC-23F47E19010E}"/>
+              </a:ext>
+            </a:extLst>
+          </p:cNvPr>
+          <p:cNvSpPr txBox="1"/>
+          <p:nvPr/>
+        </p:nvSpPr>
+        <p:spPr>
+          <a:xfrm>
+            <a:off x="1689346" y="2874530"/>
+            <a:ext cx="1579419" cy="646331"/>
+          </a:xfrm>
+          <a:prstGeom prst="rect">
+            <a:avLst/>
+          </a:prstGeom>
+          <a:noFill/>
+        </p:spPr>
+        <p:txBody>
+          <a:bodyPr wrap="square" rtlCol="0">
+            <a:spAutoFit/>
+          </a:bodyPr>
+          <a:lstStyle/>
+          <a:p>
+            <a:r>
+              <a:rPr lang="en-US" dirty="0"/>
+              <a:t>History Start Date</a:t>
+            </a:r>
+          </a:p>
+        </p:txBody>
+      </p:sp>
+      <p:sp>
+        <p:nvSpPr>
+          <p:cNvPr id="10" name="Rounded Rectangle 9">
+            <a:extLst>
+              <a:ext uri="{FF2B5EF4-FFF2-40B4-BE49-F238E27FC236}">
+                <a16:creationId xmlns:a16="http://schemas.microsoft.com/office/drawing/2014/main" id="{93BEF110-0609-E240-ABF9-0512546B53BE}"/>
+              </a:ext>
+            </a:extLst>
+          </p:cNvPr>
+          <p:cNvSpPr/>
+          <p:nvPr/>
+        </p:nvSpPr>
+        <p:spPr>
+          <a:xfrm>
+            <a:off x="3096856" y="2899938"/>
+            <a:ext cx="2351314" cy="380010"/>
+          </a:xfrm>
+          <a:prstGeom prst="roundRect">
+            <a:avLst/>
+          </a:prstGeom>
+          <a:noFill/>
+        </p:spPr>
+        <p:style>
+          <a:lnRef idx="2">
+            <a:schemeClr val="accent1">
+              <a:shade val="50000"/>
+            </a:schemeClr>
+          </a:lnRef>
+          <a:fillRef idx="1">
+            <a:schemeClr val="accent1"/>
+          </a:fillRef>
+          <a:effectRef idx="0">
+            <a:schemeClr val="accent1"/>
+          </a:effectRef>
+          <a:fontRef idx="minor">
+            <a:schemeClr val="lt1"/>
+          </a:fontRef>
+        </p:style>
+        <p:txBody>
+          <a:bodyPr rot="0" spcFirstLastPara="0" vertOverflow="overflow" horzOverflow="overflow" vert="horz" wrap="square" lIns="91440" tIns="45720" rIns="91440" bIns="45720" numCol="1" spcCol="0" rtlCol="0" fromWordArt="0" anchor="ctr" anchorCtr="0" forceAA="0" compatLnSpc="1">
+            <a:prstTxWarp prst="textNoShape">
+              <a:avLst/>
+            </a:prstTxWarp>
+            <a:noAutofit/>
+          </a:bodyPr>
+          <a:lstStyle/>
+          <a:p>
+            <a:pPr algn="ctr"/>
+            <a:r>
+              <a:rPr lang="en-US" sz="1200" dirty="0">
+                <a:solidFill>
+                  <a:schemeClr val="accent1">
+                    <a:lumMod val="60000"/>
+                    <a:lumOff val="40000"/>
+                  </a:schemeClr>
+                </a:solidFill>
+              </a:rPr>
+              <a:t>Date Picker</a:t>
+            </a:r>
+          </a:p>
+        </p:txBody>
+      </p:sp>
+      <p:sp>
+        <p:nvSpPr>
+          <p:cNvPr id="13" name="Rounded Rectangle 12">
+            <a:extLst>
+              <a:ext uri="{FF2B5EF4-FFF2-40B4-BE49-F238E27FC236}">
+                <a16:creationId xmlns:a16="http://schemas.microsoft.com/office/drawing/2014/main" id="{A1A5E006-0588-9647-91AC-B3E568408333}"/>
+              </a:ext>
+            </a:extLst>
+          </p:cNvPr>
+          <p:cNvSpPr/>
+          <p:nvPr/>
+        </p:nvSpPr>
+        <p:spPr>
+          <a:xfrm>
+            <a:off x="5442231" y="2899938"/>
+            <a:ext cx="415637" cy="381600"/>
+          </a:xfrm>
+          <a:prstGeom prst="roundRect">
+            <a:avLst/>
+          </a:prstGeom>
+        </p:spPr>
+        <p:style>
+          <a:lnRef idx="2">
+            <a:schemeClr val="accent1">
+              <a:shade val="50000"/>
+            </a:schemeClr>
+          </a:lnRef>
+          <a:fillRef idx="1">
+            <a:schemeClr val="accent1"/>
+          </a:fillRef>
+          <a:effectRef idx="0">
+            <a:schemeClr val="accent1"/>
+          </a:effectRef>
+          <a:fontRef idx="minor">
+            <a:schemeClr val="lt1"/>
+          </a:fontRef>
+        </p:style>
+        <p:txBody>
+          <a:bodyPr rtlCol="0" anchor="ctr"/>
+          <a:lstStyle/>
+          <a:p>
+            <a:pPr algn="ctr"/>
+            <a:endParaRPr lang="en-US"/>
+          </a:p>
+        </p:txBody>
+      </p:sp>
+      <p:sp>
+        <p:nvSpPr>
+          <p:cNvPr id="14" name="Rounded Rectangle 13">
+            <a:extLst>
+              <a:ext uri="{FF2B5EF4-FFF2-40B4-BE49-F238E27FC236}">
+                <a16:creationId xmlns:a16="http://schemas.microsoft.com/office/drawing/2014/main" id="{CF9AE57E-BA8B-854D-8F99-815629FD82D8}"/>
+              </a:ext>
+            </a:extLst>
+          </p:cNvPr>
+          <p:cNvSpPr/>
+          <p:nvPr/>
+        </p:nvSpPr>
+        <p:spPr>
+          <a:xfrm>
+            <a:off x="1680438" y="1884598"/>
+            <a:ext cx="7481455" cy="3277590"/>
+          </a:xfrm>
+          <a:prstGeom prst="roundRect">
+            <a:avLst/>
+          </a:prstGeom>
+          <a:noFill/>
+        </p:spPr>
+        <p:style>
+          <a:lnRef idx="2">
+            <a:schemeClr val="accent1">
+              <a:shade val="50000"/>
+            </a:schemeClr>
+          </a:lnRef>
+          <a:fillRef idx="1">
+            <a:schemeClr val="accent1"/>
+          </a:fillRef>
+          <a:effectRef idx="0">
+            <a:schemeClr val="accent1"/>
+          </a:effectRef>
+          <a:fontRef idx="minor">
+            <a:schemeClr val="lt1"/>
+          </a:fontRef>
+        </p:style>
+        <p:txBody>
+          <a:bodyPr rtlCol="0" anchor="ctr"/>
+          <a:lstStyle/>
+          <a:p>
+            <a:pPr algn="ctr"/>
+            <a:endParaRPr lang="en-US"/>
+          </a:p>
+        </p:txBody>
+      </p:sp>
+      <p:sp>
+        <p:nvSpPr>
+          <p:cNvPr id="15" name="TextBox 14">
+            <a:extLst>
+              <a:ext uri="{FF2B5EF4-FFF2-40B4-BE49-F238E27FC236}">
+                <a16:creationId xmlns:a16="http://schemas.microsoft.com/office/drawing/2014/main" id="{BFC57EC8-AD33-CE4D-9BEF-68BBCEA53157}"/>
+              </a:ext>
+            </a:extLst>
+          </p:cNvPr>
+          <p:cNvSpPr txBox="1"/>
+          <p:nvPr/>
+        </p:nvSpPr>
+        <p:spPr>
+          <a:xfrm>
+            <a:off x="5845342" y="2893632"/>
+            <a:ext cx="1579419" cy="369332"/>
+          </a:xfrm>
+          <a:prstGeom prst="rect">
+            <a:avLst/>
+          </a:prstGeom>
+          <a:noFill/>
+        </p:spPr>
+        <p:txBody>
+          <a:bodyPr wrap="square" rtlCol="0">
+            <a:spAutoFit/>
+          </a:bodyPr>
+          <a:lstStyle/>
+          <a:p>
+            <a:r>
+              <a:rPr lang="en-US" dirty="0"/>
+              <a:t>Num of Weeks</a:t>
+            </a:r>
+          </a:p>
+        </p:txBody>
+      </p:sp>
+      <p:sp>
+        <p:nvSpPr>
+          <p:cNvPr id="16" name="Rounded Rectangle 15">
+            <a:extLst>
+              <a:ext uri="{FF2B5EF4-FFF2-40B4-BE49-F238E27FC236}">
+                <a16:creationId xmlns:a16="http://schemas.microsoft.com/office/drawing/2014/main" id="{BE8725FF-F202-124E-8E72-9843ADB798FD}"/>
+              </a:ext>
+            </a:extLst>
+          </p:cNvPr>
+          <p:cNvSpPr/>
+          <p:nvPr/>
+        </p:nvSpPr>
+        <p:spPr>
+          <a:xfrm>
+            <a:off x="7310643" y="2910155"/>
+            <a:ext cx="1476993" cy="380010"/>
+          </a:xfrm>
+          <a:prstGeom prst="roundRect">
+            <a:avLst/>
+          </a:prstGeom>
+          <a:noFill/>
+        </p:spPr>
+        <p:style>
+          <a:lnRef idx="2">
+            <a:schemeClr val="accent1">
+              <a:shade val="50000"/>
+            </a:schemeClr>
+          </a:lnRef>
+          <a:fillRef idx="1">
+            <a:schemeClr val="accent1"/>
+          </a:fillRef>
+          <a:effectRef idx="0">
+            <a:schemeClr val="accent1"/>
+          </a:effectRef>
+          <a:fontRef idx="minor">
+            <a:schemeClr val="lt1"/>
+          </a:fontRef>
+        </p:style>
+        <p:txBody>
+          <a:bodyPr rot="0" spcFirstLastPara="0" vertOverflow="overflow" horzOverflow="overflow" vert="horz" wrap="square" lIns="91440" tIns="45720" rIns="91440" bIns="45720" numCol="1" spcCol="0" rtlCol="0" fromWordArt="0" anchor="ctr" anchorCtr="0" forceAA="0" compatLnSpc="1">
+            <a:prstTxWarp prst="textNoShape">
+              <a:avLst/>
+            </a:prstTxWarp>
+            <a:noAutofit/>
+          </a:bodyPr>
+          <a:lstStyle/>
+          <a:p>
+            <a:pPr algn="ctr"/>
+            <a:r>
+              <a:rPr lang="en-US" sz="1200" dirty="0">
+                <a:solidFill>
+                  <a:schemeClr val="accent1">
+                    <a:lumMod val="60000"/>
+                    <a:lumOff val="40000"/>
+                  </a:schemeClr>
+                </a:solidFill>
+              </a:rPr>
+              <a:t>Dropdown</a:t>
+            </a:r>
+          </a:p>
+        </p:txBody>
+      </p:sp>
+      <p:sp>
+        <p:nvSpPr>
+          <p:cNvPr id="17" name="TextBox 16">
+            <a:extLst>
+              <a:ext uri="{FF2B5EF4-FFF2-40B4-BE49-F238E27FC236}">
+                <a16:creationId xmlns:a16="http://schemas.microsoft.com/office/drawing/2014/main" id="{2C261B3E-8201-EE4B-B4F8-9DA8B6CCA8E0}"/>
+              </a:ext>
+            </a:extLst>
+          </p:cNvPr>
+          <p:cNvSpPr txBox="1"/>
+          <p:nvPr/>
+        </p:nvSpPr>
+        <p:spPr>
+          <a:xfrm>
+            <a:off x="1711116" y="3520861"/>
+            <a:ext cx="1579419" cy="646331"/>
+          </a:xfrm>
+          <a:prstGeom prst="rect">
+            <a:avLst/>
+          </a:prstGeom>
+          <a:noFill/>
+        </p:spPr>
+        <p:txBody>
+          <a:bodyPr wrap="square" rtlCol="0">
+            <a:spAutoFit/>
+          </a:bodyPr>
+          <a:lstStyle/>
+          <a:p>
+            <a:r>
+              <a:rPr lang="en-US" dirty="0"/>
+              <a:t>Forecast Start Date</a:t>
+            </a:r>
+          </a:p>
+        </p:txBody>
+      </p:sp>
+      <p:sp>
+        <p:nvSpPr>
+          <p:cNvPr id="18" name="Rounded Rectangle 17">
+            <a:extLst>
+              <a:ext uri="{FF2B5EF4-FFF2-40B4-BE49-F238E27FC236}">
+                <a16:creationId xmlns:a16="http://schemas.microsoft.com/office/drawing/2014/main" id="{70A090B6-AA67-A546-8499-F6007965DDF2}"/>
+              </a:ext>
+            </a:extLst>
+          </p:cNvPr>
+          <p:cNvSpPr/>
+          <p:nvPr/>
+        </p:nvSpPr>
+        <p:spPr>
+          <a:xfrm>
+            <a:off x="3079747" y="3551101"/>
+            <a:ext cx="2351314" cy="380010"/>
+          </a:xfrm>
+          <a:prstGeom prst="roundRect">
+            <a:avLst/>
+          </a:prstGeom>
+          <a:noFill/>
+        </p:spPr>
+        <p:style>
+          <a:lnRef idx="2">
+            <a:schemeClr val="accent1">
+              <a:shade val="50000"/>
+            </a:schemeClr>
+          </a:lnRef>
+          <a:fillRef idx="1">
+            <a:schemeClr val="accent1"/>
+          </a:fillRef>
+          <a:effectRef idx="0">
+            <a:schemeClr val="accent1"/>
+          </a:effectRef>
+          <a:fontRef idx="minor">
+            <a:schemeClr val="lt1"/>
+          </a:fontRef>
+        </p:style>
+        <p:txBody>
+          <a:bodyPr rot="0" spcFirstLastPara="0" vertOverflow="overflow" horzOverflow="overflow" vert="horz" wrap="square" lIns="91440" tIns="45720" rIns="91440" bIns="45720" numCol="1" spcCol="0" rtlCol="0" fromWordArt="0" anchor="ctr" anchorCtr="0" forceAA="0" compatLnSpc="1">
+            <a:prstTxWarp prst="textNoShape">
+              <a:avLst/>
+            </a:prstTxWarp>
+            <a:noAutofit/>
+          </a:bodyPr>
+          <a:lstStyle/>
+          <a:p>
+            <a:pPr algn="ctr"/>
+            <a:r>
+              <a:rPr lang="en-US" sz="1200" dirty="0">
+                <a:solidFill>
+                  <a:schemeClr val="accent1">
+                    <a:lumMod val="60000"/>
+                    <a:lumOff val="40000"/>
+                  </a:schemeClr>
+                </a:solidFill>
+              </a:rPr>
+              <a:t>Date Picker</a:t>
+            </a:r>
+          </a:p>
+        </p:txBody>
+      </p:sp>
+      <p:sp>
+        <p:nvSpPr>
+          <p:cNvPr id="19" name="Rounded Rectangle 18">
+            <a:extLst>
+              <a:ext uri="{FF2B5EF4-FFF2-40B4-BE49-F238E27FC236}">
+                <a16:creationId xmlns:a16="http://schemas.microsoft.com/office/drawing/2014/main" id="{9AD91A39-7792-9E45-BD47-BDCB36D416F0}"/>
+              </a:ext>
+            </a:extLst>
+          </p:cNvPr>
+          <p:cNvSpPr/>
+          <p:nvPr/>
+        </p:nvSpPr>
+        <p:spPr>
+          <a:xfrm>
+            <a:off x="5425122" y="3551101"/>
+            <a:ext cx="415637" cy="381600"/>
+          </a:xfrm>
+          <a:prstGeom prst="roundRect">
+            <a:avLst/>
+          </a:prstGeom>
+        </p:spPr>
+        <p:style>
+          <a:lnRef idx="2">
+            <a:schemeClr val="accent1">
+              <a:shade val="50000"/>
+            </a:schemeClr>
+          </a:lnRef>
+          <a:fillRef idx="1">
+            <a:schemeClr val="accent1"/>
+          </a:fillRef>
+          <a:effectRef idx="0">
+            <a:schemeClr val="accent1"/>
+          </a:effectRef>
+          <a:fontRef idx="minor">
+            <a:schemeClr val="lt1"/>
+          </a:fontRef>
+        </p:style>
+        <p:txBody>
+          <a:bodyPr rtlCol="0" anchor="ctr"/>
+          <a:lstStyle/>
+          <a:p>
+            <a:pPr algn="ctr"/>
+            <a:endParaRPr lang="en-US"/>
+          </a:p>
+        </p:txBody>
+      </p:sp>
+      <p:sp>
+        <p:nvSpPr>
+          <p:cNvPr id="20" name="TextBox 19">
+            <a:extLst>
+              <a:ext uri="{FF2B5EF4-FFF2-40B4-BE49-F238E27FC236}">
+                <a16:creationId xmlns:a16="http://schemas.microsoft.com/office/drawing/2014/main" id="{BCF7E3C1-F600-8C48-B7F1-8B22005D14C0}"/>
+              </a:ext>
+            </a:extLst>
+          </p:cNvPr>
+          <p:cNvSpPr txBox="1"/>
+          <p:nvPr/>
+        </p:nvSpPr>
+        <p:spPr>
+          <a:xfrm>
+            <a:off x="5840759" y="3544795"/>
+            <a:ext cx="1579419" cy="369332"/>
+          </a:xfrm>
+          <a:prstGeom prst="rect">
+            <a:avLst/>
+          </a:prstGeom>
+          <a:noFill/>
+        </p:spPr>
+        <p:txBody>
+          <a:bodyPr wrap="square" rtlCol="0">
+            <a:spAutoFit/>
+          </a:bodyPr>
+          <a:lstStyle/>
+          <a:p>
+            <a:r>
+              <a:rPr lang="en-US" dirty="0"/>
+              <a:t>Num of Weeks</a:t>
+            </a:r>
+          </a:p>
+        </p:txBody>
+      </p:sp>
+      <p:sp>
+        <p:nvSpPr>
+          <p:cNvPr id="21" name="Rounded Rectangle 20">
+            <a:extLst>
+              <a:ext uri="{FF2B5EF4-FFF2-40B4-BE49-F238E27FC236}">
+                <a16:creationId xmlns:a16="http://schemas.microsoft.com/office/drawing/2014/main" id="{F01A790A-4AB4-DD4F-A8D6-A4D403FFAED7}"/>
+              </a:ext>
+            </a:extLst>
+          </p:cNvPr>
+          <p:cNvSpPr/>
+          <p:nvPr/>
+        </p:nvSpPr>
+        <p:spPr>
+          <a:xfrm>
+            <a:off x="7331112" y="3561318"/>
+            <a:ext cx="1476993" cy="380010"/>
+          </a:xfrm>
+          <a:prstGeom prst="roundRect">
+            <a:avLst/>
+          </a:prstGeom>
+          <a:noFill/>
+        </p:spPr>
+        <p:style>
+          <a:lnRef idx="2">
+            <a:schemeClr val="accent1">
+              <a:shade val="50000"/>
+            </a:schemeClr>
+          </a:lnRef>
+          <a:fillRef idx="1">
+            <a:schemeClr val="accent1"/>
+          </a:fillRef>
+          <a:effectRef idx="0">
+            <a:schemeClr val="accent1"/>
+          </a:effectRef>
+          <a:fontRef idx="minor">
+            <a:schemeClr val="lt1"/>
+          </a:fontRef>
+        </p:style>
+        <p:txBody>
+          <a:bodyPr rot="0" spcFirstLastPara="0" vertOverflow="overflow" horzOverflow="overflow" vert="horz" wrap="square" lIns="91440" tIns="45720" rIns="91440" bIns="45720" numCol="1" spcCol="0" rtlCol="0" fromWordArt="0" anchor="ctr" anchorCtr="0" forceAA="0" compatLnSpc="1">
+            <a:prstTxWarp prst="textNoShape">
+              <a:avLst/>
+            </a:prstTxWarp>
+            <a:noAutofit/>
+          </a:bodyPr>
+          <a:lstStyle/>
+          <a:p>
+            <a:pPr algn="ctr"/>
+            <a:r>
+              <a:rPr lang="en-US" sz="1200" dirty="0">
+                <a:solidFill>
+                  <a:schemeClr val="accent1">
+                    <a:lumMod val="60000"/>
+                    <a:lumOff val="40000"/>
+                  </a:schemeClr>
+                </a:solidFill>
+              </a:rPr>
+              <a:t>Dropdown</a:t>
+            </a:r>
+          </a:p>
+        </p:txBody>
+      </p:sp>
+      <p:sp>
+        <p:nvSpPr>
+          <p:cNvPr id="22" name="Rounded Rectangle 21">
+            <a:extLst>
+              <a:ext uri="{FF2B5EF4-FFF2-40B4-BE49-F238E27FC236}">
+                <a16:creationId xmlns:a16="http://schemas.microsoft.com/office/drawing/2014/main" id="{0902201A-26F7-B142-8049-D0D5E3C0B683}"/>
+              </a:ext>
+            </a:extLst>
+          </p:cNvPr>
+          <p:cNvSpPr/>
+          <p:nvPr/>
+        </p:nvSpPr>
+        <p:spPr>
+          <a:xfrm>
+            <a:off x="4456544" y="2278878"/>
+            <a:ext cx="1476993" cy="380010"/>
+          </a:xfrm>
+          <a:prstGeom prst="roundRect">
+            <a:avLst/>
+          </a:prstGeom>
+          <a:noFill/>
+        </p:spPr>
+        <p:style>
+          <a:lnRef idx="2">
+            <a:schemeClr val="accent1">
+              <a:shade val="50000"/>
+            </a:schemeClr>
+          </a:lnRef>
+          <a:fillRef idx="1">
+            <a:schemeClr val="accent1"/>
+          </a:fillRef>
+          <a:effectRef idx="0">
+            <a:schemeClr val="accent1"/>
+          </a:effectRef>
+          <a:fontRef idx="minor">
+            <a:schemeClr val="lt1"/>
+          </a:fontRef>
+        </p:style>
+        <p:txBody>
+          <a:bodyPr rot="0" spcFirstLastPara="0" vertOverflow="overflow" horzOverflow="overflow" vert="horz" wrap="square" lIns="91440" tIns="45720" rIns="91440" bIns="45720" numCol="1" spcCol="0" rtlCol="0" fromWordArt="0" anchor="ctr" anchorCtr="0" forceAA="0" compatLnSpc="1">
+            <a:prstTxWarp prst="textNoShape">
+              <a:avLst/>
+            </a:prstTxWarp>
+            <a:noAutofit/>
+          </a:bodyPr>
+          <a:lstStyle/>
+          <a:p>
+            <a:pPr algn="ctr"/>
+            <a:r>
+              <a:rPr lang="en-US" sz="1200" dirty="0">
+                <a:solidFill>
+                  <a:schemeClr val="accent1">
+                    <a:lumMod val="60000"/>
+                    <a:lumOff val="40000"/>
+                  </a:schemeClr>
+                </a:solidFill>
+              </a:rPr>
+              <a:t>Dropdown</a:t>
+            </a:r>
+          </a:p>
+        </p:txBody>
+      </p:sp>
+      <p:sp>
+        <p:nvSpPr>
+          <p:cNvPr id="23" name="TextBox 22">
+            <a:extLst>
+              <a:ext uri="{FF2B5EF4-FFF2-40B4-BE49-F238E27FC236}">
+                <a16:creationId xmlns:a16="http://schemas.microsoft.com/office/drawing/2014/main" id="{2C5BC43B-F6B5-7C4C-B762-1BFE16D471E1}"/>
+              </a:ext>
+            </a:extLst>
+          </p:cNvPr>
+          <p:cNvSpPr txBox="1"/>
+          <p:nvPr/>
+        </p:nvSpPr>
+        <p:spPr>
+          <a:xfrm>
+            <a:off x="3031259" y="2277288"/>
+            <a:ext cx="1579419" cy="369332"/>
+          </a:xfrm>
+          <a:prstGeom prst="rect">
+            <a:avLst/>
+          </a:prstGeom>
+          <a:noFill/>
+        </p:spPr>
+        <p:txBody>
+          <a:bodyPr wrap="square" rtlCol="0">
+            <a:spAutoFit/>
+          </a:bodyPr>
+          <a:lstStyle/>
+          <a:p>
+            <a:r>
+              <a:rPr lang="en-US" dirty="0"/>
+              <a:t>Channel</a:t>
+            </a:r>
+          </a:p>
+        </p:txBody>
+      </p:sp>
+      <p:sp>
+        <p:nvSpPr>
+          <p:cNvPr id="24" name="Rectangle 23">
+            <a:extLst>
+              <a:ext uri="{FF2B5EF4-FFF2-40B4-BE49-F238E27FC236}">
+                <a16:creationId xmlns:a16="http://schemas.microsoft.com/office/drawing/2014/main" id="{BFFE35C8-46B4-3B4A-A38C-E17EBC7F53A9}"/>
+              </a:ext>
+            </a:extLst>
+          </p:cNvPr>
+          <p:cNvSpPr/>
+          <p:nvPr/>
+        </p:nvSpPr>
+        <p:spPr>
+          <a:xfrm>
+            <a:off x="1324178" y="6290342"/>
+            <a:ext cx="8122722" cy="329921"/>
+          </a:xfrm>
+          <a:prstGeom prst="rect">
+            <a:avLst/>
+          </a:prstGeom>
+        </p:spPr>
+        <p:style>
+          <a:lnRef idx="2">
+            <a:schemeClr val="accent1">
+              <a:shade val="50000"/>
+            </a:schemeClr>
+          </a:lnRef>
+          <a:fillRef idx="1">
+            <a:schemeClr val="accent1"/>
+          </a:fillRef>
+          <a:effectRef idx="0">
+            <a:schemeClr val="accent1"/>
+          </a:effectRef>
+          <a:fontRef idx="minor">
+            <a:schemeClr val="lt1"/>
+          </a:fontRef>
+        </p:style>
+        <p:txBody>
+          <a:bodyPr rtlCol="0" anchor="ctr"/>
+          <a:lstStyle/>
+          <a:p>
+            <a:pPr algn="ctr"/>
+            <a:endParaRPr lang="en-US"/>
+          </a:p>
+        </p:txBody>
+      </p:sp>
+      <p:sp>
+        <p:nvSpPr>
+          <p:cNvPr id="25" name="TextBox 24">
+            <a:extLst>
+              <a:ext uri="{FF2B5EF4-FFF2-40B4-BE49-F238E27FC236}">
+                <a16:creationId xmlns:a16="http://schemas.microsoft.com/office/drawing/2014/main" id="{507B1754-E637-B24D-B1E9-C56BC32CD23B}"/>
+              </a:ext>
+            </a:extLst>
+          </p:cNvPr>
+          <p:cNvSpPr txBox="1"/>
+          <p:nvPr/>
+        </p:nvSpPr>
+        <p:spPr>
+          <a:xfrm>
+            <a:off x="4610678" y="6290342"/>
+            <a:ext cx="1736761" cy="369332"/>
+          </a:xfrm>
+          <a:prstGeom prst="rect">
+            <a:avLst/>
+          </a:prstGeom>
+          <a:noFill/>
+        </p:spPr>
+        <p:txBody>
+          <a:bodyPr wrap="square" rtlCol="0">
+            <a:spAutoFit/>
+          </a:bodyPr>
+          <a:lstStyle/>
+          <a:p>
+            <a:r>
+              <a:rPr lang="en-US" dirty="0">
+                <a:solidFill>
+                  <a:schemeClr val="bg1"/>
+                </a:solidFill>
+              </a:rPr>
+              <a:t>FOOTER</a:t>
+            </a:r>
+          </a:p>
+        </p:txBody>
+      </p:sp>
+      <p:sp>
+        <p:nvSpPr>
+          <p:cNvPr id="26" name="TextBox 25">
+            <a:extLst>
+              <a:ext uri="{FF2B5EF4-FFF2-40B4-BE49-F238E27FC236}">
+                <a16:creationId xmlns:a16="http://schemas.microsoft.com/office/drawing/2014/main" id="{F6532D3F-B5DC-494A-886E-55026679C840}"/>
+              </a:ext>
+            </a:extLst>
+          </p:cNvPr>
+          <p:cNvSpPr txBox="1"/>
+          <p:nvPr/>
+        </p:nvSpPr>
+        <p:spPr>
+          <a:xfrm>
+            <a:off x="4893708" y="1313592"/>
+            <a:ext cx="1039830" cy="369332"/>
+          </a:xfrm>
+          <a:prstGeom prst="rect">
+            <a:avLst/>
+          </a:prstGeom>
+          <a:noFill/>
+        </p:spPr>
+        <p:txBody>
+          <a:bodyPr wrap="square" rtlCol="0">
+            <a:spAutoFit/>
+          </a:bodyPr>
+          <a:lstStyle/>
+          <a:p>
+            <a:r>
+              <a:rPr lang="en-US" dirty="0">
+                <a:solidFill>
+                  <a:schemeClr val="bg1"/>
+                </a:solidFill>
+              </a:rPr>
+              <a:t>HEADER</a:t>
+            </a:r>
+          </a:p>
+        </p:txBody>
+      </p:sp>
+      <p:sp>
+        <p:nvSpPr>
+          <p:cNvPr id="27" name="TextBox 26">
+            <a:extLst>
+              <a:ext uri="{FF2B5EF4-FFF2-40B4-BE49-F238E27FC236}">
+                <a16:creationId xmlns:a16="http://schemas.microsoft.com/office/drawing/2014/main" id="{172ED35B-1939-8B45-9C74-68CA739507F1}"/>
+              </a:ext>
+            </a:extLst>
+          </p:cNvPr>
+          <p:cNvSpPr txBox="1"/>
+          <p:nvPr/>
+        </p:nvSpPr>
+        <p:spPr>
+          <a:xfrm>
+            <a:off x="1454807" y="1421459"/>
+            <a:ext cx="855023" cy="380011"/>
+          </a:xfrm>
+          <a:prstGeom prst="rect">
+            <a:avLst/>
+          </a:prstGeom>
+          <a:noFill/>
+        </p:spPr>
+        <p:txBody>
+          <a:bodyPr wrap="square" rtlCol="0">
+            <a:spAutoFit/>
+          </a:bodyPr>
+          <a:lstStyle/>
+          <a:p>
+            <a:r>
+              <a:rPr lang="en-US" dirty="0">
+                <a:solidFill>
+                  <a:schemeClr val="bg1"/>
+                </a:solidFill>
+              </a:rPr>
+              <a:t>LOGO</a:t>
+            </a:r>
+          </a:p>
+        </p:txBody>
+      </p:sp>
+      <p:sp>
+        <p:nvSpPr>
+          <p:cNvPr id="28" name="TextBox 27">
+            <a:extLst>
+              <a:ext uri="{FF2B5EF4-FFF2-40B4-BE49-F238E27FC236}">
+                <a16:creationId xmlns:a16="http://schemas.microsoft.com/office/drawing/2014/main" id="{6C257449-F5A3-8146-92E0-AC1166D11295}"/>
+              </a:ext>
+            </a:extLst>
+          </p:cNvPr>
+          <p:cNvSpPr txBox="1"/>
+          <p:nvPr/>
+        </p:nvSpPr>
+        <p:spPr>
+          <a:xfrm>
+            <a:off x="2176236" y="1419869"/>
+            <a:ext cx="1114299" cy="369332"/>
+          </a:xfrm>
+          <a:prstGeom prst="rect">
+            <a:avLst/>
+          </a:prstGeom>
+          <a:noFill/>
+        </p:spPr>
+        <p:txBody>
+          <a:bodyPr wrap="square" rtlCol="0">
+            <a:spAutoFit/>
+          </a:bodyPr>
+          <a:lstStyle/>
+          <a:p>
+            <a:r>
+              <a:rPr lang="en-US" dirty="0">
+                <a:solidFill>
+                  <a:schemeClr val="accent2">
+                    <a:lumMod val="75000"/>
+                  </a:schemeClr>
+                </a:solidFill>
+              </a:rPr>
+              <a:t>Forecast</a:t>
+            </a:r>
+          </a:p>
+        </p:txBody>
+      </p:sp>
+      <p:sp>
+        <p:nvSpPr>
+          <p:cNvPr id="29" name="Rectangle 28">
+            <a:extLst>
+              <a:ext uri="{FF2B5EF4-FFF2-40B4-BE49-F238E27FC236}">
+                <a16:creationId xmlns:a16="http://schemas.microsoft.com/office/drawing/2014/main" id="{E9D44387-AC43-BF49-BF4B-2E17E7B9E815}"/>
+              </a:ext>
+            </a:extLst>
+          </p:cNvPr>
+          <p:cNvSpPr/>
+          <p:nvPr/>
+        </p:nvSpPr>
+        <p:spPr>
+          <a:xfrm>
+            <a:off x="8425622" y="1689295"/>
+            <a:ext cx="1021278" cy="380011"/>
+          </a:xfrm>
+          <a:prstGeom prst="rect">
+            <a:avLst/>
+          </a:prstGeom>
+          <a:solidFill>
+            <a:schemeClr val="accent1">
+              <a:lumMod val="40000"/>
+              <a:lumOff val="60000"/>
+            </a:schemeClr>
+          </a:solidFill>
+          <a:ln>
+            <a:solidFill>
+              <a:schemeClr val="accent1">
+                <a:lumMod val="60000"/>
+                <a:lumOff val="40000"/>
+              </a:schemeClr>
+            </a:solidFill>
+          </a:ln>
+        </p:spPr>
+        <p:style>
+          <a:lnRef idx="2">
+            <a:schemeClr val="accent1">
+              <a:shade val="50000"/>
+            </a:schemeClr>
+          </a:lnRef>
+          <a:fillRef idx="1">
+            <a:schemeClr val="accent1"/>
+          </a:fillRef>
+          <a:effectRef idx="0">
+            <a:schemeClr val="accent1"/>
+          </a:effectRef>
+          <a:fontRef idx="minor">
+            <a:schemeClr val="lt1"/>
+          </a:fontRef>
+        </p:style>
+        <p:txBody>
+          <a:bodyPr rtlCol="0" anchor="ctr"/>
+          <a:lstStyle/>
+          <a:p>
+            <a:pPr algn="ctr"/>
+            <a:r>
+              <a:rPr lang="en-US" dirty="0"/>
+              <a:t>Logout</a:t>
+            </a:r>
+          </a:p>
+        </p:txBody>
+      </p:sp>
+      <p:cxnSp>
+        <p:nvCxnSpPr>
+          <p:cNvPr id="30" name="Straight Connector 29">
+            <a:extLst>
+              <a:ext uri="{FF2B5EF4-FFF2-40B4-BE49-F238E27FC236}">
+                <a16:creationId xmlns:a16="http://schemas.microsoft.com/office/drawing/2014/main" id="{BA40FB1B-A0A2-C342-99FF-1882C0E3383B}"/>
+              </a:ext>
+            </a:extLst>
+          </p:cNvPr>
+          <p:cNvCxnSpPr>
+            <a:cxnSpLocks/>
+          </p:cNvCxnSpPr>
+          <p:nvPr/>
+        </p:nvCxnSpPr>
+        <p:spPr>
+          <a:xfrm>
+            <a:off x="690221" y="965200"/>
+            <a:ext cx="7263806" cy="0"/>
+          </a:xfrm>
+          <a:prstGeom prst="line">
+            <a:avLst/>
+          </a:prstGeom>
+        </p:spPr>
+        <p:style>
+          <a:lnRef idx="3">
+            <a:schemeClr val="accent5"/>
+          </a:lnRef>
+          <a:fillRef idx="0">
+            <a:schemeClr val="accent5"/>
+          </a:fillRef>
+          <a:effectRef idx="2">
+            <a:schemeClr val="accent5"/>
+          </a:effectRef>
+          <a:fontRef idx="minor">
+            <a:schemeClr val="tx1"/>
+          </a:fontRef>
+        </p:style>
+      </p:cxnSp>
+      <p:sp>
+        <p:nvSpPr>
+          <p:cNvPr id="31" name="Rectangle 30">
+            <a:extLst>
+              <a:ext uri="{FF2B5EF4-FFF2-40B4-BE49-F238E27FC236}">
+                <a16:creationId xmlns:a16="http://schemas.microsoft.com/office/drawing/2014/main" id="{E8F1BEB8-0525-474C-8D26-19561169D060}"/>
+              </a:ext>
+            </a:extLst>
+          </p:cNvPr>
+          <p:cNvSpPr/>
+          <p:nvPr/>
+        </p:nvSpPr>
+        <p:spPr>
+          <a:xfrm>
+            <a:off x="572579" y="571778"/>
+            <a:ext cx="4529959" cy="369332"/>
+          </a:xfrm>
+          <a:prstGeom prst="rect">
+            <a:avLst/>
+          </a:prstGeom>
+          <a:noFill/>
+        </p:spPr>
+        <p:txBody>
+          <a:bodyPr wrap="none" lIns="91440" tIns="45720" rIns="91440" bIns="45720">
+            <a:spAutoFit/>
+          </a:bodyPr>
+          <a:lstStyle/>
+          <a:p>
+            <a:pPr algn="ctr"/>
+            <a:r>
+              <a:rPr lang="en-US" b="0" cap="none" spc="0" dirty="0">
+                <a:ln w="0"/>
+                <a:solidFill>
+                  <a:schemeClr val="tx1"/>
+                </a:solidFill>
+                <a:effectLst>
+                  <a:outerShdw blurRad="38100" dist="19050" dir="2700000" algn="tl" rotWithShape="0">
+                    <a:schemeClr val="dk1">
+                      <a:alpha val="40000"/>
+                    </a:schemeClr>
+                  </a:outerShdw>
+                </a:effectLst>
+              </a:rPr>
+              <a:t>Screen layout for Forecast Page – On first load</a:t>
+            </a:r>
+          </a:p>
+        </p:txBody>
+      </p:sp>
+    </p:spTree>
+    <p:extLst>
+      <p:ext uri="{BB962C8B-B14F-4D97-AF65-F5344CB8AC3E}">
+        <p14:creationId xmlns:p14="http://schemas.microsoft.com/office/powerpoint/2010/main" val="2889750881"/>
+      </p:ext>
+    </p:extLst>
+  </p:cSld>
+  <p:clrMapOvr>
+    <a:masterClrMapping/>
+  </p:clrMapOvr>
+</p:sld>
+</file>
+
+<file path=ppt/slides/slide11.xml><?xml version="1.0" encoding="utf-8"?>
+<p:sld xmlns:a="http://schemas.openxmlformats.org/drawingml/2006/main" xmlns:r="http://schemas.openxmlformats.org/officeDocument/2006/relationships" xmlns:p="http://schemas.openxmlformats.org/presentationml/2006/main">
+  <p:cSld>
+    <p:spTree>
+      <p:nvGrpSpPr>
+        <p:cNvPr id="1" name=""/>
+        <p:cNvGrpSpPr/>
+        <p:nvPr/>
+      </p:nvGrpSpPr>
+      <p:grpSpPr>
+        <a:xfrm>
+          <a:off x="0" y="0"/>
+          <a:ext cx="0" cy="0"/>
+          <a:chOff x="0" y="0"/>
+          <a:chExt cx="0" cy="0"/>
+        </a:xfrm>
+      </p:grpSpPr>
+      <p:sp>
+        <p:nvSpPr>
+          <p:cNvPr id="4" name="TextBox 3">
+            <a:extLst>
+              <a:ext uri="{FF2B5EF4-FFF2-40B4-BE49-F238E27FC236}">
+                <a16:creationId xmlns:a16="http://schemas.microsoft.com/office/drawing/2014/main" id="{D1AA7D31-AABA-FA47-9538-E020588263FA}"/>
+              </a:ext>
+            </a:extLst>
+          </p:cNvPr>
+          <p:cNvSpPr txBox="1"/>
+          <p:nvPr/>
+        </p:nvSpPr>
+        <p:spPr>
+          <a:xfrm>
+            <a:off x="676518" y="1237619"/>
+            <a:ext cx="10384077" cy="5078313"/>
+          </a:xfrm>
+          <a:prstGeom prst="rect">
+            <a:avLst/>
+          </a:prstGeom>
+          <a:noFill/>
+        </p:spPr>
+        <p:txBody>
+          <a:bodyPr wrap="square" rtlCol="0">
+            <a:spAutoFit/>
+          </a:bodyPr>
+          <a:lstStyle/>
+          <a:p>
+            <a:r>
+              <a:rPr lang="en-US" dirty="0"/>
+              <a:t>Channel Dropdown:</a:t>
+            </a:r>
+          </a:p>
+          <a:p>
+            <a:r>
+              <a:rPr lang="en-US" dirty="0"/>
+              <a:t>   1. Only shows up on first time page loads with data as retrieved from table Channels</a:t>
+            </a:r>
+          </a:p>
+          <a:p>
+            <a:r>
+              <a:rPr lang="en-US" dirty="0"/>
+              <a:t>   2. On selection of an available channel, the rest of the fields (History start date and forecast start date appear</a:t>
+            </a:r>
+          </a:p>
+          <a:p>
+            <a:endParaRPr lang="en-US" dirty="0"/>
+          </a:p>
+          <a:p>
+            <a:r>
+              <a:rPr lang="en-US" dirty="0"/>
+              <a:t>History Start Date and Forecast Start Date:</a:t>
+            </a:r>
+          </a:p>
+          <a:p>
+            <a:pPr marL="342900" indent="-342900">
+              <a:buAutoNum type="arabicPeriod"/>
+            </a:pPr>
+            <a:r>
+              <a:rPr lang="en-US" dirty="0"/>
+              <a:t>These data pickers only shows the dates that the data is available enabled. The rest of the dates are disabled.</a:t>
+            </a:r>
+          </a:p>
+          <a:p>
+            <a:pPr marL="342900" indent="-342900">
+              <a:buAutoNum type="arabicPeriod"/>
+            </a:pPr>
+            <a:endParaRPr lang="en-US" dirty="0"/>
+          </a:p>
+          <a:p>
+            <a:r>
+              <a:rPr lang="en-US" dirty="0"/>
+              <a:t>Num of Weeks:</a:t>
+            </a:r>
+          </a:p>
+          <a:p>
+            <a:r>
+              <a:rPr lang="en-US" dirty="0"/>
+              <a:t>1. These dropdown only start from 4</a:t>
+            </a:r>
+          </a:p>
+          <a:p>
+            <a:r>
+              <a:rPr lang="en-US" dirty="0"/>
+              <a:t>2. The dropdown for forecast only have values till 12 (based on the assumption that the forecast can be only done for 12 months into the future by the analyst team)</a:t>
+            </a:r>
+          </a:p>
+          <a:p>
+            <a:endParaRPr lang="en-US" dirty="0"/>
+          </a:p>
+          <a:p>
+            <a:r>
+              <a:rPr lang="en-US" dirty="0"/>
+              <a:t>Search Button:</a:t>
+            </a:r>
+          </a:p>
+          <a:p>
+            <a:r>
+              <a:rPr lang="en-US" dirty="0"/>
+              <a:t>Is not enabled till all the fields are provided</a:t>
+            </a:r>
+          </a:p>
+          <a:p>
+            <a:endParaRPr lang="en-US" dirty="0"/>
+          </a:p>
+          <a:p>
+            <a:endParaRPr lang="en-US" dirty="0"/>
+          </a:p>
+        </p:txBody>
+      </p:sp>
+      <p:sp>
+        <p:nvSpPr>
+          <p:cNvPr id="5" name="Rectangle 4">
+            <a:extLst>
+              <a:ext uri="{FF2B5EF4-FFF2-40B4-BE49-F238E27FC236}">
+                <a16:creationId xmlns:a16="http://schemas.microsoft.com/office/drawing/2014/main" id="{5F59320E-62C1-3F48-8DD9-11C32E0E25CD}"/>
+              </a:ext>
+            </a:extLst>
+          </p:cNvPr>
+          <p:cNvSpPr/>
+          <p:nvPr/>
+        </p:nvSpPr>
+        <p:spPr>
+          <a:xfrm>
+            <a:off x="562167" y="547412"/>
+            <a:ext cx="5306389" cy="369332"/>
+          </a:xfrm>
+          <a:prstGeom prst="rect">
+            <a:avLst/>
+          </a:prstGeom>
+          <a:noFill/>
+        </p:spPr>
+        <p:txBody>
+          <a:bodyPr wrap="none" lIns="91440" tIns="45720" rIns="91440" bIns="45720">
+            <a:spAutoFit/>
+          </a:bodyPr>
+          <a:lstStyle/>
+          <a:p>
+            <a:pPr algn="ctr"/>
+            <a:r>
+              <a:rPr lang="en-US" b="0" cap="none" spc="0" dirty="0">
+                <a:ln w="0"/>
+                <a:solidFill>
+                  <a:schemeClr val="tx1"/>
+                </a:solidFill>
+                <a:effectLst>
+                  <a:outerShdw blurRad="38100" dist="19050" dir="2700000" algn="tl" rotWithShape="0">
+                    <a:schemeClr val="dk1">
+                      <a:alpha val="40000"/>
+                    </a:schemeClr>
+                  </a:outerShdw>
+                </a:effectLst>
+              </a:rPr>
+              <a:t>Forecast Page – Query Section – Behavior/Validations</a:t>
+            </a:r>
+          </a:p>
+        </p:txBody>
+      </p:sp>
+      <p:cxnSp>
+        <p:nvCxnSpPr>
+          <p:cNvPr id="6" name="Straight Connector 5">
+            <a:extLst>
+              <a:ext uri="{FF2B5EF4-FFF2-40B4-BE49-F238E27FC236}">
+                <a16:creationId xmlns:a16="http://schemas.microsoft.com/office/drawing/2014/main" id="{6E385866-8BB1-8146-9D7D-469D5C56458C}"/>
+              </a:ext>
+            </a:extLst>
+          </p:cNvPr>
+          <p:cNvCxnSpPr/>
+          <p:nvPr/>
+        </p:nvCxnSpPr>
+        <p:spPr>
+          <a:xfrm>
+            <a:off x="690221" y="965200"/>
+            <a:ext cx="4865560" cy="0"/>
+          </a:xfrm>
+          <a:prstGeom prst="line">
+            <a:avLst/>
+          </a:prstGeom>
+        </p:spPr>
+        <p:style>
+          <a:lnRef idx="3">
+            <a:schemeClr val="accent5"/>
+          </a:lnRef>
+          <a:fillRef idx="0">
+            <a:schemeClr val="accent5"/>
+          </a:fillRef>
+          <a:effectRef idx="2">
+            <a:schemeClr val="accent5"/>
+          </a:effectRef>
+          <a:fontRef idx="minor">
+            <a:schemeClr val="tx1"/>
+          </a:fontRef>
+        </p:style>
+      </p:cxnSp>
+    </p:spTree>
+    <p:extLst>
+      <p:ext uri="{BB962C8B-B14F-4D97-AF65-F5344CB8AC3E}">
+        <p14:creationId xmlns:p14="http://schemas.microsoft.com/office/powerpoint/2010/main" val="503040214"/>
+      </p:ext>
+    </p:extLst>
+  </p:cSld>
+  <p:clrMapOvr>
+    <a:masterClrMapping/>
+  </p:clrMapOvr>
+</p:sld>
+</file>
+
+<file path=ppt/slides/slide12.xml><?xml version="1.0" encoding="utf-8"?>
+<p:sld xmlns:a="http://schemas.openxmlformats.org/drawingml/2006/main" xmlns:r="http://schemas.openxmlformats.org/officeDocument/2006/relationships" xmlns:p="http://schemas.openxmlformats.org/presentationml/2006/main">
+  <p:cSld>
+    <p:spTree>
+      <p:nvGrpSpPr>
+        <p:cNvPr id="1" name=""/>
+        <p:cNvGrpSpPr/>
+        <p:nvPr/>
+      </p:nvGrpSpPr>
+      <p:grpSpPr>
+        <a:xfrm>
+          <a:off x="0" y="0"/>
+          <a:ext cx="0" cy="0"/>
+          <a:chOff x="0" y="0"/>
+          <a:chExt cx="0" cy="0"/>
+        </a:xfrm>
+      </p:grpSpPr>
+      <p:sp>
+        <p:nvSpPr>
+          <p:cNvPr id="4" name="Rectangle 3">
+            <a:extLst>
+              <a:ext uri="{FF2B5EF4-FFF2-40B4-BE49-F238E27FC236}">
+                <a16:creationId xmlns:a16="http://schemas.microsoft.com/office/drawing/2014/main" id="{37F5FA4B-7060-C742-80F1-52BB6F44DE39}"/>
+              </a:ext>
+            </a:extLst>
+          </p:cNvPr>
+          <p:cNvSpPr/>
+          <p:nvPr/>
+        </p:nvSpPr>
+        <p:spPr>
+          <a:xfrm>
             <a:off x="522513" y="1048999"/>
             <a:ext cx="11146973" cy="5474525"/>
           </a:xfrm>
@@ -5680,7 +7170,7 @@
 </p:sld>
 </file>
 
-<file path=ppt/slides/slide11.xml><?xml version="1.0" encoding="utf-8"?>
+<file path=ppt/slides/slide13.xml><?xml version="1.0" encoding="utf-8"?>
 <p:sld xmlns:a="http://schemas.openxmlformats.org/drawingml/2006/main" xmlns:r="http://schemas.openxmlformats.org/officeDocument/2006/relationships" xmlns:p="http://schemas.openxmlformats.org/presentationml/2006/main">
   <p:cSld>
     <p:spTree>
@@ -7629,7 +9119,7 @@
 </p:sld>
 </file>
 
-<file path=ppt/slides/slide12.xml><?xml version="1.0" encoding="utf-8"?>
+<file path=ppt/slides/slide14.xml><?xml version="1.0" encoding="utf-8"?>
 <p:sld xmlns:a="http://schemas.openxmlformats.org/drawingml/2006/main" xmlns:r="http://schemas.openxmlformats.org/officeDocument/2006/relationships" xmlns:p="http://schemas.openxmlformats.org/presentationml/2006/main">
   <p:cSld>
     <p:spTree>
@@ -9307,7 +10797,7 @@
 </p:sld>
 </file>
 
-<file path=ppt/slides/slide13.xml><?xml version="1.0" encoding="utf-8"?>
+<file path=ppt/slides/slide15.xml><?xml version="1.0" encoding="utf-8"?>
 <p:sld xmlns:a="http://schemas.openxmlformats.org/drawingml/2006/main" xmlns:r="http://schemas.openxmlformats.org/officeDocument/2006/relationships" xmlns:p="http://schemas.openxmlformats.org/presentationml/2006/main">
   <p:cSld>
     <p:spTree>
@@ -10592,7 +12082,7 @@
 </p:sld>
 </file>
 
-<file path=ppt/slides/slide14.xml><?xml version="1.0" encoding="utf-8"?>
+<file path=ppt/slides/slide16.xml><?xml version="1.0" encoding="utf-8"?>
 <p:sld xmlns:a="http://schemas.openxmlformats.org/drawingml/2006/main" xmlns:r="http://schemas.openxmlformats.org/officeDocument/2006/relationships" xmlns:p="http://schemas.openxmlformats.org/presentationml/2006/main">
   <p:cSld>
     <p:spTree>
@@ -11947,7 +13437,7 @@
         <p:spPr>
           <a:xfrm>
             <a:off x="690221" y="1252603"/>
-            <a:ext cx="10420365" cy="2585323"/>
+            <a:ext cx="10420365" cy="3693319"/>
           </a:xfrm>
           <a:prstGeom prst="rect">
             <a:avLst/>
@@ -11965,7 +13455,7 @@
             </a:pPr>
             <a:r>
               <a:rPr lang="en-US" dirty="0"/>
-              <a:t>The application can predictions for a defined no of period (weeks) only</a:t>
+              <a:t>The application can predictions for a defined no of period (weeks) only for the next available year</a:t>
             </a:r>
           </a:p>
           <a:p>
@@ -12001,7 +13491,16 @@
             </a:pPr>
             <a:r>
               <a:rPr lang="en-US" dirty="0"/>
-              <a:t> </a:t>
+              <a:t> History data is available for the past two years on a weekly basis (104 weeks) for each product under each channel </a:t>
+            </a:r>
+          </a:p>
+          <a:p>
+            <a:pPr marL="342900" indent="-342900">
+              <a:buAutoNum type="arabicPeriod"/>
+            </a:pPr>
+            <a:r>
+              <a:rPr lang="en-US" dirty="0"/>
+              <a:t>The ARIMA model to be used (defining of the p, d, q parameters) is done by the analyst team based on ML algorithms. The arrived values of p, d and q values of the model defined are shared/stored in the DB. Prediction analysis for the future year would be using these shared values during a new history file upload. </a:t>
             </a:r>
           </a:p>
         </p:txBody>
@@ -12009,7 +13508,7 @@
     </p:spTree>
     <p:extLst>
       <p:ext uri="{BB962C8B-B14F-4D97-AF65-F5344CB8AC3E}">
-        <p14:creationId xmlns:p14="http://schemas.microsoft.com/office/powerpoint/2010/main" val="2617383259"/>
+        <p14:creationId xmlns:p14="http://schemas.microsoft.com/office/powerpoint/2010/main" val="1743610643"/>
       </p:ext>
     </p:extLst>
   </p:cSld>
@@ -14570,14 +16069,14 @@
           <p:nvPr>
             <p:extLst>
               <p:ext uri="{D42A27DB-BD31-4B8C-83A1-F6EECF244321}">
-                <p14:modId xmlns:p14="http://schemas.microsoft.com/office/powerpoint/2010/main" val="4261126679"/>
+                <p14:modId xmlns:p14="http://schemas.microsoft.com/office/powerpoint/2010/main" val="2568013674"/>
               </p:ext>
             </p:extLst>
           </p:nvPr>
         </p:nvGraphicFramePr>
         <p:xfrm>
           <a:off x="690220" y="1334532"/>
-          <a:ext cx="10946459" cy="4820920"/>
+          <a:ext cx="10946459" cy="5191760"/>
         </p:xfrm>
         <a:graphic>
           <a:graphicData uri="http://schemas.openxmlformats.org/drawingml/2006/table">
@@ -14978,7 +16477,7 @@
                     <a:p>
                       <a:r>
                         <a:rPr lang="en-US" dirty="0"/>
-                        <a:t>Passport and passport local</a:t>
+                        <a:t>passport and passport local</a:t>
                       </a:r>
                     </a:p>
                   </a:txBody>
@@ -15348,7 +16847,19 @@
                           <a:ea typeface="+mn-ea"/>
                           <a:cs typeface="+mn-cs"/>
                         </a:rPr>
-                        <a:t>data analysis</a:t>
+                        <a:t>data analysis </a:t>
+                      </a:r>
+                      <a:r>
+                        <a:rPr lang="en-US" sz="1800" b="0" i="0" kern="1200">
+                          <a:solidFill>
+                            <a:schemeClr val="dk1"/>
+                          </a:solidFill>
+                          <a:effectLst/>
+                          <a:latin typeface="+mn-lt"/>
+                          <a:ea typeface="+mn-ea"/>
+                          <a:cs typeface="+mn-cs"/>
+                        </a:rPr>
+                        <a:t>in Python</a:t>
                       </a:r>
                       <a:endParaRPr lang="en-US" dirty="0"/>
                     </a:p>
@@ -15467,6 +16978,109 @@
                   </a:ext>
                 </a:extLst>
               </a:tr>
+              <a:tr h="370840">
+                <a:tc>
+                  <a:txBody>
+                    <a:bodyPr/>
+                    <a:lstStyle/>
+                    <a:p>
+                      <a:r>
+                        <a:rPr lang="en-US" dirty="0"/>
+                        <a:t>Frontend &amp; Services</a:t>
+                      </a:r>
+                    </a:p>
+                  </a:txBody>
+                  <a:tcPr/>
+                </a:tc>
+                <a:tc>
+                  <a:txBody>
+                    <a:bodyPr/>
+                    <a:lstStyle/>
+                    <a:p>
+                      <a:r>
+                        <a:rPr lang="en-US" sz="1800" b="0" i="0" kern="1200" dirty="0">
+                          <a:solidFill>
+                            <a:schemeClr val="dk1"/>
+                          </a:solidFill>
+                          <a:effectLst/>
+                          <a:latin typeface="+mn-lt"/>
+                          <a:ea typeface="+mn-ea"/>
+                          <a:cs typeface="+mn-cs"/>
+                        </a:rPr>
+                        <a:t>Static code analysis</a:t>
+                      </a:r>
+                    </a:p>
+                  </a:txBody>
+                  <a:tcPr/>
+                </a:tc>
+                <a:tc>
+                  <a:txBody>
+                    <a:bodyPr/>
+                    <a:lstStyle/>
+                    <a:p>
+                      <a:pPr marL="0" marR="0" lvl="0" indent="0" algn="l" defTabSz="914400" rtl="0" eaLnBrk="1" fontAlgn="auto" latinLnBrk="0" hangingPunct="1">
+                        <a:lnSpc>
+                          <a:spcPct val="100000"/>
+                        </a:lnSpc>
+                        <a:spcBef>
+                          <a:spcPts val="0"/>
+                        </a:spcBef>
+                        <a:spcAft>
+                          <a:spcPts val="0"/>
+                        </a:spcAft>
+                        <a:buClrTx/>
+                        <a:buSzTx/>
+                        <a:buFontTx/>
+                        <a:buNone/>
+                        <a:tabLst/>
+                        <a:defRPr/>
+                      </a:pPr>
+                      <a:r>
+                        <a:rPr lang="en-US" sz="1800" b="0" kern="1200" dirty="0">
+                          <a:solidFill>
+                            <a:schemeClr val="dk1"/>
+                          </a:solidFill>
+                          <a:effectLst/>
+                          <a:latin typeface="+mn-lt"/>
+                          <a:ea typeface="+mn-ea"/>
+                          <a:cs typeface="+mn-cs"/>
+                        </a:rPr>
+                        <a:t>lint and </a:t>
+                      </a:r>
+                      <a:r>
+                        <a:rPr lang="en-US" sz="1800" b="0" kern="1200" dirty="0" err="1">
+                          <a:solidFill>
+                            <a:schemeClr val="dk1"/>
+                          </a:solidFill>
+                          <a:effectLst/>
+                          <a:latin typeface="+mn-lt"/>
+                          <a:ea typeface="+mn-ea"/>
+                          <a:cs typeface="+mn-cs"/>
+                        </a:rPr>
+                        <a:t>jshint</a:t>
+                      </a:r>
+                      <a:r>
+                        <a:rPr lang="en-US" sz="1800" b="0" kern="1200" dirty="0">
+                          <a:solidFill>
+                            <a:schemeClr val="dk1"/>
+                          </a:solidFill>
+                          <a:effectLst/>
+                          <a:latin typeface="+mn-lt"/>
+                          <a:ea typeface="+mn-ea"/>
+                          <a:cs typeface="+mn-cs"/>
+                        </a:rPr>
+                        <a:t> </a:t>
+                      </a:r>
+                    </a:p>
+                  </a:txBody>
+                  <a:tcPr/>
+                </a:tc>
+                <a:extLst>
+                  <a:ext uri="{0D108BD9-81ED-4DB2-BD59-A6C34878D82A}">
+                    <a16:rowId xmlns:a16="http://schemas.microsoft.com/office/drawing/2014/main" val="2602447307"/>
+                  </a:ext>
+                </a:extLst>
+              </a:tr>
             </a:tbl>
           </a:graphicData>
         </a:graphic>
@@ -15503,10 +17117,10 @@
       </p:grpSpPr>
       <p:sp>
         <p:nvSpPr>
-          <p:cNvPr id="17" name="Rectangle 16">
-            <a:extLst>
-              <a:ext uri="{FF2B5EF4-FFF2-40B4-BE49-F238E27FC236}">
-                <a16:creationId xmlns:a16="http://schemas.microsoft.com/office/drawing/2014/main" id="{D8941CE4-E964-8F4C-9456-8CBAD40F2842}"/>
+          <p:cNvPr id="4" name="Rectangle 3">
+            <a:extLst>
+              <a:ext uri="{FF2B5EF4-FFF2-40B4-BE49-F238E27FC236}">
+                <a16:creationId xmlns:a16="http://schemas.microsoft.com/office/drawing/2014/main" id="{837EDBB4-BB42-3D48-ACD2-96576F79406A}"/>
               </a:ext>
             </a:extLst>
           </p:cNvPr>
@@ -15549,10 +17163,10 @@
       </p:sp>
       <p:sp>
         <p:nvSpPr>
-          <p:cNvPr id="4" name="Rectangle 3">
-            <a:extLst>
-              <a:ext uri="{FF2B5EF4-FFF2-40B4-BE49-F238E27FC236}">
-                <a16:creationId xmlns:a16="http://schemas.microsoft.com/office/drawing/2014/main" id="{37F5FA4B-7060-C742-80F1-52BB6F44DE39}"/>
+          <p:cNvPr id="5" name="Rectangle 4">
+            <a:extLst>
+              <a:ext uri="{FF2B5EF4-FFF2-40B4-BE49-F238E27FC236}">
+                <a16:creationId xmlns:a16="http://schemas.microsoft.com/office/drawing/2014/main" id="{D675134C-A517-9D42-9293-EF443D9E9500}"/>
               </a:ext>
             </a:extLst>
           </p:cNvPr>
@@ -15596,10 +17210,10 @@
       </p:sp>
       <p:sp>
         <p:nvSpPr>
-          <p:cNvPr id="5" name="Rectangle 4">
-            <a:extLst>
-              <a:ext uri="{FF2B5EF4-FFF2-40B4-BE49-F238E27FC236}">
-                <a16:creationId xmlns:a16="http://schemas.microsoft.com/office/drawing/2014/main" id="{16F8A9F0-B21D-B24A-BD66-FFCDBC9CB469}"/>
+          <p:cNvPr id="6" name="Rectangle 5">
+            <a:extLst>
+              <a:ext uri="{FF2B5EF4-FFF2-40B4-BE49-F238E27FC236}">
+                <a16:creationId xmlns:a16="http://schemas.microsoft.com/office/drawing/2014/main" id="{1462AE92-FCAA-2E4C-8B2B-0036B8D06C4D}"/>
               </a:ext>
             </a:extLst>
           </p:cNvPr>
@@ -15642,266 +17256,10 @@
       </p:sp>
       <p:sp>
         <p:nvSpPr>
-          <p:cNvPr id="6" name="TextBox 5">
-            <a:extLst>
-              <a:ext uri="{FF2B5EF4-FFF2-40B4-BE49-F238E27FC236}">
-                <a16:creationId xmlns:a16="http://schemas.microsoft.com/office/drawing/2014/main" id="{5E25FB1E-0E5D-7848-ABF3-48DC9A5F81D7}"/>
-              </a:ext>
-            </a:extLst>
-          </p:cNvPr>
-          <p:cNvSpPr txBox="1"/>
-          <p:nvPr/>
-        </p:nvSpPr>
-        <p:spPr>
-          <a:xfrm>
-            <a:off x="4075350" y="2303487"/>
-            <a:ext cx="2220685" cy="369332"/>
-          </a:xfrm>
-          <a:prstGeom prst="rect">
-            <a:avLst/>
-          </a:prstGeom>
-          <a:noFill/>
-        </p:spPr>
-        <p:txBody>
-          <a:bodyPr wrap="square" rtlCol="0">
-            <a:spAutoFit/>
-          </a:bodyPr>
-          <a:lstStyle/>
-          <a:p>
-            <a:pPr algn="ctr"/>
-            <a:r>
-              <a:rPr lang="en-US" dirty="0"/>
-              <a:t>Admin Page</a:t>
-            </a:r>
-          </a:p>
-        </p:txBody>
-      </p:sp>
-      <p:sp>
-        <p:nvSpPr>
-          <p:cNvPr id="7" name="Rounded Rectangle 6">
-            <a:extLst>
-              <a:ext uri="{FF2B5EF4-FFF2-40B4-BE49-F238E27FC236}">
-                <a16:creationId xmlns:a16="http://schemas.microsoft.com/office/drawing/2014/main" id="{EEF438E4-C39A-0F44-B0E5-53590BD68AD6}"/>
-              </a:ext>
-            </a:extLst>
-          </p:cNvPr>
-          <p:cNvSpPr/>
-          <p:nvPr/>
-        </p:nvSpPr>
-        <p:spPr>
-          <a:xfrm>
-            <a:off x="4397084" y="3229762"/>
-            <a:ext cx="2351314" cy="380010"/>
-          </a:xfrm>
-          <a:prstGeom prst="roundRect">
-            <a:avLst/>
-          </a:prstGeom>
-          <a:noFill/>
-        </p:spPr>
-        <p:style>
-          <a:lnRef idx="2">
-            <a:schemeClr val="accent1">
-              <a:shade val="50000"/>
-            </a:schemeClr>
-          </a:lnRef>
-          <a:fillRef idx="1">
-            <a:schemeClr val="accent1"/>
-          </a:fillRef>
-          <a:effectRef idx="0">
-            <a:schemeClr val="accent1"/>
-          </a:effectRef>
-          <a:fontRef idx="minor">
-            <a:schemeClr val="lt1"/>
-          </a:fontRef>
-        </p:style>
-        <p:txBody>
-          <a:bodyPr rtlCol="0" anchor="ctr"/>
-          <a:lstStyle/>
-          <a:p>
-            <a:pPr algn="ctr"/>
-            <a:r>
-              <a:rPr lang="en-US" sz="1200" dirty="0">
-                <a:solidFill>
-                  <a:schemeClr val="accent1">
-                    <a:lumMod val="60000"/>
-                    <a:lumOff val="40000"/>
-                  </a:schemeClr>
-                </a:solidFill>
-              </a:rPr>
-              <a:t>File upload control</a:t>
-            </a:r>
-          </a:p>
-        </p:txBody>
-      </p:sp>
-      <p:sp>
-        <p:nvSpPr>
-          <p:cNvPr id="8" name="TextBox 7">
-            <a:extLst>
-              <a:ext uri="{FF2B5EF4-FFF2-40B4-BE49-F238E27FC236}">
-                <a16:creationId xmlns:a16="http://schemas.microsoft.com/office/drawing/2014/main" id="{8258A31E-7ECC-0244-BE0F-67E27DE89387}"/>
-              </a:ext>
-            </a:extLst>
-          </p:cNvPr>
-          <p:cNvSpPr txBox="1"/>
-          <p:nvPr/>
-        </p:nvSpPr>
-        <p:spPr>
-          <a:xfrm>
-            <a:off x="2283276" y="3229762"/>
-            <a:ext cx="2113808" cy="369332"/>
-          </a:xfrm>
-          <a:prstGeom prst="rect">
-            <a:avLst/>
-          </a:prstGeom>
-          <a:noFill/>
-        </p:spPr>
-        <p:txBody>
-          <a:bodyPr wrap="square" rtlCol="0">
-            <a:spAutoFit/>
-          </a:bodyPr>
-          <a:lstStyle/>
-          <a:p>
-            <a:r>
-              <a:rPr lang="en-US" dirty="0"/>
-              <a:t>Upload History File</a:t>
-            </a:r>
-          </a:p>
-        </p:txBody>
-      </p:sp>
-      <p:sp>
-        <p:nvSpPr>
-          <p:cNvPr id="9" name="Rounded Rectangle 8">
-            <a:extLst>
-              <a:ext uri="{FF2B5EF4-FFF2-40B4-BE49-F238E27FC236}">
-                <a16:creationId xmlns:a16="http://schemas.microsoft.com/office/drawing/2014/main" id="{0A40F08C-FAE4-034E-BAC3-B9E1151B2575}"/>
-              </a:ext>
-            </a:extLst>
-          </p:cNvPr>
-          <p:cNvSpPr/>
-          <p:nvPr/>
-        </p:nvSpPr>
-        <p:spPr>
-          <a:xfrm>
-            <a:off x="3772640" y="4078848"/>
-            <a:ext cx="1248888" cy="380010"/>
-          </a:xfrm>
-          <a:prstGeom prst="roundRect">
-            <a:avLst/>
-          </a:prstGeom>
-          <a:solidFill>
-            <a:schemeClr val="accent1">
-              <a:lumMod val="20000"/>
-              <a:lumOff val="80000"/>
-            </a:schemeClr>
-          </a:solidFill>
-          <a:ln>
-            <a:solidFill>
-              <a:schemeClr val="tx1"/>
-            </a:solidFill>
-          </a:ln>
-        </p:spPr>
-        <p:style>
-          <a:lnRef idx="2">
-            <a:schemeClr val="accent1">
-              <a:shade val="50000"/>
-            </a:schemeClr>
-          </a:lnRef>
-          <a:fillRef idx="1">
-            <a:schemeClr val="accent1"/>
-          </a:fillRef>
-          <a:effectRef idx="0">
-            <a:schemeClr val="accent1"/>
-          </a:effectRef>
-          <a:fontRef idx="minor">
-            <a:schemeClr val="lt1"/>
-          </a:fontRef>
-        </p:style>
-        <p:txBody>
-          <a:bodyPr rtlCol="0" anchor="ctr"/>
-          <a:lstStyle/>
-          <a:p>
-            <a:pPr algn="ctr"/>
-            <a:r>
-              <a:rPr lang="en-US" dirty="0">
-                <a:solidFill>
-                  <a:schemeClr val="tx1"/>
-                </a:solidFill>
-              </a:rPr>
-              <a:t>Upload</a:t>
-            </a:r>
-          </a:p>
-        </p:txBody>
-      </p:sp>
-      <p:sp>
-        <p:nvSpPr>
-          <p:cNvPr id="11" name="Rounded Rectangle 10">
-            <a:extLst>
-              <a:ext uri="{FF2B5EF4-FFF2-40B4-BE49-F238E27FC236}">
-                <a16:creationId xmlns:a16="http://schemas.microsoft.com/office/drawing/2014/main" id="{53A93196-4EAE-794D-BAA4-DC216C59FBFD}"/>
-              </a:ext>
-            </a:extLst>
-          </p:cNvPr>
-          <p:cNvSpPr/>
-          <p:nvPr/>
-        </p:nvSpPr>
-        <p:spPr>
-          <a:xfrm>
-            <a:off x="5499510" y="4059654"/>
-            <a:ext cx="1248888" cy="380010"/>
-          </a:xfrm>
-          <a:prstGeom prst="roundRect">
-            <a:avLst/>
-          </a:prstGeom>
-          <a:solidFill>
-            <a:schemeClr val="accent1">
-              <a:lumMod val="20000"/>
-              <a:lumOff val="80000"/>
-            </a:schemeClr>
-          </a:solidFill>
-          <a:ln>
-            <a:solidFill>
-              <a:schemeClr val="tx1"/>
-            </a:solidFill>
-          </a:ln>
-        </p:spPr>
-        <p:style>
-          <a:lnRef idx="2">
-            <a:schemeClr val="accent1">
-              <a:shade val="50000"/>
-            </a:schemeClr>
-          </a:lnRef>
-          <a:fillRef idx="1">
-            <a:schemeClr val="accent1"/>
-          </a:fillRef>
-          <a:effectRef idx="0">
-            <a:schemeClr val="accent1"/>
-          </a:effectRef>
-          <a:fontRef idx="minor">
-            <a:schemeClr val="lt1"/>
-          </a:fontRef>
-        </p:style>
-        <p:txBody>
-          <a:bodyPr rtlCol="0" anchor="ctr"/>
-          <a:lstStyle/>
-          <a:p>
-            <a:pPr algn="ctr"/>
-            <a:r>
-              <a:rPr lang="en-US" dirty="0">
-                <a:solidFill>
-                  <a:schemeClr val="tx1"/>
-                </a:solidFill>
-              </a:rPr>
-              <a:t>Cancel</a:t>
-            </a:r>
-          </a:p>
-        </p:txBody>
-      </p:sp>
-      <p:sp>
-        <p:nvSpPr>
-          <p:cNvPr id="13" name="TextBox 12">
-            <a:extLst>
-              <a:ext uri="{FF2B5EF4-FFF2-40B4-BE49-F238E27FC236}">
-                <a16:creationId xmlns:a16="http://schemas.microsoft.com/office/drawing/2014/main" id="{EA5B12AA-D35A-E44D-A385-AC27A1E21179}"/>
+          <p:cNvPr id="12" name="TextBox 11">
+            <a:extLst>
+              <a:ext uri="{FF2B5EF4-FFF2-40B4-BE49-F238E27FC236}">
+                <a16:creationId xmlns:a16="http://schemas.microsoft.com/office/drawing/2014/main" id="{7C365412-537A-FF4D-9020-0CCEC70306D2}"/>
               </a:ext>
             </a:extLst>
           </p:cNvPr>
@@ -15937,10 +17295,10 @@
       </p:sp>
       <p:sp>
         <p:nvSpPr>
-          <p:cNvPr id="14" name="TextBox 13">
-            <a:extLst>
-              <a:ext uri="{FF2B5EF4-FFF2-40B4-BE49-F238E27FC236}">
-                <a16:creationId xmlns:a16="http://schemas.microsoft.com/office/drawing/2014/main" id="{61833CE3-F465-744B-903A-9F9846E3A81D}"/>
+          <p:cNvPr id="13" name="TextBox 12">
+            <a:extLst>
+              <a:ext uri="{FF2B5EF4-FFF2-40B4-BE49-F238E27FC236}">
+                <a16:creationId xmlns:a16="http://schemas.microsoft.com/office/drawing/2014/main" id="{9A4E9977-9E28-DF42-9EF6-958F084B8883}"/>
               </a:ext>
             </a:extLst>
           </p:cNvPr>
@@ -15976,10 +17334,10 @@
       </p:sp>
       <p:sp>
         <p:nvSpPr>
-          <p:cNvPr id="15" name="TextBox 14">
-            <a:extLst>
-              <a:ext uri="{FF2B5EF4-FFF2-40B4-BE49-F238E27FC236}">
-                <a16:creationId xmlns:a16="http://schemas.microsoft.com/office/drawing/2014/main" id="{55AC7AC9-1263-2340-ADA4-4A46748C1464}"/>
+          <p:cNvPr id="14" name="TextBox 13">
+            <a:extLst>
+              <a:ext uri="{FF2B5EF4-FFF2-40B4-BE49-F238E27FC236}">
+                <a16:creationId xmlns:a16="http://schemas.microsoft.com/office/drawing/2014/main" id="{BB0E2BDF-5E3F-DB4D-9006-9417E1B4A4F0}"/>
               </a:ext>
             </a:extLst>
           </p:cNvPr>
@@ -16013,116 +17371,12 @@
           </a:p>
         </p:txBody>
       </p:sp>
-      <p:sp>
-        <p:nvSpPr>
-          <p:cNvPr id="16" name="TextBox 15">
-            <a:extLst>
-              <a:ext uri="{FF2B5EF4-FFF2-40B4-BE49-F238E27FC236}">
-                <a16:creationId xmlns:a16="http://schemas.microsoft.com/office/drawing/2014/main" id="{BB8620A4-067D-BB40-B707-5E5EDD26CB51}"/>
-              </a:ext>
-            </a:extLst>
-          </p:cNvPr>
-          <p:cNvSpPr txBox="1"/>
-          <p:nvPr/>
-        </p:nvSpPr>
-        <p:spPr>
-          <a:xfrm>
-            <a:off x="2101080" y="1482499"/>
-            <a:ext cx="1114299" cy="369332"/>
-          </a:xfrm>
-          <a:prstGeom prst="rect">
-            <a:avLst/>
-          </a:prstGeom>
-          <a:noFill/>
-        </p:spPr>
-        <p:txBody>
-          <a:bodyPr wrap="square" rtlCol="0">
-            <a:spAutoFit/>
-          </a:bodyPr>
-          <a:lstStyle/>
-          <a:p>
-            <a:r>
-              <a:rPr lang="en-US" dirty="0">
-                <a:solidFill>
-                  <a:schemeClr val="accent2">
-                    <a:lumMod val="75000"/>
-                  </a:schemeClr>
-                </a:solidFill>
-              </a:rPr>
-              <a:t>Admin</a:t>
-            </a:r>
-          </a:p>
-        </p:txBody>
-      </p:sp>
-      <p:sp>
-        <p:nvSpPr>
-          <p:cNvPr id="18" name="Rectangle 17">
-            <a:extLst>
-              <a:ext uri="{FF2B5EF4-FFF2-40B4-BE49-F238E27FC236}">
-                <a16:creationId xmlns:a16="http://schemas.microsoft.com/office/drawing/2014/main" id="{F071E3CA-4A6C-934B-8647-A8EEA68E45AB}"/>
-              </a:ext>
-            </a:extLst>
-          </p:cNvPr>
-          <p:cNvSpPr/>
-          <p:nvPr/>
-        </p:nvSpPr>
-        <p:spPr>
-          <a:xfrm>
-            <a:off x="8350466" y="1751925"/>
-            <a:ext cx="1021278" cy="380011"/>
-          </a:xfrm>
-          <a:prstGeom prst="rect">
-            <a:avLst/>
-          </a:prstGeom>
-          <a:solidFill>
-            <a:schemeClr val="accent1">
-              <a:lumMod val="40000"/>
-              <a:lumOff val="60000"/>
-            </a:schemeClr>
-          </a:solidFill>
-          <a:ln>
-            <a:solidFill>
-              <a:schemeClr val="accent1">
-                <a:lumMod val="60000"/>
-                <a:lumOff val="40000"/>
-              </a:schemeClr>
-            </a:solidFill>
-          </a:ln>
-        </p:spPr>
-        <p:style>
-          <a:lnRef idx="2">
-            <a:schemeClr val="accent1">
-              <a:shade val="50000"/>
-            </a:schemeClr>
-          </a:lnRef>
-          <a:fillRef idx="1">
-            <a:schemeClr val="accent1"/>
-          </a:fillRef>
-          <a:effectRef idx="0">
-            <a:schemeClr val="accent1"/>
-          </a:effectRef>
-          <a:fontRef idx="minor">
-            <a:schemeClr val="lt1"/>
-          </a:fontRef>
-        </p:style>
-        <p:txBody>
-          <a:bodyPr rtlCol="0" anchor="ctr"/>
-          <a:lstStyle/>
-          <a:p>
-            <a:pPr algn="ctr"/>
-            <a:r>
-              <a:rPr lang="en-US" dirty="0"/>
-              <a:t>Logout</a:t>
-            </a:r>
-          </a:p>
-        </p:txBody>
-      </p:sp>
       <p:cxnSp>
         <p:nvCxnSpPr>
-          <p:cNvPr id="19" name="Straight Connector 18">
-            <a:extLst>
-              <a:ext uri="{FF2B5EF4-FFF2-40B4-BE49-F238E27FC236}">
-                <a16:creationId xmlns:a16="http://schemas.microsoft.com/office/drawing/2014/main" id="{6780CCAE-459F-1346-B4BD-EA177ED3DDC8}"/>
+          <p:cNvPr id="17" name="Straight Connector 16">
+            <a:extLst>
+              <a:ext uri="{FF2B5EF4-FFF2-40B4-BE49-F238E27FC236}">
+                <a16:creationId xmlns:a16="http://schemas.microsoft.com/office/drawing/2014/main" id="{BA787667-0670-3341-817E-986F633653FE}"/>
               </a:ext>
             </a:extLst>
           </p:cNvPr>
@@ -16157,10 +17411,10 @@
       </p:cxnSp>
       <p:sp>
         <p:nvSpPr>
-          <p:cNvPr id="20" name="Rectangle 19">
-            <a:extLst>
-              <a:ext uri="{FF2B5EF4-FFF2-40B4-BE49-F238E27FC236}">
-                <a16:creationId xmlns:a16="http://schemas.microsoft.com/office/drawing/2014/main" id="{E84282A9-B310-3F4B-B9E5-E5BF148E29C1}"/>
+          <p:cNvPr id="18" name="Rectangle 17">
+            <a:extLst>
+              <a:ext uri="{FF2B5EF4-FFF2-40B4-BE49-F238E27FC236}">
+                <a16:creationId xmlns:a16="http://schemas.microsoft.com/office/drawing/2014/main" id="{902F7491-2D8F-B942-8E04-97638B510F00}"/>
               </a:ext>
             </a:extLst>
           </p:cNvPr>
@@ -16169,8 +17423,8 @@
         </p:nvSpPr>
         <p:spPr>
           <a:xfrm>
-            <a:off x="548794" y="575028"/>
-            <a:ext cx="6512424" cy="369332"/>
+            <a:off x="625322" y="590813"/>
+            <a:ext cx="3218703" cy="369332"/>
           </a:xfrm>
           <a:prstGeom prst="rect">
             <a:avLst/>
@@ -16198,7 +17452,701 @@
                   </a:outerShdw>
                 </a:effectLst>
               </a:rPr>
-              <a:t>Screen layout for Admin Page (To be used by the Analyst team only) </a:t>
+              <a:t>Screen layout for </a:t>
+            </a:r>
+            <a:r>
+              <a:rPr lang="en-US" dirty="0">
+                <a:ln w="0"/>
+                <a:effectLst>
+                  <a:outerShdw blurRad="38100" dist="19050" dir="2700000" algn="tl" rotWithShape="0">
+                    <a:schemeClr val="dk1">
+                      <a:alpha val="40000"/>
+                    </a:schemeClr>
+                  </a:outerShdw>
+                </a:effectLst>
+              </a:rPr>
+              <a:t>Sign in/Sign up</a:t>
+            </a:r>
+            <a:endParaRPr lang="en-US" b="0" cap="none" spc="0" dirty="0">
+              <a:ln w="0"/>
+              <a:solidFill>
+                <a:schemeClr val="tx1"/>
+              </a:solidFill>
+              <a:effectLst>
+                <a:outerShdw blurRad="38100" dist="19050" dir="2700000" algn="tl" rotWithShape="0">
+                  <a:schemeClr val="dk1">
+                    <a:alpha val="40000"/>
+                  </a:schemeClr>
+                </a:outerShdw>
+              </a:effectLst>
+            </a:endParaRPr>
+          </a:p>
+        </p:txBody>
+      </p:sp>
+      <p:sp>
+        <p:nvSpPr>
+          <p:cNvPr id="19" name="Rectangle 18">
+            <a:extLst>
+              <a:ext uri="{FF2B5EF4-FFF2-40B4-BE49-F238E27FC236}">
+                <a16:creationId xmlns:a16="http://schemas.microsoft.com/office/drawing/2014/main" id="{8FDA435E-14F8-F346-9F3C-FF1D2C03126B}"/>
+              </a:ext>
+            </a:extLst>
+          </p:cNvPr>
+          <p:cNvSpPr/>
+          <p:nvPr/>
+        </p:nvSpPr>
+        <p:spPr>
+          <a:xfrm>
+            <a:off x="2004164" y="2292263"/>
+            <a:ext cx="2531358" cy="2430049"/>
+          </a:xfrm>
+          <a:prstGeom prst="rect">
+            <a:avLst/>
+          </a:prstGeom>
+        </p:spPr>
+        <p:style>
+          <a:lnRef idx="2">
+            <a:schemeClr val="accent1">
+              <a:shade val="50000"/>
+            </a:schemeClr>
+          </a:lnRef>
+          <a:fillRef idx="1">
+            <a:schemeClr val="accent1"/>
+          </a:fillRef>
+          <a:effectRef idx="0">
+            <a:schemeClr val="accent1"/>
+          </a:effectRef>
+          <a:fontRef idx="minor">
+            <a:schemeClr val="lt1"/>
+          </a:fontRef>
+        </p:style>
+        <p:txBody>
+          <a:bodyPr rtlCol="0" anchor="ctr"/>
+          <a:lstStyle/>
+          <a:p>
+            <a:pPr algn="ctr"/>
+            <a:endParaRPr lang="en-US"/>
+          </a:p>
+        </p:txBody>
+      </p:sp>
+      <p:sp>
+        <p:nvSpPr>
+          <p:cNvPr id="20" name="Rectangle 19">
+            <a:extLst>
+              <a:ext uri="{FF2B5EF4-FFF2-40B4-BE49-F238E27FC236}">
+                <a16:creationId xmlns:a16="http://schemas.microsoft.com/office/drawing/2014/main" id="{E511604D-AE55-4A4A-9F10-5AFD8F2DF4F3}"/>
+              </a:ext>
+            </a:extLst>
+          </p:cNvPr>
+          <p:cNvSpPr/>
+          <p:nvPr/>
+        </p:nvSpPr>
+        <p:spPr>
+          <a:xfrm>
+            <a:off x="5069381" y="2292263"/>
+            <a:ext cx="3044477" cy="3366656"/>
+          </a:xfrm>
+          <a:prstGeom prst="rect">
+            <a:avLst/>
+          </a:prstGeom>
+        </p:spPr>
+        <p:style>
+          <a:lnRef idx="2">
+            <a:schemeClr val="accent1">
+              <a:shade val="50000"/>
+            </a:schemeClr>
+          </a:lnRef>
+          <a:fillRef idx="1">
+            <a:schemeClr val="accent1"/>
+          </a:fillRef>
+          <a:effectRef idx="0">
+            <a:schemeClr val="accent1"/>
+          </a:effectRef>
+          <a:fontRef idx="minor">
+            <a:schemeClr val="lt1"/>
+          </a:fontRef>
+        </p:style>
+        <p:txBody>
+          <a:bodyPr rtlCol="0" anchor="ctr"/>
+          <a:lstStyle/>
+          <a:p>
+            <a:pPr algn="ctr"/>
+            <a:endParaRPr lang="en-US"/>
+          </a:p>
+        </p:txBody>
+      </p:sp>
+      <p:sp>
+        <p:nvSpPr>
+          <p:cNvPr id="21" name="Rectangle 20">
+            <a:extLst>
+              <a:ext uri="{FF2B5EF4-FFF2-40B4-BE49-F238E27FC236}">
+                <a16:creationId xmlns:a16="http://schemas.microsoft.com/office/drawing/2014/main" id="{1D5D2EAD-01A9-BD49-B15C-03A6EB12D59E}"/>
+              </a:ext>
+            </a:extLst>
+          </p:cNvPr>
+          <p:cNvSpPr/>
+          <p:nvPr/>
+        </p:nvSpPr>
+        <p:spPr>
+          <a:xfrm>
+            <a:off x="2004164" y="2392469"/>
+            <a:ext cx="2531358" cy="388309"/>
+          </a:xfrm>
+          <a:prstGeom prst="rect">
+            <a:avLst/>
+          </a:prstGeom>
+          <a:solidFill>
+            <a:schemeClr val="bg1"/>
+          </a:solidFill>
+        </p:spPr>
+        <p:style>
+          <a:lnRef idx="2">
+            <a:schemeClr val="accent1">
+              <a:shade val="50000"/>
+            </a:schemeClr>
+          </a:lnRef>
+          <a:fillRef idx="1">
+            <a:schemeClr val="accent1"/>
+          </a:fillRef>
+          <a:effectRef idx="0">
+            <a:schemeClr val="accent1"/>
+          </a:effectRef>
+          <a:fontRef idx="minor">
+            <a:schemeClr val="lt1"/>
+          </a:fontRef>
+        </p:style>
+        <p:txBody>
+          <a:bodyPr rtlCol="0" anchor="ctr"/>
+          <a:lstStyle/>
+          <a:p>
+            <a:pPr algn="ctr"/>
+            <a:r>
+              <a:rPr lang="en-US" dirty="0">
+                <a:solidFill>
+                  <a:schemeClr val="tx1"/>
+                </a:solidFill>
+              </a:rPr>
+              <a:t>Sign in</a:t>
+            </a:r>
+          </a:p>
+        </p:txBody>
+      </p:sp>
+      <p:sp>
+        <p:nvSpPr>
+          <p:cNvPr id="22" name="Rectangle 21">
+            <a:extLst>
+              <a:ext uri="{FF2B5EF4-FFF2-40B4-BE49-F238E27FC236}">
+                <a16:creationId xmlns:a16="http://schemas.microsoft.com/office/drawing/2014/main" id="{887147F6-C728-C94E-81B6-EA0D8CB34EB8}"/>
+              </a:ext>
+            </a:extLst>
+          </p:cNvPr>
+          <p:cNvSpPr/>
+          <p:nvPr/>
+        </p:nvSpPr>
+        <p:spPr>
+          <a:xfrm>
+            <a:off x="5325941" y="2347488"/>
+            <a:ext cx="2531358" cy="388309"/>
+          </a:xfrm>
+          <a:prstGeom prst="rect">
+            <a:avLst/>
+          </a:prstGeom>
+          <a:solidFill>
+            <a:schemeClr val="bg1"/>
+          </a:solidFill>
+        </p:spPr>
+        <p:style>
+          <a:lnRef idx="2">
+            <a:schemeClr val="accent1">
+              <a:shade val="50000"/>
+            </a:schemeClr>
+          </a:lnRef>
+          <a:fillRef idx="1">
+            <a:schemeClr val="accent1"/>
+          </a:fillRef>
+          <a:effectRef idx="0">
+            <a:schemeClr val="accent1"/>
+          </a:effectRef>
+          <a:fontRef idx="minor">
+            <a:schemeClr val="lt1"/>
+          </a:fontRef>
+        </p:style>
+        <p:txBody>
+          <a:bodyPr rtlCol="0" anchor="ctr"/>
+          <a:lstStyle/>
+          <a:p>
+            <a:pPr algn="ctr"/>
+            <a:r>
+              <a:rPr lang="en-US" dirty="0">
+                <a:solidFill>
+                  <a:schemeClr val="tx1"/>
+                </a:solidFill>
+              </a:rPr>
+              <a:t>Sign up</a:t>
+            </a:r>
+          </a:p>
+        </p:txBody>
+      </p:sp>
+      <p:sp>
+        <p:nvSpPr>
+          <p:cNvPr id="23" name="Rectangle 22">
+            <a:extLst>
+              <a:ext uri="{FF2B5EF4-FFF2-40B4-BE49-F238E27FC236}">
+                <a16:creationId xmlns:a16="http://schemas.microsoft.com/office/drawing/2014/main" id="{E4E1BFA4-2DD9-864D-A38A-5020DEA18A1D}"/>
+              </a:ext>
+            </a:extLst>
+          </p:cNvPr>
+          <p:cNvSpPr/>
+          <p:nvPr/>
+        </p:nvSpPr>
+        <p:spPr>
+          <a:xfrm>
+            <a:off x="5636712" y="3018773"/>
+            <a:ext cx="1853852" cy="410227"/>
+          </a:xfrm>
+          <a:prstGeom prst="rect">
+            <a:avLst/>
+          </a:prstGeom>
+          <a:solidFill>
+            <a:schemeClr val="bg1"/>
+          </a:solidFill>
+        </p:spPr>
+        <p:style>
+          <a:lnRef idx="2">
+            <a:schemeClr val="accent1">
+              <a:shade val="50000"/>
+            </a:schemeClr>
+          </a:lnRef>
+          <a:fillRef idx="1">
+            <a:schemeClr val="accent1"/>
+          </a:fillRef>
+          <a:effectRef idx="0">
+            <a:schemeClr val="accent1"/>
+          </a:effectRef>
+          <a:fontRef idx="minor">
+            <a:schemeClr val="lt1"/>
+          </a:fontRef>
+        </p:style>
+        <p:txBody>
+          <a:bodyPr rtlCol="0" anchor="ctr"/>
+          <a:lstStyle/>
+          <a:p>
+            <a:pPr algn="ctr"/>
+            <a:r>
+              <a:rPr lang="en-US" dirty="0">
+                <a:solidFill>
+                  <a:schemeClr val="tx1"/>
+                </a:solidFill>
+              </a:rPr>
+              <a:t>First  Name</a:t>
+            </a:r>
+          </a:p>
+        </p:txBody>
+      </p:sp>
+      <p:sp>
+        <p:nvSpPr>
+          <p:cNvPr id="24" name="Rectangle 23">
+            <a:extLst>
+              <a:ext uri="{FF2B5EF4-FFF2-40B4-BE49-F238E27FC236}">
+                <a16:creationId xmlns:a16="http://schemas.microsoft.com/office/drawing/2014/main" id="{D26C323D-490F-CE4D-B5FC-D781722F7278}"/>
+              </a:ext>
+            </a:extLst>
+          </p:cNvPr>
+          <p:cNvSpPr/>
+          <p:nvPr/>
+        </p:nvSpPr>
+        <p:spPr>
+          <a:xfrm>
+            <a:off x="5636712" y="3528718"/>
+            <a:ext cx="1853852" cy="410227"/>
+          </a:xfrm>
+          <a:prstGeom prst="rect">
+            <a:avLst/>
+          </a:prstGeom>
+          <a:solidFill>
+            <a:schemeClr val="bg1"/>
+          </a:solidFill>
+        </p:spPr>
+        <p:style>
+          <a:lnRef idx="2">
+            <a:schemeClr val="accent1">
+              <a:shade val="50000"/>
+            </a:schemeClr>
+          </a:lnRef>
+          <a:fillRef idx="1">
+            <a:schemeClr val="accent1"/>
+          </a:fillRef>
+          <a:effectRef idx="0">
+            <a:schemeClr val="accent1"/>
+          </a:effectRef>
+          <a:fontRef idx="minor">
+            <a:schemeClr val="lt1"/>
+          </a:fontRef>
+        </p:style>
+        <p:txBody>
+          <a:bodyPr rtlCol="0" anchor="ctr"/>
+          <a:lstStyle/>
+          <a:p>
+            <a:pPr algn="ctr"/>
+            <a:r>
+              <a:rPr lang="en-US" dirty="0">
+                <a:solidFill>
+                  <a:schemeClr val="tx1"/>
+                </a:solidFill>
+              </a:rPr>
+              <a:t>Last  Name</a:t>
+            </a:r>
+          </a:p>
+        </p:txBody>
+      </p:sp>
+      <p:sp>
+        <p:nvSpPr>
+          <p:cNvPr id="25" name="Rectangle 24">
+            <a:extLst>
+              <a:ext uri="{FF2B5EF4-FFF2-40B4-BE49-F238E27FC236}">
+                <a16:creationId xmlns:a16="http://schemas.microsoft.com/office/drawing/2014/main" id="{A3F91D89-DC9B-4F4D-AC6F-C17454611D37}"/>
+              </a:ext>
+            </a:extLst>
+          </p:cNvPr>
+          <p:cNvSpPr/>
+          <p:nvPr/>
+        </p:nvSpPr>
+        <p:spPr>
+          <a:xfrm>
+            <a:off x="5636712" y="4038663"/>
+            <a:ext cx="1853852" cy="410227"/>
+          </a:xfrm>
+          <a:prstGeom prst="rect">
+            <a:avLst/>
+          </a:prstGeom>
+          <a:solidFill>
+            <a:schemeClr val="bg1"/>
+          </a:solidFill>
+        </p:spPr>
+        <p:style>
+          <a:lnRef idx="2">
+            <a:schemeClr val="accent1">
+              <a:shade val="50000"/>
+            </a:schemeClr>
+          </a:lnRef>
+          <a:fillRef idx="1">
+            <a:schemeClr val="accent1"/>
+          </a:fillRef>
+          <a:effectRef idx="0">
+            <a:schemeClr val="accent1"/>
+          </a:effectRef>
+          <a:fontRef idx="minor">
+            <a:schemeClr val="lt1"/>
+          </a:fontRef>
+        </p:style>
+        <p:txBody>
+          <a:bodyPr rtlCol="0" anchor="ctr"/>
+          <a:lstStyle/>
+          <a:p>
+            <a:pPr algn="ctr"/>
+            <a:r>
+              <a:rPr lang="en-US" dirty="0">
+                <a:solidFill>
+                  <a:schemeClr val="tx1"/>
+                </a:solidFill>
+              </a:rPr>
+              <a:t>Email</a:t>
+            </a:r>
+          </a:p>
+        </p:txBody>
+      </p:sp>
+      <p:sp>
+        <p:nvSpPr>
+          <p:cNvPr id="26" name="Rectangle 25">
+            <a:extLst>
+              <a:ext uri="{FF2B5EF4-FFF2-40B4-BE49-F238E27FC236}">
+                <a16:creationId xmlns:a16="http://schemas.microsoft.com/office/drawing/2014/main" id="{56AEAA23-EA05-624A-A8AD-A91B23DDC922}"/>
+              </a:ext>
+            </a:extLst>
+          </p:cNvPr>
+          <p:cNvSpPr/>
+          <p:nvPr/>
+        </p:nvSpPr>
+        <p:spPr>
+          <a:xfrm>
+            <a:off x="5636712" y="4548607"/>
+            <a:ext cx="1853852" cy="410227"/>
+          </a:xfrm>
+          <a:prstGeom prst="rect">
+            <a:avLst/>
+          </a:prstGeom>
+          <a:solidFill>
+            <a:schemeClr val="bg1"/>
+          </a:solidFill>
+        </p:spPr>
+        <p:style>
+          <a:lnRef idx="2">
+            <a:schemeClr val="accent1">
+              <a:shade val="50000"/>
+            </a:schemeClr>
+          </a:lnRef>
+          <a:fillRef idx="1">
+            <a:schemeClr val="accent1"/>
+          </a:fillRef>
+          <a:effectRef idx="0">
+            <a:schemeClr val="accent1"/>
+          </a:effectRef>
+          <a:fontRef idx="minor">
+            <a:schemeClr val="lt1"/>
+          </a:fontRef>
+        </p:style>
+        <p:txBody>
+          <a:bodyPr rtlCol="0" anchor="ctr"/>
+          <a:lstStyle/>
+          <a:p>
+            <a:pPr algn="ctr"/>
+            <a:r>
+              <a:rPr lang="en-US" dirty="0">
+                <a:solidFill>
+                  <a:schemeClr val="tx1"/>
+                </a:solidFill>
+              </a:rPr>
+              <a:t>Password</a:t>
+            </a:r>
+          </a:p>
+        </p:txBody>
+      </p:sp>
+      <p:sp>
+        <p:nvSpPr>
+          <p:cNvPr id="27" name="Rectangle 26">
+            <a:extLst>
+              <a:ext uri="{FF2B5EF4-FFF2-40B4-BE49-F238E27FC236}">
+                <a16:creationId xmlns:a16="http://schemas.microsoft.com/office/drawing/2014/main" id="{8B8E556A-B0A2-8941-BE08-BC5F0365BD18}"/>
+              </a:ext>
+            </a:extLst>
+          </p:cNvPr>
+          <p:cNvSpPr/>
+          <p:nvPr/>
+        </p:nvSpPr>
+        <p:spPr>
+          <a:xfrm>
+            <a:off x="2383687" y="2930908"/>
+            <a:ext cx="1853852" cy="410227"/>
+          </a:xfrm>
+          <a:prstGeom prst="rect">
+            <a:avLst/>
+          </a:prstGeom>
+          <a:solidFill>
+            <a:schemeClr val="bg1"/>
+          </a:solidFill>
+        </p:spPr>
+        <p:style>
+          <a:lnRef idx="2">
+            <a:schemeClr val="accent1">
+              <a:shade val="50000"/>
+            </a:schemeClr>
+          </a:lnRef>
+          <a:fillRef idx="1">
+            <a:schemeClr val="accent1"/>
+          </a:fillRef>
+          <a:effectRef idx="0">
+            <a:schemeClr val="accent1"/>
+          </a:effectRef>
+          <a:fontRef idx="minor">
+            <a:schemeClr val="lt1"/>
+          </a:fontRef>
+        </p:style>
+        <p:txBody>
+          <a:bodyPr rtlCol="0" anchor="ctr"/>
+          <a:lstStyle/>
+          <a:p>
+            <a:pPr algn="ctr"/>
+            <a:r>
+              <a:rPr lang="en-US" dirty="0">
+                <a:solidFill>
+                  <a:schemeClr val="tx1"/>
+                </a:solidFill>
+              </a:rPr>
+              <a:t>Email</a:t>
+            </a:r>
+          </a:p>
+        </p:txBody>
+      </p:sp>
+      <p:sp>
+        <p:nvSpPr>
+          <p:cNvPr id="28" name="Rectangle 27">
+            <a:extLst>
+              <a:ext uri="{FF2B5EF4-FFF2-40B4-BE49-F238E27FC236}">
+                <a16:creationId xmlns:a16="http://schemas.microsoft.com/office/drawing/2014/main" id="{E2314F6C-876B-6743-9AEB-F3D92E56AF13}"/>
+              </a:ext>
+            </a:extLst>
+          </p:cNvPr>
+          <p:cNvSpPr/>
+          <p:nvPr/>
+        </p:nvSpPr>
+        <p:spPr>
+          <a:xfrm>
+            <a:off x="2383687" y="3440852"/>
+            <a:ext cx="1853852" cy="410227"/>
+          </a:xfrm>
+          <a:prstGeom prst="rect">
+            <a:avLst/>
+          </a:prstGeom>
+          <a:solidFill>
+            <a:schemeClr val="bg1"/>
+          </a:solidFill>
+        </p:spPr>
+        <p:style>
+          <a:lnRef idx="2">
+            <a:schemeClr val="accent1">
+              <a:shade val="50000"/>
+            </a:schemeClr>
+          </a:lnRef>
+          <a:fillRef idx="1">
+            <a:schemeClr val="accent1"/>
+          </a:fillRef>
+          <a:effectRef idx="0">
+            <a:schemeClr val="accent1"/>
+          </a:effectRef>
+          <a:fontRef idx="minor">
+            <a:schemeClr val="lt1"/>
+          </a:fontRef>
+        </p:style>
+        <p:txBody>
+          <a:bodyPr rtlCol="0" anchor="ctr"/>
+          <a:lstStyle/>
+          <a:p>
+            <a:pPr algn="ctr"/>
+            <a:r>
+              <a:rPr lang="en-US" dirty="0">
+                <a:solidFill>
+                  <a:schemeClr val="tx1"/>
+                </a:solidFill>
+              </a:rPr>
+              <a:t>Password</a:t>
+            </a:r>
+          </a:p>
+        </p:txBody>
+      </p:sp>
+      <p:sp>
+        <p:nvSpPr>
+          <p:cNvPr id="29" name="Rounded Rectangle 28">
+            <a:extLst>
+              <a:ext uri="{FF2B5EF4-FFF2-40B4-BE49-F238E27FC236}">
+                <a16:creationId xmlns:a16="http://schemas.microsoft.com/office/drawing/2014/main" id="{D69A26D6-62ED-3147-8668-9FF17BB63DCF}"/>
+              </a:ext>
+            </a:extLst>
+          </p:cNvPr>
+          <p:cNvSpPr/>
+          <p:nvPr/>
+        </p:nvSpPr>
+        <p:spPr>
+          <a:xfrm>
+            <a:off x="5821904" y="5132501"/>
+            <a:ext cx="1248888" cy="380010"/>
+          </a:xfrm>
+          <a:prstGeom prst="roundRect">
+            <a:avLst/>
+          </a:prstGeom>
+          <a:solidFill>
+            <a:schemeClr val="accent1">
+              <a:lumMod val="20000"/>
+              <a:lumOff val="80000"/>
+            </a:schemeClr>
+          </a:solidFill>
+          <a:ln>
+            <a:solidFill>
+              <a:schemeClr val="tx1"/>
+            </a:solidFill>
+          </a:ln>
+        </p:spPr>
+        <p:style>
+          <a:lnRef idx="2">
+            <a:schemeClr val="accent1">
+              <a:shade val="50000"/>
+            </a:schemeClr>
+          </a:lnRef>
+          <a:fillRef idx="1">
+            <a:schemeClr val="accent1"/>
+          </a:fillRef>
+          <a:effectRef idx="0">
+            <a:schemeClr val="accent1"/>
+          </a:effectRef>
+          <a:fontRef idx="minor">
+            <a:schemeClr val="lt1"/>
+          </a:fontRef>
+        </p:style>
+        <p:txBody>
+          <a:bodyPr rtlCol="0" anchor="ctr"/>
+          <a:lstStyle/>
+          <a:p>
+            <a:pPr algn="ctr"/>
+            <a:r>
+              <a:rPr lang="en-US" dirty="0">
+                <a:solidFill>
+                  <a:schemeClr val="tx1"/>
+                </a:solidFill>
+              </a:rPr>
+              <a:t>Sign up</a:t>
+            </a:r>
+          </a:p>
+        </p:txBody>
+      </p:sp>
+      <p:sp>
+        <p:nvSpPr>
+          <p:cNvPr id="30" name="Rounded Rectangle 29">
+            <a:extLst>
+              <a:ext uri="{FF2B5EF4-FFF2-40B4-BE49-F238E27FC236}">
+                <a16:creationId xmlns:a16="http://schemas.microsoft.com/office/drawing/2014/main" id="{0D7610DC-41EE-D244-8D48-714EAA7430AD}"/>
+              </a:ext>
+            </a:extLst>
+          </p:cNvPr>
+          <p:cNvSpPr/>
+          <p:nvPr/>
+        </p:nvSpPr>
+        <p:spPr>
+          <a:xfrm>
+            <a:off x="2562607" y="4053771"/>
+            <a:ext cx="1248888" cy="380010"/>
+          </a:xfrm>
+          <a:prstGeom prst="roundRect">
+            <a:avLst/>
+          </a:prstGeom>
+          <a:solidFill>
+            <a:schemeClr val="accent1">
+              <a:lumMod val="20000"/>
+              <a:lumOff val="80000"/>
+            </a:schemeClr>
+          </a:solidFill>
+          <a:ln>
+            <a:solidFill>
+              <a:schemeClr val="tx1"/>
+            </a:solidFill>
+          </a:ln>
+        </p:spPr>
+        <p:style>
+          <a:lnRef idx="2">
+            <a:schemeClr val="accent1">
+              <a:shade val="50000"/>
+            </a:schemeClr>
+          </a:lnRef>
+          <a:fillRef idx="1">
+            <a:schemeClr val="accent1"/>
+          </a:fillRef>
+          <a:effectRef idx="0">
+            <a:schemeClr val="accent1"/>
+          </a:effectRef>
+          <a:fontRef idx="minor">
+            <a:schemeClr val="lt1"/>
+          </a:fontRef>
+        </p:style>
+        <p:txBody>
+          <a:bodyPr rtlCol="0" anchor="ctr"/>
+          <a:lstStyle/>
+          <a:p>
+            <a:pPr algn="ctr"/>
+            <a:r>
+              <a:rPr lang="en-US" dirty="0">
+                <a:solidFill>
+                  <a:schemeClr val="tx1"/>
+                </a:solidFill>
+              </a:rPr>
+              <a:t>Sign in</a:t>
             </a:r>
           </a:p>
         </p:txBody>
@@ -16206,7 +18154,7 @@
     </p:spTree>
     <p:extLst>
       <p:ext uri="{BB962C8B-B14F-4D97-AF65-F5344CB8AC3E}">
-        <p14:creationId xmlns:p14="http://schemas.microsoft.com/office/powerpoint/2010/main" val="3490804671"/>
+        <p14:creationId xmlns:p14="http://schemas.microsoft.com/office/powerpoint/2010/main" val="1924422418"/>
       </p:ext>
     </p:extLst>
   </p:cSld>
@@ -16790,6 +18738,2606 @@
                   </a:schemeClr>
                 </a:solidFill>
               </a:rPr>
+              <a:t>GET Index route</a:t>
+            </a:r>
+          </a:p>
+        </p:txBody>
+      </p:sp>
+      <p:cxnSp>
+        <p:nvCxnSpPr>
+          <p:cNvPr id="20" name="Elbow Connector 19">
+            <a:extLst>
+              <a:ext uri="{FF2B5EF4-FFF2-40B4-BE49-F238E27FC236}">
+                <a16:creationId xmlns:a16="http://schemas.microsoft.com/office/drawing/2014/main" id="{FE1F976F-D467-6B4D-9F6D-6BD2C323B5A3}"/>
+              </a:ext>
+            </a:extLst>
+          </p:cNvPr>
+          <p:cNvCxnSpPr>
+            <a:cxnSpLocks/>
+          </p:cNvCxnSpPr>
+          <p:nvPr/>
+        </p:nvCxnSpPr>
+        <p:spPr>
+          <a:xfrm rot="10800000" flipV="1">
+            <a:off x="9326712" y="3880802"/>
+            <a:ext cx="715069" cy="282138"/>
+          </a:xfrm>
+          <a:prstGeom prst="bentConnector3">
+            <a:avLst>
+              <a:gd name="adj1" fmla="val 594"/>
+            </a:avLst>
+          </a:prstGeom>
+          <a:ln>
+            <a:prstDash val="dash"/>
+            <a:tailEnd type="triangle"/>
+          </a:ln>
+        </p:spPr>
+        <p:style>
+          <a:lnRef idx="1">
+            <a:schemeClr val="accent1"/>
+          </a:lnRef>
+          <a:fillRef idx="0">
+            <a:schemeClr val="accent1"/>
+          </a:fillRef>
+          <a:effectRef idx="0">
+            <a:schemeClr val="accent1"/>
+          </a:effectRef>
+          <a:fontRef idx="minor">
+            <a:schemeClr val="tx1"/>
+          </a:fontRef>
+        </p:style>
+      </p:cxnSp>
+      <p:cxnSp>
+        <p:nvCxnSpPr>
+          <p:cNvPr id="21" name="Straight Arrow Connector 20">
+            <a:extLst>
+              <a:ext uri="{FF2B5EF4-FFF2-40B4-BE49-F238E27FC236}">
+                <a16:creationId xmlns:a16="http://schemas.microsoft.com/office/drawing/2014/main" id="{9103AD52-93FB-214D-AD3E-69EDF0D8FDA5}"/>
+              </a:ext>
+            </a:extLst>
+          </p:cNvPr>
+          <p:cNvCxnSpPr>
+            <a:cxnSpLocks/>
+          </p:cNvCxnSpPr>
+          <p:nvPr/>
+        </p:nvCxnSpPr>
+        <p:spPr>
+          <a:xfrm flipH="1">
+            <a:off x="5402469" y="4695570"/>
+            <a:ext cx="3916076" cy="0"/>
+          </a:xfrm>
+          <a:prstGeom prst="straightConnector1">
+            <a:avLst/>
+          </a:prstGeom>
+          <a:ln>
+            <a:prstDash val="dash"/>
+            <a:tailEnd type="triangle"/>
+          </a:ln>
+        </p:spPr>
+        <p:style>
+          <a:lnRef idx="1">
+            <a:schemeClr val="accent1"/>
+          </a:lnRef>
+          <a:fillRef idx="0">
+            <a:schemeClr val="accent1"/>
+          </a:fillRef>
+          <a:effectRef idx="0">
+            <a:schemeClr val="accent1"/>
+          </a:effectRef>
+          <a:fontRef idx="minor">
+            <a:schemeClr val="tx1"/>
+          </a:fontRef>
+        </p:style>
+      </p:cxnSp>
+      <p:cxnSp>
+        <p:nvCxnSpPr>
+          <p:cNvPr id="22" name="Straight Arrow Connector 21">
+            <a:extLst>
+              <a:ext uri="{FF2B5EF4-FFF2-40B4-BE49-F238E27FC236}">
+                <a16:creationId xmlns:a16="http://schemas.microsoft.com/office/drawing/2014/main" id="{8F00CBA4-7DFD-B643-8B79-0088B8CBFECA}"/>
+              </a:ext>
+            </a:extLst>
+          </p:cNvPr>
+          <p:cNvCxnSpPr>
+            <a:cxnSpLocks/>
+          </p:cNvCxnSpPr>
+          <p:nvPr/>
+        </p:nvCxnSpPr>
+        <p:spPr>
+          <a:xfrm>
+            <a:off x="5420140" y="3757137"/>
+            <a:ext cx="3891779" cy="0"/>
+          </a:xfrm>
+          <a:prstGeom prst="straightConnector1">
+            <a:avLst/>
+          </a:prstGeom>
+          <a:ln>
+            <a:tailEnd type="triangle"/>
+          </a:ln>
+        </p:spPr>
+        <p:style>
+          <a:lnRef idx="1">
+            <a:schemeClr val="accent1"/>
+          </a:lnRef>
+          <a:fillRef idx="0">
+            <a:schemeClr val="accent1"/>
+          </a:fillRef>
+          <a:effectRef idx="0">
+            <a:schemeClr val="accent1"/>
+          </a:effectRef>
+          <a:fontRef idx="minor">
+            <a:schemeClr val="tx1"/>
+          </a:fontRef>
+        </p:style>
+      </p:cxnSp>
+      <p:sp>
+        <p:nvSpPr>
+          <p:cNvPr id="23" name="TextBox 22">
+            <a:extLst>
+              <a:ext uri="{FF2B5EF4-FFF2-40B4-BE49-F238E27FC236}">
+                <a16:creationId xmlns:a16="http://schemas.microsoft.com/office/drawing/2014/main" id="{C89DE38A-2C99-2A42-9B5C-70077A2A41A6}"/>
+              </a:ext>
+            </a:extLst>
+          </p:cNvPr>
+          <p:cNvSpPr txBox="1"/>
+          <p:nvPr/>
+        </p:nvSpPr>
+        <p:spPr>
+          <a:xfrm>
+            <a:off x="6150324" y="4737972"/>
+            <a:ext cx="3255996" cy="584775"/>
+          </a:xfrm>
+          <a:prstGeom prst="rect">
+            <a:avLst/>
+          </a:prstGeom>
+          <a:noFill/>
+        </p:spPr>
+        <p:txBody>
+          <a:bodyPr wrap="square" rtlCol="0">
+            <a:spAutoFit/>
+          </a:bodyPr>
+          <a:lstStyle/>
+          <a:p>
+            <a:r>
+              <a:rPr lang="en-US" sz="1600" dirty="0">
+                <a:solidFill>
+                  <a:schemeClr val="accent6">
+                    <a:lumMod val="75000"/>
+                  </a:schemeClr>
+                </a:solidFill>
+              </a:rPr>
+              <a:t>Authenticate via Passport middleware</a:t>
+            </a:r>
+          </a:p>
+        </p:txBody>
+      </p:sp>
+      <p:cxnSp>
+        <p:nvCxnSpPr>
+          <p:cNvPr id="24" name="Straight Connector 23">
+            <a:extLst>
+              <a:ext uri="{FF2B5EF4-FFF2-40B4-BE49-F238E27FC236}">
+                <a16:creationId xmlns:a16="http://schemas.microsoft.com/office/drawing/2014/main" id="{F5CF6E1E-9124-554F-8AB3-2829BACFE36D}"/>
+              </a:ext>
+            </a:extLst>
+          </p:cNvPr>
+          <p:cNvCxnSpPr/>
+          <p:nvPr/>
+        </p:nvCxnSpPr>
+        <p:spPr>
+          <a:xfrm>
+            <a:off x="9332054" y="3863922"/>
+            <a:ext cx="709726" cy="0"/>
+          </a:xfrm>
+          <a:prstGeom prst="line">
+            <a:avLst/>
+          </a:prstGeom>
+        </p:spPr>
+        <p:style>
+          <a:lnRef idx="1">
+            <a:schemeClr val="accent1"/>
+          </a:lnRef>
+          <a:fillRef idx="0">
+            <a:schemeClr val="accent1"/>
+          </a:fillRef>
+          <a:effectRef idx="0">
+            <a:schemeClr val="accent1"/>
+          </a:effectRef>
+          <a:fontRef idx="minor">
+            <a:schemeClr val="tx1"/>
+          </a:fontRef>
+        </p:style>
+      </p:cxnSp>
+      <p:sp>
+        <p:nvSpPr>
+          <p:cNvPr id="25" name="TextBox 24">
+            <a:extLst>
+              <a:ext uri="{FF2B5EF4-FFF2-40B4-BE49-F238E27FC236}">
+                <a16:creationId xmlns:a16="http://schemas.microsoft.com/office/drawing/2014/main" id="{04819DA4-1ED3-6C45-8E2E-23B3D0E9E659}"/>
+              </a:ext>
+            </a:extLst>
+          </p:cNvPr>
+          <p:cNvSpPr txBox="1"/>
+          <p:nvPr/>
+        </p:nvSpPr>
+        <p:spPr>
+          <a:xfrm>
+            <a:off x="4213419" y="2279184"/>
+            <a:ext cx="1257891" cy="584775"/>
+          </a:xfrm>
+          <a:prstGeom prst="rect">
+            <a:avLst/>
+          </a:prstGeom>
+          <a:noFill/>
+        </p:spPr>
+        <p:txBody>
+          <a:bodyPr wrap="square" rtlCol="0">
+            <a:spAutoFit/>
+          </a:bodyPr>
+          <a:lstStyle/>
+          <a:p>
+            <a:r>
+              <a:rPr lang="en-US" sz="1600" dirty="0">
+                <a:solidFill>
+                  <a:schemeClr val="accent6">
+                    <a:lumMod val="75000"/>
+                  </a:schemeClr>
+                </a:solidFill>
+              </a:rPr>
+              <a:t>Show Sign in</a:t>
+            </a:r>
+          </a:p>
+          <a:p>
+            <a:r>
+              <a:rPr lang="en-US" sz="1600" dirty="0">
+                <a:solidFill>
+                  <a:schemeClr val="accent6">
+                    <a:lumMod val="75000"/>
+                  </a:schemeClr>
+                </a:solidFill>
+              </a:rPr>
+              <a:t>page</a:t>
+            </a:r>
+          </a:p>
+        </p:txBody>
+      </p:sp>
+      <p:cxnSp>
+        <p:nvCxnSpPr>
+          <p:cNvPr id="26" name="Straight Arrow Connector 25">
+            <a:extLst>
+              <a:ext uri="{FF2B5EF4-FFF2-40B4-BE49-F238E27FC236}">
+                <a16:creationId xmlns:a16="http://schemas.microsoft.com/office/drawing/2014/main" id="{6B5FBA24-4354-944C-9660-F751052DFD99}"/>
+              </a:ext>
+            </a:extLst>
+          </p:cNvPr>
+          <p:cNvCxnSpPr/>
+          <p:nvPr/>
+        </p:nvCxnSpPr>
+        <p:spPr>
+          <a:xfrm flipH="1">
+            <a:off x="3502254" y="5831154"/>
+            <a:ext cx="1879968" cy="0"/>
+          </a:xfrm>
+          <a:prstGeom prst="straightConnector1">
+            <a:avLst/>
+          </a:prstGeom>
+          <a:ln>
+            <a:prstDash val="dash"/>
+            <a:tailEnd type="triangle"/>
+          </a:ln>
+        </p:spPr>
+        <p:style>
+          <a:lnRef idx="1">
+            <a:schemeClr val="accent1"/>
+          </a:lnRef>
+          <a:fillRef idx="0">
+            <a:schemeClr val="accent1"/>
+          </a:fillRef>
+          <a:effectRef idx="0">
+            <a:schemeClr val="accent1"/>
+          </a:effectRef>
+          <a:fontRef idx="minor">
+            <a:schemeClr val="tx1"/>
+          </a:fontRef>
+        </p:style>
+      </p:cxnSp>
+      <p:sp>
+        <p:nvSpPr>
+          <p:cNvPr id="33" name="Rectangle 32">
+            <a:extLst>
+              <a:ext uri="{FF2B5EF4-FFF2-40B4-BE49-F238E27FC236}">
+                <a16:creationId xmlns:a16="http://schemas.microsoft.com/office/drawing/2014/main" id="{47F6D935-3D19-9245-BE01-88514477A73E}"/>
+              </a:ext>
+            </a:extLst>
+          </p:cNvPr>
+          <p:cNvSpPr/>
+          <p:nvPr/>
+        </p:nvSpPr>
+        <p:spPr>
+          <a:xfrm>
+            <a:off x="675131" y="610312"/>
+            <a:ext cx="2542427" cy="369332"/>
+          </a:xfrm>
+          <a:prstGeom prst="rect">
+            <a:avLst/>
+          </a:prstGeom>
+          <a:noFill/>
+        </p:spPr>
+        <p:txBody>
+          <a:bodyPr wrap="none" lIns="91440" tIns="45720" rIns="91440" bIns="45720">
+            <a:spAutoFit/>
+          </a:bodyPr>
+          <a:lstStyle/>
+          <a:p>
+            <a:pPr algn="ctr"/>
+            <a:r>
+              <a:rPr lang="en-US" b="0" cap="none" spc="0" dirty="0">
+                <a:ln w="0"/>
+                <a:solidFill>
+                  <a:schemeClr val="tx1"/>
+                </a:solidFill>
+                <a:effectLst>
+                  <a:outerShdw blurRad="38100" dist="19050" dir="2700000" algn="tl" rotWithShape="0">
+                    <a:schemeClr val="dk1">
+                      <a:alpha val="40000"/>
+                    </a:schemeClr>
+                  </a:outerShdw>
+                </a:effectLst>
+              </a:rPr>
+              <a:t>Existing user Sign in flow </a:t>
+            </a:r>
+          </a:p>
+        </p:txBody>
+      </p:sp>
+      <p:cxnSp>
+        <p:nvCxnSpPr>
+          <p:cNvPr id="34" name="Straight Connector 33">
+            <a:extLst>
+              <a:ext uri="{FF2B5EF4-FFF2-40B4-BE49-F238E27FC236}">
+                <a16:creationId xmlns:a16="http://schemas.microsoft.com/office/drawing/2014/main" id="{3BA51578-312C-CA4F-97AC-02EC5923141B}"/>
+              </a:ext>
+            </a:extLst>
+          </p:cNvPr>
+          <p:cNvCxnSpPr>
+            <a:cxnSpLocks/>
+          </p:cNvCxnSpPr>
+          <p:nvPr/>
+        </p:nvCxnSpPr>
+        <p:spPr>
+          <a:xfrm>
+            <a:off x="690221" y="965200"/>
+            <a:ext cx="8118115" cy="0"/>
+          </a:xfrm>
+          <a:prstGeom prst="line">
+            <a:avLst/>
+          </a:prstGeom>
+        </p:spPr>
+        <p:style>
+          <a:lnRef idx="3">
+            <a:schemeClr val="accent5"/>
+          </a:lnRef>
+          <a:fillRef idx="0">
+            <a:schemeClr val="accent5"/>
+          </a:fillRef>
+          <a:effectRef idx="2">
+            <a:schemeClr val="accent5"/>
+          </a:effectRef>
+          <a:fontRef idx="minor">
+            <a:schemeClr val="tx1"/>
+          </a:fontRef>
+        </p:style>
+      </p:cxnSp>
+      <p:cxnSp>
+        <p:nvCxnSpPr>
+          <p:cNvPr id="35" name="Elbow Connector 34">
+            <a:extLst>
+              <a:ext uri="{FF2B5EF4-FFF2-40B4-BE49-F238E27FC236}">
+                <a16:creationId xmlns:a16="http://schemas.microsoft.com/office/drawing/2014/main" id="{0705D6D7-F3A3-6E44-969E-2F0F06775153}"/>
+              </a:ext>
+            </a:extLst>
+          </p:cNvPr>
+          <p:cNvCxnSpPr>
+            <a:cxnSpLocks/>
+          </p:cNvCxnSpPr>
+          <p:nvPr/>
+        </p:nvCxnSpPr>
+        <p:spPr>
+          <a:xfrm rot="10800000" flipV="1">
+            <a:off x="3541456" y="2443906"/>
+            <a:ext cx="715069" cy="282138"/>
+          </a:xfrm>
+          <a:prstGeom prst="bentConnector3">
+            <a:avLst>
+              <a:gd name="adj1" fmla="val 594"/>
+            </a:avLst>
+          </a:prstGeom>
+          <a:ln>
+            <a:prstDash val="dash"/>
+            <a:tailEnd type="triangle"/>
+          </a:ln>
+        </p:spPr>
+        <p:style>
+          <a:lnRef idx="1">
+            <a:schemeClr val="accent1"/>
+          </a:lnRef>
+          <a:fillRef idx="0">
+            <a:schemeClr val="accent1"/>
+          </a:fillRef>
+          <a:effectRef idx="0">
+            <a:schemeClr val="accent1"/>
+          </a:effectRef>
+          <a:fontRef idx="minor">
+            <a:schemeClr val="tx1"/>
+          </a:fontRef>
+        </p:style>
+      </p:cxnSp>
+      <p:cxnSp>
+        <p:nvCxnSpPr>
+          <p:cNvPr id="36" name="Straight Connector 35">
+            <a:extLst>
+              <a:ext uri="{FF2B5EF4-FFF2-40B4-BE49-F238E27FC236}">
+                <a16:creationId xmlns:a16="http://schemas.microsoft.com/office/drawing/2014/main" id="{DDE5C868-AAF8-6040-BE38-0B90EB25898A}"/>
+              </a:ext>
+            </a:extLst>
+          </p:cNvPr>
+          <p:cNvCxnSpPr/>
+          <p:nvPr/>
+        </p:nvCxnSpPr>
+        <p:spPr>
+          <a:xfrm>
+            <a:off x="3546798" y="2427026"/>
+            <a:ext cx="709726" cy="0"/>
+          </a:xfrm>
+          <a:prstGeom prst="line">
+            <a:avLst/>
+          </a:prstGeom>
+        </p:spPr>
+        <p:style>
+          <a:lnRef idx="1">
+            <a:schemeClr val="accent1"/>
+          </a:lnRef>
+          <a:fillRef idx="0">
+            <a:schemeClr val="accent1"/>
+          </a:fillRef>
+          <a:effectRef idx="0">
+            <a:schemeClr val="accent1"/>
+          </a:effectRef>
+          <a:fontRef idx="minor">
+            <a:schemeClr val="tx1"/>
+          </a:fontRef>
+        </p:style>
+      </p:cxnSp>
+      <p:cxnSp>
+        <p:nvCxnSpPr>
+          <p:cNvPr id="37" name="Straight Arrow Connector 36">
+            <a:extLst>
+              <a:ext uri="{FF2B5EF4-FFF2-40B4-BE49-F238E27FC236}">
+                <a16:creationId xmlns:a16="http://schemas.microsoft.com/office/drawing/2014/main" id="{F7735A64-3BF7-7A4D-AB9E-87C419092EF2}"/>
+              </a:ext>
+            </a:extLst>
+          </p:cNvPr>
+          <p:cNvCxnSpPr/>
+          <p:nvPr/>
+        </p:nvCxnSpPr>
+        <p:spPr>
+          <a:xfrm flipH="1">
+            <a:off x="1637767" y="2974163"/>
+            <a:ext cx="1879968" cy="0"/>
+          </a:xfrm>
+          <a:prstGeom prst="straightConnector1">
+            <a:avLst/>
+          </a:prstGeom>
+          <a:ln>
+            <a:prstDash val="dash"/>
+            <a:tailEnd type="triangle"/>
+          </a:ln>
+        </p:spPr>
+        <p:style>
+          <a:lnRef idx="1">
+            <a:schemeClr val="accent1"/>
+          </a:lnRef>
+          <a:fillRef idx="0">
+            <a:schemeClr val="accent1"/>
+          </a:fillRef>
+          <a:effectRef idx="0">
+            <a:schemeClr val="accent1"/>
+          </a:effectRef>
+          <a:fontRef idx="minor">
+            <a:schemeClr val="tx1"/>
+          </a:fontRef>
+        </p:style>
+      </p:cxnSp>
+      <p:sp>
+        <p:nvSpPr>
+          <p:cNvPr id="38" name="TextBox 37">
+            <a:extLst>
+              <a:ext uri="{FF2B5EF4-FFF2-40B4-BE49-F238E27FC236}">
+                <a16:creationId xmlns:a16="http://schemas.microsoft.com/office/drawing/2014/main" id="{7100575C-3988-A241-9EFC-98E543BE0700}"/>
+              </a:ext>
+            </a:extLst>
+          </p:cNvPr>
+          <p:cNvSpPr txBox="1"/>
+          <p:nvPr/>
+        </p:nvSpPr>
+        <p:spPr>
+          <a:xfrm>
+            <a:off x="1680229" y="2647043"/>
+            <a:ext cx="1773219" cy="338554"/>
+          </a:xfrm>
+          <a:prstGeom prst="rect">
+            <a:avLst/>
+          </a:prstGeom>
+          <a:noFill/>
+        </p:spPr>
+        <p:txBody>
+          <a:bodyPr wrap="square" rtlCol="0">
+            <a:spAutoFit/>
+          </a:bodyPr>
+          <a:lstStyle/>
+          <a:p>
+            <a:r>
+              <a:rPr lang="en-US" sz="1600" dirty="0">
+                <a:solidFill>
+                  <a:schemeClr val="accent6">
+                    <a:lumMod val="75000"/>
+                  </a:schemeClr>
+                </a:solidFill>
+              </a:rPr>
+              <a:t>SHOW Sign in page</a:t>
+            </a:r>
+          </a:p>
+        </p:txBody>
+      </p:sp>
+      <p:cxnSp>
+        <p:nvCxnSpPr>
+          <p:cNvPr id="39" name="Straight Arrow Connector 38">
+            <a:extLst>
+              <a:ext uri="{FF2B5EF4-FFF2-40B4-BE49-F238E27FC236}">
+                <a16:creationId xmlns:a16="http://schemas.microsoft.com/office/drawing/2014/main" id="{FCDF7DE1-554D-A64F-B269-3EEEE36942A0}"/>
+              </a:ext>
+            </a:extLst>
+          </p:cNvPr>
+          <p:cNvCxnSpPr/>
+          <p:nvPr/>
+        </p:nvCxnSpPr>
+        <p:spPr>
+          <a:xfrm>
+            <a:off x="1664624" y="3441338"/>
+            <a:ext cx="1872975" cy="0"/>
+          </a:xfrm>
+          <a:prstGeom prst="straightConnector1">
+            <a:avLst/>
+          </a:prstGeom>
+          <a:ln>
+            <a:tailEnd type="triangle"/>
+          </a:ln>
+        </p:spPr>
+        <p:style>
+          <a:lnRef idx="1">
+            <a:schemeClr val="accent1"/>
+          </a:lnRef>
+          <a:fillRef idx="0">
+            <a:schemeClr val="accent1"/>
+          </a:fillRef>
+          <a:effectRef idx="0">
+            <a:schemeClr val="accent1"/>
+          </a:effectRef>
+          <a:fontRef idx="minor">
+            <a:schemeClr val="tx1"/>
+          </a:fontRef>
+        </p:style>
+      </p:cxnSp>
+      <p:sp>
+        <p:nvSpPr>
+          <p:cNvPr id="40" name="TextBox 39">
+            <a:extLst>
+              <a:ext uri="{FF2B5EF4-FFF2-40B4-BE49-F238E27FC236}">
+                <a16:creationId xmlns:a16="http://schemas.microsoft.com/office/drawing/2014/main" id="{C17E7EFC-FD2A-D849-AE05-61D2A123E498}"/>
+              </a:ext>
+            </a:extLst>
+          </p:cNvPr>
+          <p:cNvSpPr txBox="1"/>
+          <p:nvPr/>
+        </p:nvSpPr>
+        <p:spPr>
+          <a:xfrm>
+            <a:off x="1697869" y="3134573"/>
+            <a:ext cx="1773219" cy="338554"/>
+          </a:xfrm>
+          <a:prstGeom prst="rect">
+            <a:avLst/>
+          </a:prstGeom>
+          <a:noFill/>
+        </p:spPr>
+        <p:txBody>
+          <a:bodyPr wrap="square" rtlCol="0">
+            <a:spAutoFit/>
+          </a:bodyPr>
+          <a:lstStyle/>
+          <a:p>
+            <a:r>
+              <a:rPr lang="en-US" sz="1600" dirty="0">
+                <a:solidFill>
+                  <a:schemeClr val="accent6">
+                    <a:lumMod val="75000"/>
+                  </a:schemeClr>
+                </a:solidFill>
+              </a:rPr>
+              <a:t>Provide credentials</a:t>
+            </a:r>
+          </a:p>
+        </p:txBody>
+      </p:sp>
+      <p:cxnSp>
+        <p:nvCxnSpPr>
+          <p:cNvPr id="41" name="Straight Arrow Connector 40">
+            <a:extLst>
+              <a:ext uri="{FF2B5EF4-FFF2-40B4-BE49-F238E27FC236}">
+                <a16:creationId xmlns:a16="http://schemas.microsoft.com/office/drawing/2014/main" id="{C11894A3-3F25-014E-830D-D9BD36429F70}"/>
+              </a:ext>
+            </a:extLst>
+          </p:cNvPr>
+          <p:cNvCxnSpPr/>
+          <p:nvPr/>
+        </p:nvCxnSpPr>
+        <p:spPr>
+          <a:xfrm>
+            <a:off x="3529494" y="3572792"/>
+            <a:ext cx="1872975" cy="0"/>
+          </a:xfrm>
+          <a:prstGeom prst="straightConnector1">
+            <a:avLst/>
+          </a:prstGeom>
+          <a:ln>
+            <a:tailEnd type="triangle"/>
+          </a:ln>
+        </p:spPr>
+        <p:style>
+          <a:lnRef idx="1">
+            <a:schemeClr val="accent1"/>
+          </a:lnRef>
+          <a:fillRef idx="0">
+            <a:schemeClr val="accent1"/>
+          </a:fillRef>
+          <a:effectRef idx="0">
+            <a:schemeClr val="accent1"/>
+          </a:effectRef>
+          <a:fontRef idx="minor">
+            <a:schemeClr val="tx1"/>
+          </a:fontRef>
+        </p:style>
+      </p:cxnSp>
+      <p:sp>
+        <p:nvSpPr>
+          <p:cNvPr id="42" name="TextBox 41">
+            <a:extLst>
+              <a:ext uri="{FF2B5EF4-FFF2-40B4-BE49-F238E27FC236}">
+                <a16:creationId xmlns:a16="http://schemas.microsoft.com/office/drawing/2014/main" id="{0F8D747A-25CA-E543-8CFE-2C137EAE6FB5}"/>
+              </a:ext>
+            </a:extLst>
+          </p:cNvPr>
+          <p:cNvSpPr txBox="1"/>
+          <p:nvPr/>
+        </p:nvSpPr>
+        <p:spPr>
+          <a:xfrm>
+            <a:off x="3836971" y="3259723"/>
+            <a:ext cx="1040321" cy="338554"/>
+          </a:xfrm>
+          <a:prstGeom prst="rect">
+            <a:avLst/>
+          </a:prstGeom>
+          <a:noFill/>
+        </p:spPr>
+        <p:txBody>
+          <a:bodyPr wrap="square" rtlCol="0">
+            <a:spAutoFit/>
+          </a:bodyPr>
+          <a:lstStyle/>
+          <a:p>
+            <a:r>
+              <a:rPr lang="en-US" sz="1600" dirty="0">
+                <a:solidFill>
+                  <a:schemeClr val="accent6">
+                    <a:lumMod val="75000"/>
+                  </a:schemeClr>
+                </a:solidFill>
+              </a:rPr>
+              <a:t>VALIDATE</a:t>
+            </a:r>
+          </a:p>
+        </p:txBody>
+      </p:sp>
+      <p:sp>
+        <p:nvSpPr>
+          <p:cNvPr id="43" name="TextBox 42">
+            <a:extLst>
+              <a:ext uri="{FF2B5EF4-FFF2-40B4-BE49-F238E27FC236}">
+                <a16:creationId xmlns:a16="http://schemas.microsoft.com/office/drawing/2014/main" id="{939CCAFB-BB95-D149-8DC3-3B65CB77D58A}"/>
+              </a:ext>
+            </a:extLst>
+          </p:cNvPr>
+          <p:cNvSpPr txBox="1"/>
+          <p:nvPr/>
+        </p:nvSpPr>
+        <p:spPr>
+          <a:xfrm>
+            <a:off x="10117399" y="3831622"/>
+            <a:ext cx="1548408" cy="338554"/>
+          </a:xfrm>
+          <a:prstGeom prst="rect">
+            <a:avLst/>
+          </a:prstGeom>
+          <a:noFill/>
+        </p:spPr>
+        <p:txBody>
+          <a:bodyPr wrap="square" rtlCol="0">
+            <a:spAutoFit/>
+          </a:bodyPr>
+          <a:lstStyle/>
+          <a:p>
+            <a:r>
+              <a:rPr lang="en-US" sz="1600" dirty="0" err="1">
+                <a:solidFill>
+                  <a:schemeClr val="accent6">
+                    <a:lumMod val="75000"/>
+                  </a:schemeClr>
+                </a:solidFill>
+              </a:rPr>
+              <a:t>findOne</a:t>
+            </a:r>
+            <a:r>
+              <a:rPr lang="en-US" sz="1600" dirty="0">
+                <a:solidFill>
+                  <a:schemeClr val="accent6">
+                    <a:lumMod val="75000"/>
+                  </a:schemeClr>
+                </a:solidFill>
+              </a:rPr>
+              <a:t>()</a:t>
+            </a:r>
+          </a:p>
+        </p:txBody>
+      </p:sp>
+      <p:sp>
+        <p:nvSpPr>
+          <p:cNvPr id="47" name="TextBox 46">
+            <a:extLst>
+              <a:ext uri="{FF2B5EF4-FFF2-40B4-BE49-F238E27FC236}">
+                <a16:creationId xmlns:a16="http://schemas.microsoft.com/office/drawing/2014/main" id="{652C1CAB-A877-344C-AB59-F6C3FDDDB700}"/>
+              </a:ext>
+            </a:extLst>
+          </p:cNvPr>
+          <p:cNvSpPr txBox="1"/>
+          <p:nvPr/>
+        </p:nvSpPr>
+        <p:spPr>
+          <a:xfrm>
+            <a:off x="6504182" y="4345533"/>
+            <a:ext cx="1749903" cy="338554"/>
+          </a:xfrm>
+          <a:prstGeom prst="rect">
+            <a:avLst/>
+          </a:prstGeom>
+          <a:noFill/>
+        </p:spPr>
+        <p:txBody>
+          <a:bodyPr wrap="square" rtlCol="0">
+            <a:spAutoFit/>
+          </a:bodyPr>
+          <a:lstStyle/>
+          <a:p>
+            <a:r>
+              <a:rPr lang="en-US" sz="1600" dirty="0">
+                <a:solidFill>
+                  <a:schemeClr val="accent6">
+                    <a:lumMod val="75000"/>
+                  </a:schemeClr>
+                </a:solidFill>
+              </a:rPr>
+              <a:t>USER data</a:t>
+            </a:r>
+          </a:p>
+        </p:txBody>
+      </p:sp>
+      <p:sp>
+        <p:nvSpPr>
+          <p:cNvPr id="48" name="TextBox 47">
+            <a:extLst>
+              <a:ext uri="{FF2B5EF4-FFF2-40B4-BE49-F238E27FC236}">
+                <a16:creationId xmlns:a16="http://schemas.microsoft.com/office/drawing/2014/main" id="{7B460008-AAE4-1A47-B219-ED4CED2D02BC}"/>
+              </a:ext>
+            </a:extLst>
+          </p:cNvPr>
+          <p:cNvSpPr txBox="1"/>
+          <p:nvPr/>
+        </p:nvSpPr>
+        <p:spPr>
+          <a:xfrm>
+            <a:off x="3635527" y="5332585"/>
+            <a:ext cx="1749903" cy="584775"/>
+          </a:xfrm>
+          <a:prstGeom prst="rect">
+            <a:avLst/>
+          </a:prstGeom>
+          <a:noFill/>
+        </p:spPr>
+        <p:txBody>
+          <a:bodyPr wrap="square" rtlCol="0">
+            <a:spAutoFit/>
+          </a:bodyPr>
+          <a:lstStyle/>
+          <a:p>
+            <a:r>
+              <a:rPr lang="en-US" sz="1600" dirty="0">
+                <a:solidFill>
+                  <a:schemeClr val="accent6">
+                    <a:lumMod val="75000"/>
+                  </a:schemeClr>
+                </a:solidFill>
+              </a:rPr>
+              <a:t>SUCCESS message with JWT</a:t>
+            </a:r>
+          </a:p>
+        </p:txBody>
+      </p:sp>
+      <p:cxnSp>
+        <p:nvCxnSpPr>
+          <p:cNvPr id="49" name="Straight Arrow Connector 48">
+            <a:extLst>
+              <a:ext uri="{FF2B5EF4-FFF2-40B4-BE49-F238E27FC236}">
+                <a16:creationId xmlns:a16="http://schemas.microsoft.com/office/drawing/2014/main" id="{3BC91880-4674-7846-AEA2-CF569E8A7F52}"/>
+              </a:ext>
+            </a:extLst>
+          </p:cNvPr>
+          <p:cNvCxnSpPr/>
+          <p:nvPr/>
+        </p:nvCxnSpPr>
+        <p:spPr>
+          <a:xfrm flipH="1">
+            <a:off x="1660135" y="6045591"/>
+            <a:ext cx="1879968" cy="0"/>
+          </a:xfrm>
+          <a:prstGeom prst="straightConnector1">
+            <a:avLst/>
+          </a:prstGeom>
+          <a:ln>
+            <a:prstDash val="dash"/>
+            <a:tailEnd type="triangle"/>
+          </a:ln>
+        </p:spPr>
+        <p:style>
+          <a:lnRef idx="1">
+            <a:schemeClr val="accent1"/>
+          </a:lnRef>
+          <a:fillRef idx="0">
+            <a:schemeClr val="accent1"/>
+          </a:fillRef>
+          <a:effectRef idx="0">
+            <a:schemeClr val="accent1"/>
+          </a:effectRef>
+          <a:fontRef idx="minor">
+            <a:schemeClr val="tx1"/>
+          </a:fontRef>
+        </p:style>
+      </p:cxnSp>
+      <p:sp>
+        <p:nvSpPr>
+          <p:cNvPr id="50" name="TextBox 49">
+            <a:extLst>
+              <a:ext uri="{FF2B5EF4-FFF2-40B4-BE49-F238E27FC236}">
+                <a16:creationId xmlns:a16="http://schemas.microsoft.com/office/drawing/2014/main" id="{15F08FFD-BA19-F248-BE43-2CDED34AB6C1}"/>
+              </a:ext>
+            </a:extLst>
+          </p:cNvPr>
+          <p:cNvSpPr txBox="1"/>
+          <p:nvPr/>
+        </p:nvSpPr>
+        <p:spPr>
+          <a:xfrm>
+            <a:off x="1743002" y="5707037"/>
+            <a:ext cx="1718336" cy="338554"/>
+          </a:xfrm>
+          <a:prstGeom prst="rect">
+            <a:avLst/>
+          </a:prstGeom>
+          <a:noFill/>
+        </p:spPr>
+        <p:txBody>
+          <a:bodyPr wrap="square" rtlCol="0">
+            <a:spAutoFit/>
+          </a:bodyPr>
+          <a:lstStyle/>
+          <a:p>
+            <a:r>
+              <a:rPr lang="en-US" sz="1600" dirty="0">
+                <a:solidFill>
+                  <a:schemeClr val="accent6">
+                    <a:lumMod val="75000"/>
+                  </a:schemeClr>
+                </a:solidFill>
+              </a:rPr>
+              <a:t>Dashboard page</a:t>
+            </a:r>
+          </a:p>
+        </p:txBody>
+      </p:sp>
+      <p:sp>
+        <p:nvSpPr>
+          <p:cNvPr id="54" name="TextBox 53">
+            <a:extLst>
+              <a:ext uri="{FF2B5EF4-FFF2-40B4-BE49-F238E27FC236}">
+                <a16:creationId xmlns:a16="http://schemas.microsoft.com/office/drawing/2014/main" id="{2E3F5CD0-253E-5647-88E0-83B422327800}"/>
+              </a:ext>
+            </a:extLst>
+          </p:cNvPr>
+          <p:cNvSpPr txBox="1"/>
+          <p:nvPr/>
+        </p:nvSpPr>
+        <p:spPr>
+          <a:xfrm>
+            <a:off x="5995377" y="3436102"/>
+            <a:ext cx="1749903" cy="338554"/>
+          </a:xfrm>
+          <a:prstGeom prst="rect">
+            <a:avLst/>
+          </a:prstGeom>
+          <a:noFill/>
+        </p:spPr>
+        <p:txBody>
+          <a:bodyPr wrap="square" rtlCol="0">
+            <a:spAutoFit/>
+          </a:bodyPr>
+          <a:lstStyle/>
+          <a:p>
+            <a:r>
+              <a:rPr lang="en-US" sz="1600" dirty="0">
+                <a:solidFill>
+                  <a:schemeClr val="accent6">
+                    <a:lumMod val="75000"/>
+                  </a:schemeClr>
+                </a:solidFill>
+              </a:rPr>
+              <a:t>GET user data</a:t>
+            </a:r>
+          </a:p>
+        </p:txBody>
+      </p:sp>
+      <p:cxnSp>
+        <p:nvCxnSpPr>
+          <p:cNvPr id="55" name="Elbow Connector 54">
+            <a:extLst>
+              <a:ext uri="{FF2B5EF4-FFF2-40B4-BE49-F238E27FC236}">
+                <a16:creationId xmlns:a16="http://schemas.microsoft.com/office/drawing/2014/main" id="{85BC1CC0-9610-0F4C-A666-334A85ED6919}"/>
+              </a:ext>
+            </a:extLst>
+          </p:cNvPr>
+          <p:cNvCxnSpPr>
+            <a:cxnSpLocks/>
+          </p:cNvCxnSpPr>
+          <p:nvPr/>
+        </p:nvCxnSpPr>
+        <p:spPr>
+          <a:xfrm rot="10800000" flipV="1">
+            <a:off x="5417956" y="4910181"/>
+            <a:ext cx="715069" cy="282138"/>
+          </a:xfrm>
+          <a:prstGeom prst="bentConnector3">
+            <a:avLst>
+              <a:gd name="adj1" fmla="val 594"/>
+            </a:avLst>
+          </a:prstGeom>
+          <a:ln>
+            <a:prstDash val="dash"/>
+            <a:tailEnd type="triangle"/>
+          </a:ln>
+        </p:spPr>
+        <p:style>
+          <a:lnRef idx="1">
+            <a:schemeClr val="accent1"/>
+          </a:lnRef>
+          <a:fillRef idx="0">
+            <a:schemeClr val="accent1"/>
+          </a:fillRef>
+          <a:effectRef idx="0">
+            <a:schemeClr val="accent1"/>
+          </a:effectRef>
+          <a:fontRef idx="minor">
+            <a:schemeClr val="tx1"/>
+          </a:fontRef>
+        </p:style>
+      </p:cxnSp>
+      <p:cxnSp>
+        <p:nvCxnSpPr>
+          <p:cNvPr id="57" name="Straight Connector 56">
+            <a:extLst>
+              <a:ext uri="{FF2B5EF4-FFF2-40B4-BE49-F238E27FC236}">
+                <a16:creationId xmlns:a16="http://schemas.microsoft.com/office/drawing/2014/main" id="{D420B42F-4A42-834B-96E6-0357C13BD86E}"/>
+              </a:ext>
+            </a:extLst>
+          </p:cNvPr>
+          <p:cNvCxnSpPr/>
+          <p:nvPr/>
+        </p:nvCxnSpPr>
+        <p:spPr>
+          <a:xfrm>
+            <a:off x="5423298" y="4893301"/>
+            <a:ext cx="709726" cy="0"/>
+          </a:xfrm>
+          <a:prstGeom prst="line">
+            <a:avLst/>
+          </a:prstGeom>
+        </p:spPr>
+        <p:style>
+          <a:lnRef idx="1">
+            <a:schemeClr val="accent1"/>
+          </a:lnRef>
+          <a:fillRef idx="0">
+            <a:schemeClr val="accent1"/>
+          </a:fillRef>
+          <a:effectRef idx="0">
+            <a:schemeClr val="accent1"/>
+          </a:effectRef>
+          <a:fontRef idx="minor">
+            <a:schemeClr val="tx1"/>
+          </a:fontRef>
+        </p:style>
+      </p:cxnSp>
+      <p:sp>
+        <p:nvSpPr>
+          <p:cNvPr id="60" name="TextBox 59">
+            <a:extLst>
+              <a:ext uri="{FF2B5EF4-FFF2-40B4-BE49-F238E27FC236}">
+                <a16:creationId xmlns:a16="http://schemas.microsoft.com/office/drawing/2014/main" id="{1BFD302E-7BF8-6741-858F-1BC17541311E}"/>
+              </a:ext>
+            </a:extLst>
+          </p:cNvPr>
+          <p:cNvSpPr txBox="1"/>
+          <p:nvPr/>
+        </p:nvSpPr>
+        <p:spPr>
+          <a:xfrm>
+            <a:off x="6112889" y="5339626"/>
+            <a:ext cx="1353286" cy="338554"/>
+          </a:xfrm>
+          <a:prstGeom prst="rect">
+            <a:avLst/>
+          </a:prstGeom>
+          <a:noFill/>
+        </p:spPr>
+        <p:txBody>
+          <a:bodyPr wrap="square" rtlCol="0">
+            <a:spAutoFit/>
+          </a:bodyPr>
+          <a:lstStyle/>
+          <a:p>
+            <a:r>
+              <a:rPr lang="en-US" sz="1600" dirty="0">
+                <a:solidFill>
+                  <a:schemeClr val="accent6">
+                    <a:lumMod val="75000"/>
+                  </a:schemeClr>
+                </a:solidFill>
+              </a:rPr>
+              <a:t>Generate JWT</a:t>
+            </a:r>
+          </a:p>
+        </p:txBody>
+      </p:sp>
+      <p:cxnSp>
+        <p:nvCxnSpPr>
+          <p:cNvPr id="66" name="Elbow Connector 65">
+            <a:extLst>
+              <a:ext uri="{FF2B5EF4-FFF2-40B4-BE49-F238E27FC236}">
+                <a16:creationId xmlns:a16="http://schemas.microsoft.com/office/drawing/2014/main" id="{57575F62-AD44-D443-B53B-B6FB80072C00}"/>
+              </a:ext>
+            </a:extLst>
+          </p:cNvPr>
+          <p:cNvCxnSpPr>
+            <a:cxnSpLocks/>
+          </p:cNvCxnSpPr>
+          <p:nvPr/>
+        </p:nvCxnSpPr>
+        <p:spPr>
+          <a:xfrm rot="10800000" flipV="1">
+            <a:off x="5417956" y="5376172"/>
+            <a:ext cx="715069" cy="282138"/>
+          </a:xfrm>
+          <a:prstGeom prst="bentConnector3">
+            <a:avLst>
+              <a:gd name="adj1" fmla="val 594"/>
+            </a:avLst>
+          </a:prstGeom>
+          <a:ln>
+            <a:prstDash val="dash"/>
+            <a:tailEnd type="triangle"/>
+          </a:ln>
+        </p:spPr>
+        <p:style>
+          <a:lnRef idx="1">
+            <a:schemeClr val="accent1"/>
+          </a:lnRef>
+          <a:fillRef idx="0">
+            <a:schemeClr val="accent1"/>
+          </a:fillRef>
+          <a:effectRef idx="0">
+            <a:schemeClr val="accent1"/>
+          </a:effectRef>
+          <a:fontRef idx="minor">
+            <a:schemeClr val="tx1"/>
+          </a:fontRef>
+        </p:style>
+      </p:cxnSp>
+      <p:cxnSp>
+        <p:nvCxnSpPr>
+          <p:cNvPr id="67" name="Straight Connector 66">
+            <a:extLst>
+              <a:ext uri="{FF2B5EF4-FFF2-40B4-BE49-F238E27FC236}">
+                <a16:creationId xmlns:a16="http://schemas.microsoft.com/office/drawing/2014/main" id="{D61FF605-3D7C-0D40-AC32-70235F2DBB39}"/>
+              </a:ext>
+            </a:extLst>
+          </p:cNvPr>
+          <p:cNvCxnSpPr/>
+          <p:nvPr/>
+        </p:nvCxnSpPr>
+        <p:spPr>
+          <a:xfrm>
+            <a:off x="5423298" y="5359292"/>
+            <a:ext cx="709726" cy="0"/>
+          </a:xfrm>
+          <a:prstGeom prst="line">
+            <a:avLst/>
+          </a:prstGeom>
+        </p:spPr>
+        <p:style>
+          <a:lnRef idx="1">
+            <a:schemeClr val="accent1"/>
+          </a:lnRef>
+          <a:fillRef idx="0">
+            <a:schemeClr val="accent1"/>
+          </a:fillRef>
+          <a:effectRef idx="0">
+            <a:schemeClr val="accent1"/>
+          </a:effectRef>
+          <a:fontRef idx="minor">
+            <a:schemeClr val="tx1"/>
+          </a:fontRef>
+        </p:style>
+      </p:cxnSp>
+    </p:spTree>
+    <p:extLst>
+      <p:ext uri="{BB962C8B-B14F-4D97-AF65-F5344CB8AC3E}">
+        <p14:creationId xmlns:p14="http://schemas.microsoft.com/office/powerpoint/2010/main" val="2490050468"/>
+      </p:ext>
+    </p:extLst>
+  </p:cSld>
+  <p:clrMapOvr>
+    <a:masterClrMapping/>
+  </p:clrMapOvr>
+</p:sld>
+</file>
+
+<file path=ppt/slides/slide8.xml><?xml version="1.0" encoding="utf-8"?>
+<p:sld xmlns:a="http://schemas.openxmlformats.org/drawingml/2006/main" xmlns:r="http://schemas.openxmlformats.org/officeDocument/2006/relationships" xmlns:p="http://schemas.openxmlformats.org/presentationml/2006/main">
+  <p:cSld>
+    <p:spTree>
+      <p:nvGrpSpPr>
+        <p:cNvPr id="1" name=""/>
+        <p:cNvGrpSpPr/>
+        <p:nvPr/>
+      </p:nvGrpSpPr>
+      <p:grpSpPr>
+        <a:xfrm>
+          <a:off x="0" y="0"/>
+          <a:ext cx="0" cy="0"/>
+          <a:chOff x="0" y="0"/>
+          <a:chExt cx="0" cy="0"/>
+        </a:xfrm>
+      </p:grpSpPr>
+      <p:sp>
+        <p:nvSpPr>
+          <p:cNvPr id="17" name="Rectangle 16">
+            <a:extLst>
+              <a:ext uri="{FF2B5EF4-FFF2-40B4-BE49-F238E27FC236}">
+                <a16:creationId xmlns:a16="http://schemas.microsoft.com/office/drawing/2014/main" id="{D8941CE4-E964-8F4C-9456-8CBAD40F2842}"/>
+              </a:ext>
+            </a:extLst>
+          </p:cNvPr>
+          <p:cNvSpPr/>
+          <p:nvPr/>
+        </p:nvSpPr>
+        <p:spPr>
+          <a:xfrm>
+            <a:off x="1249022" y="6352972"/>
+            <a:ext cx="8122722" cy="329921"/>
+          </a:xfrm>
+          <a:prstGeom prst="rect">
+            <a:avLst/>
+          </a:prstGeom>
+        </p:spPr>
+        <p:style>
+          <a:lnRef idx="2">
+            <a:schemeClr val="accent1">
+              <a:shade val="50000"/>
+            </a:schemeClr>
+          </a:lnRef>
+          <a:fillRef idx="1">
+            <a:schemeClr val="accent1"/>
+          </a:fillRef>
+          <a:effectRef idx="0">
+            <a:schemeClr val="accent1"/>
+          </a:effectRef>
+          <a:fontRef idx="minor">
+            <a:schemeClr val="lt1"/>
+          </a:fontRef>
+        </p:style>
+        <p:txBody>
+          <a:bodyPr rtlCol="0" anchor="ctr"/>
+          <a:lstStyle/>
+          <a:p>
+            <a:pPr algn="ctr"/>
+            <a:endParaRPr lang="en-US"/>
+          </a:p>
+        </p:txBody>
+      </p:sp>
+      <p:sp>
+        <p:nvSpPr>
+          <p:cNvPr id="4" name="Rectangle 3">
+            <a:extLst>
+              <a:ext uri="{FF2B5EF4-FFF2-40B4-BE49-F238E27FC236}">
+                <a16:creationId xmlns:a16="http://schemas.microsoft.com/office/drawing/2014/main" id="{37F5FA4B-7060-C742-80F1-52BB6F44DE39}"/>
+              </a:ext>
+            </a:extLst>
+          </p:cNvPr>
+          <p:cNvSpPr/>
+          <p:nvPr/>
+        </p:nvSpPr>
+        <p:spPr>
+          <a:xfrm>
+            <a:off x="1249022" y="1199081"/>
+            <a:ext cx="8122722" cy="5474525"/>
+          </a:xfrm>
+          <a:prstGeom prst="rect">
+            <a:avLst/>
+          </a:prstGeom>
+          <a:noFill/>
+        </p:spPr>
+        <p:style>
+          <a:lnRef idx="2">
+            <a:schemeClr val="accent1">
+              <a:shade val="50000"/>
+            </a:schemeClr>
+          </a:lnRef>
+          <a:fillRef idx="1">
+            <a:schemeClr val="accent1"/>
+          </a:fillRef>
+          <a:effectRef idx="0">
+            <a:schemeClr val="accent1"/>
+          </a:effectRef>
+          <a:fontRef idx="minor">
+            <a:schemeClr val="lt1"/>
+          </a:fontRef>
+        </p:style>
+        <p:txBody>
+          <a:bodyPr rtlCol="0" anchor="ctr"/>
+          <a:lstStyle/>
+          <a:p>
+            <a:pPr algn="ctr"/>
+            <a:endParaRPr lang="en-US"/>
+          </a:p>
+        </p:txBody>
+      </p:sp>
+      <p:sp>
+        <p:nvSpPr>
+          <p:cNvPr id="5" name="Rectangle 4">
+            <a:extLst>
+              <a:ext uri="{FF2B5EF4-FFF2-40B4-BE49-F238E27FC236}">
+                <a16:creationId xmlns:a16="http://schemas.microsoft.com/office/drawing/2014/main" id="{16F8A9F0-B21D-B24A-BD66-FFCDBC9CB469}"/>
+              </a:ext>
+            </a:extLst>
+          </p:cNvPr>
+          <p:cNvSpPr/>
+          <p:nvPr/>
+        </p:nvSpPr>
+        <p:spPr>
+          <a:xfrm>
+            <a:off x="1249022" y="1199081"/>
+            <a:ext cx="8122722" cy="665019"/>
+          </a:xfrm>
+          <a:prstGeom prst="rect">
+            <a:avLst/>
+          </a:prstGeom>
+        </p:spPr>
+        <p:style>
+          <a:lnRef idx="2">
+            <a:schemeClr val="accent1">
+              <a:shade val="50000"/>
+            </a:schemeClr>
+          </a:lnRef>
+          <a:fillRef idx="1">
+            <a:schemeClr val="accent1"/>
+          </a:fillRef>
+          <a:effectRef idx="0">
+            <a:schemeClr val="accent1"/>
+          </a:effectRef>
+          <a:fontRef idx="minor">
+            <a:schemeClr val="lt1"/>
+          </a:fontRef>
+        </p:style>
+        <p:txBody>
+          <a:bodyPr rtlCol="0" anchor="ctr"/>
+          <a:lstStyle/>
+          <a:p>
+            <a:pPr algn="ctr"/>
+            <a:endParaRPr lang="en-US"/>
+          </a:p>
+        </p:txBody>
+      </p:sp>
+      <p:sp>
+        <p:nvSpPr>
+          <p:cNvPr id="6" name="TextBox 5">
+            <a:extLst>
+              <a:ext uri="{FF2B5EF4-FFF2-40B4-BE49-F238E27FC236}">
+                <a16:creationId xmlns:a16="http://schemas.microsoft.com/office/drawing/2014/main" id="{5E25FB1E-0E5D-7848-ABF3-48DC9A5F81D7}"/>
+              </a:ext>
+            </a:extLst>
+          </p:cNvPr>
+          <p:cNvSpPr txBox="1"/>
+          <p:nvPr/>
+        </p:nvSpPr>
+        <p:spPr>
+          <a:xfrm>
+            <a:off x="4075350" y="2303487"/>
+            <a:ext cx="2220685" cy="369332"/>
+          </a:xfrm>
+          <a:prstGeom prst="rect">
+            <a:avLst/>
+          </a:prstGeom>
+          <a:noFill/>
+        </p:spPr>
+        <p:txBody>
+          <a:bodyPr wrap="square" rtlCol="0">
+            <a:spAutoFit/>
+          </a:bodyPr>
+          <a:lstStyle/>
+          <a:p>
+            <a:pPr algn="ctr"/>
+            <a:r>
+              <a:rPr lang="en-US" dirty="0"/>
+              <a:t>Admin Page</a:t>
+            </a:r>
+          </a:p>
+        </p:txBody>
+      </p:sp>
+      <p:sp>
+        <p:nvSpPr>
+          <p:cNvPr id="7" name="Rounded Rectangle 6">
+            <a:extLst>
+              <a:ext uri="{FF2B5EF4-FFF2-40B4-BE49-F238E27FC236}">
+                <a16:creationId xmlns:a16="http://schemas.microsoft.com/office/drawing/2014/main" id="{EEF438E4-C39A-0F44-B0E5-53590BD68AD6}"/>
+              </a:ext>
+            </a:extLst>
+          </p:cNvPr>
+          <p:cNvSpPr/>
+          <p:nvPr/>
+        </p:nvSpPr>
+        <p:spPr>
+          <a:xfrm>
+            <a:off x="4397084" y="3229762"/>
+            <a:ext cx="2351314" cy="380010"/>
+          </a:xfrm>
+          <a:prstGeom prst="roundRect">
+            <a:avLst/>
+          </a:prstGeom>
+          <a:noFill/>
+        </p:spPr>
+        <p:style>
+          <a:lnRef idx="2">
+            <a:schemeClr val="accent1">
+              <a:shade val="50000"/>
+            </a:schemeClr>
+          </a:lnRef>
+          <a:fillRef idx="1">
+            <a:schemeClr val="accent1"/>
+          </a:fillRef>
+          <a:effectRef idx="0">
+            <a:schemeClr val="accent1"/>
+          </a:effectRef>
+          <a:fontRef idx="minor">
+            <a:schemeClr val="lt1"/>
+          </a:fontRef>
+        </p:style>
+        <p:txBody>
+          <a:bodyPr rtlCol="0" anchor="ctr"/>
+          <a:lstStyle/>
+          <a:p>
+            <a:pPr algn="ctr"/>
+            <a:r>
+              <a:rPr lang="en-US" sz="1200" dirty="0">
+                <a:solidFill>
+                  <a:schemeClr val="accent1">
+                    <a:lumMod val="60000"/>
+                    <a:lumOff val="40000"/>
+                  </a:schemeClr>
+                </a:solidFill>
+              </a:rPr>
+              <a:t>File upload control</a:t>
+            </a:r>
+          </a:p>
+        </p:txBody>
+      </p:sp>
+      <p:sp>
+        <p:nvSpPr>
+          <p:cNvPr id="8" name="TextBox 7">
+            <a:extLst>
+              <a:ext uri="{FF2B5EF4-FFF2-40B4-BE49-F238E27FC236}">
+                <a16:creationId xmlns:a16="http://schemas.microsoft.com/office/drawing/2014/main" id="{8258A31E-7ECC-0244-BE0F-67E27DE89387}"/>
+              </a:ext>
+            </a:extLst>
+          </p:cNvPr>
+          <p:cNvSpPr txBox="1"/>
+          <p:nvPr/>
+        </p:nvSpPr>
+        <p:spPr>
+          <a:xfrm>
+            <a:off x="2283276" y="3229762"/>
+            <a:ext cx="2113808" cy="369332"/>
+          </a:xfrm>
+          <a:prstGeom prst="rect">
+            <a:avLst/>
+          </a:prstGeom>
+          <a:noFill/>
+        </p:spPr>
+        <p:txBody>
+          <a:bodyPr wrap="square" rtlCol="0">
+            <a:spAutoFit/>
+          </a:bodyPr>
+          <a:lstStyle/>
+          <a:p>
+            <a:r>
+              <a:rPr lang="en-US" dirty="0"/>
+              <a:t>Upload History File</a:t>
+            </a:r>
+          </a:p>
+        </p:txBody>
+      </p:sp>
+      <p:sp>
+        <p:nvSpPr>
+          <p:cNvPr id="9" name="Rounded Rectangle 8">
+            <a:extLst>
+              <a:ext uri="{FF2B5EF4-FFF2-40B4-BE49-F238E27FC236}">
+                <a16:creationId xmlns:a16="http://schemas.microsoft.com/office/drawing/2014/main" id="{0A40F08C-FAE4-034E-BAC3-B9E1151B2575}"/>
+              </a:ext>
+            </a:extLst>
+          </p:cNvPr>
+          <p:cNvSpPr/>
+          <p:nvPr/>
+        </p:nvSpPr>
+        <p:spPr>
+          <a:xfrm>
+            <a:off x="3772640" y="4078848"/>
+            <a:ext cx="1248888" cy="380010"/>
+          </a:xfrm>
+          <a:prstGeom prst="roundRect">
+            <a:avLst/>
+          </a:prstGeom>
+          <a:solidFill>
+            <a:schemeClr val="accent1">
+              <a:lumMod val="20000"/>
+              <a:lumOff val="80000"/>
+            </a:schemeClr>
+          </a:solidFill>
+          <a:ln>
+            <a:solidFill>
+              <a:schemeClr val="tx1"/>
+            </a:solidFill>
+          </a:ln>
+        </p:spPr>
+        <p:style>
+          <a:lnRef idx="2">
+            <a:schemeClr val="accent1">
+              <a:shade val="50000"/>
+            </a:schemeClr>
+          </a:lnRef>
+          <a:fillRef idx="1">
+            <a:schemeClr val="accent1"/>
+          </a:fillRef>
+          <a:effectRef idx="0">
+            <a:schemeClr val="accent1"/>
+          </a:effectRef>
+          <a:fontRef idx="minor">
+            <a:schemeClr val="lt1"/>
+          </a:fontRef>
+        </p:style>
+        <p:txBody>
+          <a:bodyPr rtlCol="0" anchor="ctr"/>
+          <a:lstStyle/>
+          <a:p>
+            <a:pPr algn="ctr"/>
+            <a:r>
+              <a:rPr lang="en-US" dirty="0">
+                <a:solidFill>
+                  <a:schemeClr val="tx1"/>
+                </a:solidFill>
+              </a:rPr>
+              <a:t>Upload</a:t>
+            </a:r>
+          </a:p>
+        </p:txBody>
+      </p:sp>
+      <p:sp>
+        <p:nvSpPr>
+          <p:cNvPr id="11" name="Rounded Rectangle 10">
+            <a:extLst>
+              <a:ext uri="{FF2B5EF4-FFF2-40B4-BE49-F238E27FC236}">
+                <a16:creationId xmlns:a16="http://schemas.microsoft.com/office/drawing/2014/main" id="{53A93196-4EAE-794D-BAA4-DC216C59FBFD}"/>
+              </a:ext>
+            </a:extLst>
+          </p:cNvPr>
+          <p:cNvSpPr/>
+          <p:nvPr/>
+        </p:nvSpPr>
+        <p:spPr>
+          <a:xfrm>
+            <a:off x="5499510" y="4059654"/>
+            <a:ext cx="1248888" cy="380010"/>
+          </a:xfrm>
+          <a:prstGeom prst="roundRect">
+            <a:avLst/>
+          </a:prstGeom>
+          <a:solidFill>
+            <a:schemeClr val="accent1">
+              <a:lumMod val="20000"/>
+              <a:lumOff val="80000"/>
+            </a:schemeClr>
+          </a:solidFill>
+          <a:ln>
+            <a:solidFill>
+              <a:schemeClr val="tx1"/>
+            </a:solidFill>
+          </a:ln>
+        </p:spPr>
+        <p:style>
+          <a:lnRef idx="2">
+            <a:schemeClr val="accent1">
+              <a:shade val="50000"/>
+            </a:schemeClr>
+          </a:lnRef>
+          <a:fillRef idx="1">
+            <a:schemeClr val="accent1"/>
+          </a:fillRef>
+          <a:effectRef idx="0">
+            <a:schemeClr val="accent1"/>
+          </a:effectRef>
+          <a:fontRef idx="minor">
+            <a:schemeClr val="lt1"/>
+          </a:fontRef>
+        </p:style>
+        <p:txBody>
+          <a:bodyPr rtlCol="0" anchor="ctr"/>
+          <a:lstStyle/>
+          <a:p>
+            <a:pPr algn="ctr"/>
+            <a:r>
+              <a:rPr lang="en-US" dirty="0">
+                <a:solidFill>
+                  <a:schemeClr val="tx1"/>
+                </a:solidFill>
+              </a:rPr>
+              <a:t>Cancel</a:t>
+            </a:r>
+          </a:p>
+        </p:txBody>
+      </p:sp>
+      <p:sp>
+        <p:nvSpPr>
+          <p:cNvPr id="13" name="TextBox 12">
+            <a:extLst>
+              <a:ext uri="{FF2B5EF4-FFF2-40B4-BE49-F238E27FC236}">
+                <a16:creationId xmlns:a16="http://schemas.microsoft.com/office/drawing/2014/main" id="{EA5B12AA-D35A-E44D-A385-AC27A1E21179}"/>
+              </a:ext>
+            </a:extLst>
+          </p:cNvPr>
+          <p:cNvSpPr txBox="1"/>
+          <p:nvPr/>
+        </p:nvSpPr>
+        <p:spPr>
+          <a:xfrm>
+            <a:off x="4535522" y="6352972"/>
+            <a:ext cx="1736761" cy="369332"/>
+          </a:xfrm>
+          <a:prstGeom prst="rect">
+            <a:avLst/>
+          </a:prstGeom>
+          <a:noFill/>
+        </p:spPr>
+        <p:txBody>
+          <a:bodyPr wrap="square" rtlCol="0">
+            <a:spAutoFit/>
+          </a:bodyPr>
+          <a:lstStyle/>
+          <a:p>
+            <a:r>
+              <a:rPr lang="en-US" dirty="0">
+                <a:solidFill>
+                  <a:schemeClr val="bg1"/>
+                </a:solidFill>
+              </a:rPr>
+              <a:t>FOOTER</a:t>
+            </a:r>
+          </a:p>
+        </p:txBody>
+      </p:sp>
+      <p:sp>
+        <p:nvSpPr>
+          <p:cNvPr id="14" name="TextBox 13">
+            <a:extLst>
+              <a:ext uri="{FF2B5EF4-FFF2-40B4-BE49-F238E27FC236}">
+                <a16:creationId xmlns:a16="http://schemas.microsoft.com/office/drawing/2014/main" id="{61833CE3-F465-744B-903A-9F9846E3A81D}"/>
+              </a:ext>
+            </a:extLst>
+          </p:cNvPr>
+          <p:cNvSpPr txBox="1"/>
+          <p:nvPr/>
+        </p:nvSpPr>
+        <p:spPr>
+          <a:xfrm>
+            <a:off x="4818552" y="1376222"/>
+            <a:ext cx="1039830" cy="369332"/>
+          </a:xfrm>
+          <a:prstGeom prst="rect">
+            <a:avLst/>
+          </a:prstGeom>
+          <a:noFill/>
+        </p:spPr>
+        <p:txBody>
+          <a:bodyPr wrap="square" rtlCol="0">
+            <a:spAutoFit/>
+          </a:bodyPr>
+          <a:lstStyle/>
+          <a:p>
+            <a:r>
+              <a:rPr lang="en-US" dirty="0">
+                <a:solidFill>
+                  <a:schemeClr val="bg1"/>
+                </a:solidFill>
+              </a:rPr>
+              <a:t>HEADER</a:t>
+            </a:r>
+          </a:p>
+        </p:txBody>
+      </p:sp>
+      <p:sp>
+        <p:nvSpPr>
+          <p:cNvPr id="15" name="TextBox 14">
+            <a:extLst>
+              <a:ext uri="{FF2B5EF4-FFF2-40B4-BE49-F238E27FC236}">
+                <a16:creationId xmlns:a16="http://schemas.microsoft.com/office/drawing/2014/main" id="{55AC7AC9-1263-2340-ADA4-4A46748C1464}"/>
+              </a:ext>
+            </a:extLst>
+          </p:cNvPr>
+          <p:cNvSpPr txBox="1"/>
+          <p:nvPr/>
+        </p:nvSpPr>
+        <p:spPr>
+          <a:xfrm>
+            <a:off x="1379651" y="1484089"/>
+            <a:ext cx="855023" cy="380011"/>
+          </a:xfrm>
+          <a:prstGeom prst="rect">
+            <a:avLst/>
+          </a:prstGeom>
+          <a:noFill/>
+        </p:spPr>
+        <p:txBody>
+          <a:bodyPr wrap="square" rtlCol="0">
+            <a:spAutoFit/>
+          </a:bodyPr>
+          <a:lstStyle/>
+          <a:p>
+            <a:r>
+              <a:rPr lang="en-US" dirty="0">
+                <a:solidFill>
+                  <a:schemeClr val="bg1"/>
+                </a:solidFill>
+              </a:rPr>
+              <a:t>LOGO</a:t>
+            </a:r>
+          </a:p>
+        </p:txBody>
+      </p:sp>
+      <p:sp>
+        <p:nvSpPr>
+          <p:cNvPr id="16" name="TextBox 15">
+            <a:extLst>
+              <a:ext uri="{FF2B5EF4-FFF2-40B4-BE49-F238E27FC236}">
+                <a16:creationId xmlns:a16="http://schemas.microsoft.com/office/drawing/2014/main" id="{BB8620A4-067D-BB40-B707-5E5EDD26CB51}"/>
+              </a:ext>
+            </a:extLst>
+          </p:cNvPr>
+          <p:cNvSpPr txBox="1"/>
+          <p:nvPr/>
+        </p:nvSpPr>
+        <p:spPr>
+          <a:xfrm>
+            <a:off x="2101080" y="1482499"/>
+            <a:ext cx="1114299" cy="369332"/>
+          </a:xfrm>
+          <a:prstGeom prst="rect">
+            <a:avLst/>
+          </a:prstGeom>
+          <a:noFill/>
+        </p:spPr>
+        <p:txBody>
+          <a:bodyPr wrap="square" rtlCol="0">
+            <a:spAutoFit/>
+          </a:bodyPr>
+          <a:lstStyle/>
+          <a:p>
+            <a:r>
+              <a:rPr lang="en-US" dirty="0">
+                <a:solidFill>
+                  <a:schemeClr val="accent2">
+                    <a:lumMod val="75000"/>
+                  </a:schemeClr>
+                </a:solidFill>
+              </a:rPr>
+              <a:t>Admin</a:t>
+            </a:r>
+          </a:p>
+        </p:txBody>
+      </p:sp>
+      <p:sp>
+        <p:nvSpPr>
+          <p:cNvPr id="18" name="Rectangle 17">
+            <a:extLst>
+              <a:ext uri="{FF2B5EF4-FFF2-40B4-BE49-F238E27FC236}">
+                <a16:creationId xmlns:a16="http://schemas.microsoft.com/office/drawing/2014/main" id="{F071E3CA-4A6C-934B-8647-A8EEA68E45AB}"/>
+              </a:ext>
+            </a:extLst>
+          </p:cNvPr>
+          <p:cNvSpPr/>
+          <p:nvPr/>
+        </p:nvSpPr>
+        <p:spPr>
+          <a:xfrm>
+            <a:off x="8350466" y="1751925"/>
+            <a:ext cx="1021278" cy="380011"/>
+          </a:xfrm>
+          <a:prstGeom prst="rect">
+            <a:avLst/>
+          </a:prstGeom>
+          <a:solidFill>
+            <a:schemeClr val="accent1">
+              <a:lumMod val="40000"/>
+              <a:lumOff val="60000"/>
+            </a:schemeClr>
+          </a:solidFill>
+          <a:ln>
+            <a:solidFill>
+              <a:schemeClr val="accent1">
+                <a:lumMod val="60000"/>
+                <a:lumOff val="40000"/>
+              </a:schemeClr>
+            </a:solidFill>
+          </a:ln>
+        </p:spPr>
+        <p:style>
+          <a:lnRef idx="2">
+            <a:schemeClr val="accent1">
+              <a:shade val="50000"/>
+            </a:schemeClr>
+          </a:lnRef>
+          <a:fillRef idx="1">
+            <a:schemeClr val="accent1"/>
+          </a:fillRef>
+          <a:effectRef idx="0">
+            <a:schemeClr val="accent1"/>
+          </a:effectRef>
+          <a:fontRef idx="minor">
+            <a:schemeClr val="lt1"/>
+          </a:fontRef>
+        </p:style>
+        <p:txBody>
+          <a:bodyPr rtlCol="0" anchor="ctr"/>
+          <a:lstStyle/>
+          <a:p>
+            <a:pPr algn="ctr"/>
+            <a:r>
+              <a:rPr lang="en-US" dirty="0"/>
+              <a:t>Logout</a:t>
+            </a:r>
+          </a:p>
+        </p:txBody>
+      </p:sp>
+      <p:cxnSp>
+        <p:nvCxnSpPr>
+          <p:cNvPr id="19" name="Straight Connector 18">
+            <a:extLst>
+              <a:ext uri="{FF2B5EF4-FFF2-40B4-BE49-F238E27FC236}">
+                <a16:creationId xmlns:a16="http://schemas.microsoft.com/office/drawing/2014/main" id="{6780CCAE-459F-1346-B4BD-EA177ED3DDC8}"/>
+              </a:ext>
+            </a:extLst>
+          </p:cNvPr>
+          <p:cNvCxnSpPr>
+            <a:cxnSpLocks/>
+          </p:cNvCxnSpPr>
+          <p:nvPr/>
+        </p:nvCxnSpPr>
+        <p:spPr>
+          <a:xfrm>
+            <a:off x="690221" y="965200"/>
+            <a:ext cx="7263806" cy="0"/>
+          </a:xfrm>
+          <a:prstGeom prst="line">
+            <a:avLst/>
+          </a:prstGeom>
+        </p:spPr>
+        <p:style>
+          <a:lnRef idx="3">
+            <a:schemeClr val="accent5"/>
+          </a:lnRef>
+          <a:fillRef idx="0">
+            <a:schemeClr val="accent5"/>
+          </a:fillRef>
+          <a:effectRef idx="2">
+            <a:schemeClr val="accent5"/>
+          </a:effectRef>
+          <a:fontRef idx="minor">
+            <a:schemeClr val="tx1"/>
+          </a:fontRef>
+        </p:style>
+      </p:cxnSp>
+      <p:sp>
+        <p:nvSpPr>
+          <p:cNvPr id="20" name="Rectangle 19">
+            <a:extLst>
+              <a:ext uri="{FF2B5EF4-FFF2-40B4-BE49-F238E27FC236}">
+                <a16:creationId xmlns:a16="http://schemas.microsoft.com/office/drawing/2014/main" id="{E84282A9-B310-3F4B-B9E5-E5BF148E29C1}"/>
+              </a:ext>
+            </a:extLst>
+          </p:cNvPr>
+          <p:cNvSpPr/>
+          <p:nvPr/>
+        </p:nvSpPr>
+        <p:spPr>
+          <a:xfrm>
+            <a:off x="548794" y="575028"/>
+            <a:ext cx="6512424" cy="369332"/>
+          </a:xfrm>
+          <a:prstGeom prst="rect">
+            <a:avLst/>
+          </a:prstGeom>
+          <a:noFill/>
+        </p:spPr>
+        <p:txBody>
+          <a:bodyPr wrap="none" lIns="91440" tIns="45720" rIns="91440" bIns="45720">
+            <a:spAutoFit/>
+          </a:bodyPr>
+          <a:lstStyle/>
+          <a:p>
+            <a:pPr algn="ctr"/>
+            <a:r>
+              <a:rPr lang="en-US" b="0" cap="none" spc="0" dirty="0">
+                <a:ln w="0"/>
+                <a:solidFill>
+                  <a:schemeClr val="tx1"/>
+                </a:solidFill>
+                <a:effectLst>
+                  <a:outerShdw blurRad="38100" dist="19050" dir="2700000" algn="tl" rotWithShape="0">
+                    <a:schemeClr val="dk1">
+                      <a:alpha val="40000"/>
+                    </a:schemeClr>
+                  </a:outerShdw>
+                </a:effectLst>
+              </a:rPr>
+              <a:t>Screen layout for Admin Page (To be used by the Analyst team only) </a:t>
+            </a:r>
+          </a:p>
+        </p:txBody>
+      </p:sp>
+      <p:sp>
+        <p:nvSpPr>
+          <p:cNvPr id="2" name="Line Callout 1 1">
+            <a:extLst>
+              <a:ext uri="{FF2B5EF4-FFF2-40B4-BE49-F238E27FC236}">
+                <a16:creationId xmlns:a16="http://schemas.microsoft.com/office/drawing/2014/main" id="{9A409C5D-EFB0-2440-AF5B-DBAF065E507D}"/>
+              </a:ext>
+            </a:extLst>
+          </p:cNvPr>
+          <p:cNvSpPr/>
+          <p:nvPr/>
+        </p:nvSpPr>
+        <p:spPr>
+          <a:xfrm>
+            <a:off x="1837509" y="2131936"/>
+            <a:ext cx="1140822" cy="463218"/>
+          </a:xfrm>
+          <a:prstGeom prst="borderCallout1">
+            <a:avLst>
+              <a:gd name="adj1" fmla="val -7570"/>
+              <a:gd name="adj2" fmla="val 51667"/>
+              <a:gd name="adj3" fmla="val -90542"/>
+              <a:gd name="adj4" fmla="val 66400"/>
+            </a:avLst>
+          </a:prstGeom>
+          <a:solidFill>
+            <a:schemeClr val="bg1"/>
+          </a:solidFill>
+        </p:spPr>
+        <p:style>
+          <a:lnRef idx="2">
+            <a:schemeClr val="accent1">
+              <a:shade val="50000"/>
+            </a:schemeClr>
+          </a:lnRef>
+          <a:fillRef idx="1">
+            <a:schemeClr val="accent1"/>
+          </a:fillRef>
+          <a:effectRef idx="0">
+            <a:schemeClr val="accent1"/>
+          </a:effectRef>
+          <a:fontRef idx="minor">
+            <a:schemeClr val="lt1"/>
+          </a:fontRef>
+        </p:style>
+        <p:txBody>
+          <a:bodyPr rtlCol="0" anchor="ctr"/>
+          <a:lstStyle/>
+          <a:p>
+            <a:pPr algn="ctr"/>
+            <a:r>
+              <a:rPr lang="en-US" sz="1000" dirty="0" err="1">
+                <a:solidFill>
+                  <a:schemeClr val="tx1"/>
+                </a:solidFill>
+              </a:rPr>
+              <a:t>AuthGuard</a:t>
+            </a:r>
+            <a:r>
+              <a:rPr lang="en-US" sz="1000" dirty="0">
+                <a:solidFill>
+                  <a:schemeClr val="tx1"/>
+                </a:solidFill>
+              </a:rPr>
+              <a:t> protected</a:t>
+            </a:r>
+          </a:p>
+        </p:txBody>
+      </p:sp>
+      <p:sp>
+        <p:nvSpPr>
+          <p:cNvPr id="3" name="Rounded Rectangle 2">
+            <a:extLst>
+              <a:ext uri="{FF2B5EF4-FFF2-40B4-BE49-F238E27FC236}">
+                <a16:creationId xmlns:a16="http://schemas.microsoft.com/office/drawing/2014/main" id="{9F9CF76D-7C95-914C-BE15-BDA3A337D20A}"/>
+              </a:ext>
+            </a:extLst>
+          </p:cNvPr>
+          <p:cNvSpPr/>
+          <p:nvPr/>
+        </p:nvSpPr>
+        <p:spPr>
+          <a:xfrm>
+            <a:off x="2101080" y="2778034"/>
+            <a:ext cx="5736634" cy="2063932"/>
+          </a:xfrm>
+          <a:prstGeom prst="roundRect">
+            <a:avLst/>
+          </a:prstGeom>
+          <a:noFill/>
+        </p:spPr>
+        <p:style>
+          <a:lnRef idx="2">
+            <a:schemeClr val="accent1">
+              <a:shade val="50000"/>
+            </a:schemeClr>
+          </a:lnRef>
+          <a:fillRef idx="1">
+            <a:schemeClr val="accent1"/>
+          </a:fillRef>
+          <a:effectRef idx="0">
+            <a:schemeClr val="accent1"/>
+          </a:effectRef>
+          <a:fontRef idx="minor">
+            <a:schemeClr val="lt1"/>
+          </a:fontRef>
+        </p:style>
+        <p:txBody>
+          <a:bodyPr rtlCol="0" anchor="ctr"/>
+          <a:lstStyle/>
+          <a:p>
+            <a:pPr algn="ctr"/>
+            <a:endParaRPr lang="en-US"/>
+          </a:p>
+        </p:txBody>
+      </p:sp>
+    </p:spTree>
+    <p:extLst>
+      <p:ext uri="{BB962C8B-B14F-4D97-AF65-F5344CB8AC3E}">
+        <p14:creationId xmlns:p14="http://schemas.microsoft.com/office/powerpoint/2010/main" val="739494869"/>
+      </p:ext>
+    </p:extLst>
+  </p:cSld>
+  <p:clrMapOvr>
+    <a:masterClrMapping/>
+  </p:clrMapOvr>
+</p:sld>
+</file>
+
+<file path=ppt/slides/slide9.xml><?xml version="1.0" encoding="utf-8"?>
+<p:sld xmlns:a="http://schemas.openxmlformats.org/drawingml/2006/main" xmlns:r="http://schemas.openxmlformats.org/officeDocument/2006/relationships" xmlns:p="http://schemas.openxmlformats.org/presentationml/2006/main">
+  <p:cSld>
+    <p:spTree>
+      <p:nvGrpSpPr>
+        <p:cNvPr id="1" name=""/>
+        <p:cNvGrpSpPr/>
+        <p:nvPr/>
+      </p:nvGrpSpPr>
+      <p:grpSpPr>
+        <a:xfrm>
+          <a:off x="0" y="0"/>
+          <a:ext cx="0" cy="0"/>
+          <a:chOff x="0" y="0"/>
+          <a:chExt cx="0" cy="0"/>
+        </a:xfrm>
+      </p:grpSpPr>
+      <p:grpSp>
+        <p:nvGrpSpPr>
+          <p:cNvPr id="4" name="Group 3">
+            <a:extLst>
+              <a:ext uri="{FF2B5EF4-FFF2-40B4-BE49-F238E27FC236}">
+                <a16:creationId xmlns:a16="http://schemas.microsoft.com/office/drawing/2014/main" id="{4533CEAE-BAB9-904F-B50B-D29BC3CD97E4}"/>
+              </a:ext>
+            </a:extLst>
+          </p:cNvPr>
+          <p:cNvGrpSpPr/>
+          <p:nvPr/>
+        </p:nvGrpSpPr>
+        <p:grpSpPr>
+          <a:xfrm>
+            <a:off x="1139687" y="1093120"/>
+            <a:ext cx="1020417" cy="5009322"/>
+            <a:chOff x="1139687" y="834887"/>
+            <a:chExt cx="1020417" cy="5009322"/>
+          </a:xfrm>
+        </p:grpSpPr>
+        <p:sp>
+          <p:nvSpPr>
+            <p:cNvPr id="5" name="Rectangle 4">
+              <a:extLst>
+                <a:ext uri="{FF2B5EF4-FFF2-40B4-BE49-F238E27FC236}">
+                  <a16:creationId xmlns:a16="http://schemas.microsoft.com/office/drawing/2014/main" id="{3FA8F1FF-15B7-7545-8E20-0CE71754EE38}"/>
+                </a:ext>
+              </a:extLst>
+            </p:cNvPr>
+            <p:cNvSpPr/>
+            <p:nvPr/>
+          </p:nvSpPr>
+          <p:spPr>
+            <a:xfrm>
+              <a:off x="1139687" y="834887"/>
+              <a:ext cx="1020417" cy="397565"/>
+            </a:xfrm>
+            <a:prstGeom prst="rect">
+              <a:avLst/>
+            </a:prstGeom>
+          </p:spPr>
+          <p:style>
+            <a:lnRef idx="2">
+              <a:schemeClr val="accent1">
+                <a:shade val="50000"/>
+              </a:schemeClr>
+            </a:lnRef>
+            <a:fillRef idx="1">
+              <a:schemeClr val="accent1"/>
+            </a:fillRef>
+            <a:effectRef idx="0">
+              <a:schemeClr val="accent1"/>
+            </a:effectRef>
+            <a:fontRef idx="minor">
+              <a:schemeClr val="lt1"/>
+            </a:fontRef>
+          </p:style>
+          <p:txBody>
+            <a:bodyPr rtlCol="0" anchor="ctr"/>
+            <a:lstStyle/>
+            <a:p>
+              <a:pPr algn="ctr"/>
+              <a:r>
+                <a:rPr lang="en-US" sz="1600" dirty="0"/>
+                <a:t>User</a:t>
+              </a:r>
+            </a:p>
+          </p:txBody>
+        </p:sp>
+        <p:cxnSp>
+          <p:nvCxnSpPr>
+            <p:cNvPr id="6" name="Straight Connector 5">
+              <a:extLst>
+                <a:ext uri="{FF2B5EF4-FFF2-40B4-BE49-F238E27FC236}">
+                  <a16:creationId xmlns:a16="http://schemas.microsoft.com/office/drawing/2014/main" id="{D4068C34-803A-6749-880C-294A1BACFCC4}"/>
+                </a:ext>
+              </a:extLst>
+            </p:cNvPr>
+            <p:cNvCxnSpPr>
+              <a:stCxn id="5" idx="2"/>
+            </p:cNvCxnSpPr>
+            <p:nvPr/>
+          </p:nvCxnSpPr>
+          <p:spPr>
+            <a:xfrm flipH="1">
+              <a:off x="1643270" y="1232452"/>
+              <a:ext cx="6626" cy="4611757"/>
+            </a:xfrm>
+            <a:prstGeom prst="line">
+              <a:avLst/>
+            </a:prstGeom>
+            <a:ln>
+              <a:solidFill>
+                <a:schemeClr val="tx1">
+                  <a:lumMod val="95000"/>
+                  <a:lumOff val="5000"/>
+                </a:schemeClr>
+              </a:solidFill>
+              <a:prstDash val="solid"/>
+            </a:ln>
+          </p:spPr>
+          <p:style>
+            <a:lnRef idx="1">
+              <a:schemeClr val="accent1"/>
+            </a:lnRef>
+            <a:fillRef idx="0">
+              <a:schemeClr val="accent1"/>
+            </a:fillRef>
+            <a:effectRef idx="0">
+              <a:schemeClr val="accent1"/>
+            </a:effectRef>
+            <a:fontRef idx="minor">
+              <a:schemeClr val="tx1"/>
+            </a:fontRef>
+          </p:style>
+        </p:cxnSp>
+      </p:grpSp>
+      <p:grpSp>
+        <p:nvGrpSpPr>
+          <p:cNvPr id="7" name="Group 6">
+            <a:extLst>
+              <a:ext uri="{FF2B5EF4-FFF2-40B4-BE49-F238E27FC236}">
+                <a16:creationId xmlns:a16="http://schemas.microsoft.com/office/drawing/2014/main" id="{1B36411A-23BE-5346-AB5F-F4EE2084574E}"/>
+              </a:ext>
+            </a:extLst>
+          </p:cNvPr>
+          <p:cNvGrpSpPr/>
+          <p:nvPr/>
+        </p:nvGrpSpPr>
+        <p:grpSpPr>
+          <a:xfrm>
+            <a:off x="3019287" y="1093120"/>
+            <a:ext cx="1020417" cy="5009322"/>
+            <a:chOff x="3019287" y="834887"/>
+            <a:chExt cx="1020417" cy="5009322"/>
+          </a:xfrm>
+        </p:grpSpPr>
+        <p:sp>
+          <p:nvSpPr>
+            <p:cNvPr id="8" name="Rectangle 7">
+              <a:extLst>
+                <a:ext uri="{FF2B5EF4-FFF2-40B4-BE49-F238E27FC236}">
+                  <a16:creationId xmlns:a16="http://schemas.microsoft.com/office/drawing/2014/main" id="{1376C45D-A4A8-174C-9A86-48684774B43A}"/>
+                </a:ext>
+              </a:extLst>
+            </p:cNvPr>
+            <p:cNvSpPr/>
+            <p:nvPr/>
+          </p:nvSpPr>
+          <p:spPr>
+            <a:xfrm>
+              <a:off x="3019287" y="834887"/>
+              <a:ext cx="1020417" cy="397565"/>
+            </a:xfrm>
+            <a:prstGeom prst="rect">
+              <a:avLst/>
+            </a:prstGeom>
+          </p:spPr>
+          <p:style>
+            <a:lnRef idx="2">
+              <a:schemeClr val="accent1">
+                <a:shade val="50000"/>
+              </a:schemeClr>
+            </a:lnRef>
+            <a:fillRef idx="1">
+              <a:schemeClr val="accent1"/>
+            </a:fillRef>
+            <a:effectRef idx="0">
+              <a:schemeClr val="accent1"/>
+            </a:effectRef>
+            <a:fontRef idx="minor">
+              <a:schemeClr val="lt1"/>
+            </a:fontRef>
+          </p:style>
+          <p:txBody>
+            <a:bodyPr rtlCol="0" anchor="ctr"/>
+            <a:lstStyle/>
+            <a:p>
+              <a:pPr algn="ctr"/>
+              <a:r>
+                <a:rPr lang="en-US" sz="1600" dirty="0"/>
+                <a:t>Angular UI</a:t>
+              </a:r>
+            </a:p>
+          </p:txBody>
+        </p:sp>
+        <p:cxnSp>
+          <p:nvCxnSpPr>
+            <p:cNvPr id="9" name="Straight Connector 8">
+              <a:extLst>
+                <a:ext uri="{FF2B5EF4-FFF2-40B4-BE49-F238E27FC236}">
+                  <a16:creationId xmlns:a16="http://schemas.microsoft.com/office/drawing/2014/main" id="{F8DA6202-55F0-CD46-83D5-91FC2198134E}"/>
+                </a:ext>
+              </a:extLst>
+            </p:cNvPr>
+            <p:cNvCxnSpPr>
+              <a:stCxn id="8" idx="2"/>
+            </p:cNvCxnSpPr>
+            <p:nvPr/>
+          </p:nvCxnSpPr>
+          <p:spPr>
+            <a:xfrm flipH="1">
+              <a:off x="3522870" y="1232452"/>
+              <a:ext cx="6626" cy="4611757"/>
+            </a:xfrm>
+            <a:prstGeom prst="line">
+              <a:avLst/>
+            </a:prstGeom>
+            <a:ln>
+              <a:solidFill>
+                <a:schemeClr val="tx1">
+                  <a:lumMod val="95000"/>
+                  <a:lumOff val="5000"/>
+                </a:schemeClr>
+              </a:solidFill>
+              <a:prstDash val="solid"/>
+            </a:ln>
+          </p:spPr>
+          <p:style>
+            <a:lnRef idx="1">
+              <a:schemeClr val="accent1"/>
+            </a:lnRef>
+            <a:fillRef idx="0">
+              <a:schemeClr val="accent1"/>
+            </a:fillRef>
+            <a:effectRef idx="0">
+              <a:schemeClr val="accent1"/>
+            </a:effectRef>
+            <a:fontRef idx="minor">
+              <a:schemeClr val="tx1"/>
+            </a:fontRef>
+          </p:style>
+        </p:cxnSp>
+      </p:grpSp>
+      <p:grpSp>
+        <p:nvGrpSpPr>
+          <p:cNvPr id="10" name="Group 9">
+            <a:extLst>
+              <a:ext uri="{FF2B5EF4-FFF2-40B4-BE49-F238E27FC236}">
+                <a16:creationId xmlns:a16="http://schemas.microsoft.com/office/drawing/2014/main" id="{277A853A-259B-B445-81E6-9D93947D5563}"/>
+              </a:ext>
+            </a:extLst>
+          </p:cNvPr>
+          <p:cNvGrpSpPr/>
+          <p:nvPr/>
+        </p:nvGrpSpPr>
+        <p:grpSpPr>
+          <a:xfrm>
+            <a:off x="4892261" y="1093120"/>
+            <a:ext cx="1020417" cy="5009322"/>
+            <a:chOff x="3019287" y="834887"/>
+            <a:chExt cx="1020417" cy="5009322"/>
+          </a:xfrm>
+        </p:grpSpPr>
+        <p:sp>
+          <p:nvSpPr>
+            <p:cNvPr id="11" name="Rectangle 10">
+              <a:extLst>
+                <a:ext uri="{FF2B5EF4-FFF2-40B4-BE49-F238E27FC236}">
+                  <a16:creationId xmlns:a16="http://schemas.microsoft.com/office/drawing/2014/main" id="{096D3B0C-CD62-D545-93E0-FEE1849C32B6}"/>
+                </a:ext>
+              </a:extLst>
+            </p:cNvPr>
+            <p:cNvSpPr/>
+            <p:nvPr/>
+          </p:nvSpPr>
+          <p:spPr>
+            <a:xfrm>
+              <a:off x="3019287" y="834887"/>
+              <a:ext cx="1020417" cy="397565"/>
+            </a:xfrm>
+            <a:prstGeom prst="rect">
+              <a:avLst/>
+            </a:prstGeom>
+          </p:spPr>
+          <p:style>
+            <a:lnRef idx="2">
+              <a:schemeClr val="accent1">
+                <a:shade val="50000"/>
+              </a:schemeClr>
+            </a:lnRef>
+            <a:fillRef idx="1">
+              <a:schemeClr val="accent1"/>
+            </a:fillRef>
+            <a:effectRef idx="0">
+              <a:schemeClr val="accent1"/>
+            </a:effectRef>
+            <a:fontRef idx="minor">
+              <a:schemeClr val="lt1"/>
+            </a:fontRef>
+          </p:style>
+          <p:txBody>
+            <a:bodyPr rtlCol="0" anchor="ctr"/>
+            <a:lstStyle/>
+            <a:p>
+              <a:pPr algn="ctr"/>
+              <a:r>
+                <a:rPr lang="en-US" sz="1600" dirty="0"/>
+                <a:t>Nodejs </a:t>
+              </a:r>
+            </a:p>
+            <a:p>
+              <a:pPr algn="ctr"/>
+              <a:r>
+                <a:rPr lang="en-US" sz="1600" dirty="0"/>
+                <a:t>Services</a:t>
+              </a:r>
+            </a:p>
+          </p:txBody>
+        </p:sp>
+        <p:cxnSp>
+          <p:nvCxnSpPr>
+            <p:cNvPr id="12" name="Straight Connector 11">
+              <a:extLst>
+                <a:ext uri="{FF2B5EF4-FFF2-40B4-BE49-F238E27FC236}">
+                  <a16:creationId xmlns:a16="http://schemas.microsoft.com/office/drawing/2014/main" id="{75100810-19AF-6E45-8A19-7387FBB3B1B1}"/>
+                </a:ext>
+              </a:extLst>
+            </p:cNvPr>
+            <p:cNvCxnSpPr>
+              <a:stCxn id="11" idx="2"/>
+            </p:cNvCxnSpPr>
+            <p:nvPr/>
+          </p:nvCxnSpPr>
+          <p:spPr>
+            <a:xfrm flipH="1">
+              <a:off x="3522870" y="1232452"/>
+              <a:ext cx="6626" cy="4611757"/>
+            </a:xfrm>
+            <a:prstGeom prst="line">
+              <a:avLst/>
+            </a:prstGeom>
+            <a:ln>
+              <a:solidFill>
+                <a:schemeClr val="tx1">
+                  <a:lumMod val="95000"/>
+                  <a:lumOff val="5000"/>
+                </a:schemeClr>
+              </a:solidFill>
+              <a:prstDash val="solid"/>
+            </a:ln>
+          </p:spPr>
+          <p:style>
+            <a:lnRef idx="1">
+              <a:schemeClr val="accent1"/>
+            </a:lnRef>
+            <a:fillRef idx="0">
+              <a:schemeClr val="accent1"/>
+            </a:fillRef>
+            <a:effectRef idx="0">
+              <a:schemeClr val="accent1"/>
+            </a:effectRef>
+            <a:fontRef idx="minor">
+              <a:schemeClr val="tx1"/>
+            </a:fontRef>
+          </p:style>
+        </p:cxnSp>
+      </p:grpSp>
+      <p:grpSp>
+        <p:nvGrpSpPr>
+          <p:cNvPr id="13" name="Group 12">
+            <a:extLst>
+              <a:ext uri="{FF2B5EF4-FFF2-40B4-BE49-F238E27FC236}">
+                <a16:creationId xmlns:a16="http://schemas.microsoft.com/office/drawing/2014/main" id="{438B1352-46E4-3E40-A4A1-7672F7587C32}"/>
+              </a:ext>
+            </a:extLst>
+          </p:cNvPr>
+          <p:cNvGrpSpPr/>
+          <p:nvPr/>
+        </p:nvGrpSpPr>
+        <p:grpSpPr>
+          <a:xfrm>
+            <a:off x="8808336" y="1093855"/>
+            <a:ext cx="1020417" cy="5009322"/>
+            <a:chOff x="3019287" y="834887"/>
+            <a:chExt cx="1020417" cy="5009322"/>
+          </a:xfrm>
+        </p:grpSpPr>
+        <p:sp>
+          <p:nvSpPr>
+            <p:cNvPr id="14" name="Rectangle 13">
+              <a:extLst>
+                <a:ext uri="{FF2B5EF4-FFF2-40B4-BE49-F238E27FC236}">
+                  <a16:creationId xmlns:a16="http://schemas.microsoft.com/office/drawing/2014/main" id="{C73CFC1E-8359-A345-856D-B7F198BCEBD1}"/>
+                </a:ext>
+              </a:extLst>
+            </p:cNvPr>
+            <p:cNvSpPr/>
+            <p:nvPr/>
+          </p:nvSpPr>
+          <p:spPr>
+            <a:xfrm>
+              <a:off x="3019287" y="834887"/>
+              <a:ext cx="1020417" cy="397565"/>
+            </a:xfrm>
+            <a:prstGeom prst="rect">
+              <a:avLst/>
+            </a:prstGeom>
+          </p:spPr>
+          <p:style>
+            <a:lnRef idx="2">
+              <a:schemeClr val="accent1">
+                <a:shade val="50000"/>
+              </a:schemeClr>
+            </a:lnRef>
+            <a:fillRef idx="1">
+              <a:schemeClr val="accent1"/>
+            </a:fillRef>
+            <a:effectRef idx="0">
+              <a:schemeClr val="accent1"/>
+            </a:effectRef>
+            <a:fontRef idx="minor">
+              <a:schemeClr val="lt1"/>
+            </a:fontRef>
+          </p:style>
+          <p:txBody>
+            <a:bodyPr rtlCol="0" anchor="ctr"/>
+            <a:lstStyle/>
+            <a:p>
+              <a:pPr algn="ctr"/>
+              <a:r>
+                <a:rPr lang="en-US" sz="1600" dirty="0"/>
+                <a:t>Mongo </a:t>
+              </a:r>
+            </a:p>
+            <a:p>
+              <a:pPr algn="ctr"/>
+              <a:r>
+                <a:rPr lang="en-US" sz="1600" dirty="0"/>
+                <a:t>DB</a:t>
+              </a:r>
+            </a:p>
+          </p:txBody>
+        </p:sp>
+        <p:cxnSp>
+          <p:nvCxnSpPr>
+            <p:cNvPr id="15" name="Straight Connector 14">
+              <a:extLst>
+                <a:ext uri="{FF2B5EF4-FFF2-40B4-BE49-F238E27FC236}">
+                  <a16:creationId xmlns:a16="http://schemas.microsoft.com/office/drawing/2014/main" id="{FC2E0DD9-1E48-BE4D-B544-B5179ACBD151}"/>
+                </a:ext>
+              </a:extLst>
+            </p:cNvPr>
+            <p:cNvCxnSpPr>
+              <a:stCxn id="14" idx="2"/>
+            </p:cNvCxnSpPr>
+            <p:nvPr/>
+          </p:nvCxnSpPr>
+          <p:spPr>
+            <a:xfrm flipH="1">
+              <a:off x="3522870" y="1232452"/>
+              <a:ext cx="6626" cy="4611757"/>
+            </a:xfrm>
+            <a:prstGeom prst="line">
+              <a:avLst/>
+            </a:prstGeom>
+            <a:ln>
+              <a:solidFill>
+                <a:schemeClr val="tx1">
+                  <a:lumMod val="95000"/>
+                  <a:lumOff val="5000"/>
+                </a:schemeClr>
+              </a:solidFill>
+              <a:prstDash val="solid"/>
+            </a:ln>
+          </p:spPr>
+          <p:style>
+            <a:lnRef idx="1">
+              <a:schemeClr val="accent1"/>
+            </a:lnRef>
+            <a:fillRef idx="0">
+              <a:schemeClr val="accent1"/>
+            </a:fillRef>
+            <a:effectRef idx="0">
+              <a:schemeClr val="accent1"/>
+            </a:effectRef>
+            <a:fontRef idx="minor">
+              <a:schemeClr val="tx1"/>
+            </a:fontRef>
+          </p:style>
+        </p:cxnSp>
+      </p:grpSp>
+      <p:cxnSp>
+        <p:nvCxnSpPr>
+          <p:cNvPr id="16" name="Straight Arrow Connector 15">
+            <a:extLst>
+              <a:ext uri="{FF2B5EF4-FFF2-40B4-BE49-F238E27FC236}">
+                <a16:creationId xmlns:a16="http://schemas.microsoft.com/office/drawing/2014/main" id="{AE10AAAF-19A7-DF42-9E9D-83AA790806DB}"/>
+              </a:ext>
+            </a:extLst>
+          </p:cNvPr>
+          <p:cNvCxnSpPr/>
+          <p:nvPr/>
+        </p:nvCxnSpPr>
+        <p:spPr>
+          <a:xfrm>
+            <a:off x="1666831" y="2281770"/>
+            <a:ext cx="1872975" cy="0"/>
+          </a:xfrm>
+          <a:prstGeom prst="straightConnector1">
+            <a:avLst/>
+          </a:prstGeom>
+          <a:ln>
+            <a:tailEnd type="triangle"/>
+          </a:ln>
+        </p:spPr>
+        <p:style>
+          <a:lnRef idx="1">
+            <a:schemeClr val="accent1"/>
+          </a:lnRef>
+          <a:fillRef idx="0">
+            <a:schemeClr val="accent1"/>
+          </a:fillRef>
+          <a:effectRef idx="0">
+            <a:schemeClr val="accent1"/>
+          </a:effectRef>
+          <a:fontRef idx="minor">
+            <a:schemeClr val="tx1"/>
+          </a:fontRef>
+        </p:style>
+      </p:cxnSp>
+      <p:sp>
+        <p:nvSpPr>
+          <p:cNvPr id="17" name="TextBox 16">
+            <a:extLst>
+              <a:ext uri="{FF2B5EF4-FFF2-40B4-BE49-F238E27FC236}">
+                <a16:creationId xmlns:a16="http://schemas.microsoft.com/office/drawing/2014/main" id="{D952CFB9-3DBA-744D-891A-C89A7C133B5A}"/>
+              </a:ext>
+            </a:extLst>
+          </p:cNvPr>
+          <p:cNvSpPr txBox="1"/>
+          <p:nvPr/>
+        </p:nvSpPr>
+        <p:spPr>
+          <a:xfrm>
+            <a:off x="1769372" y="1969935"/>
+            <a:ext cx="1671747" cy="338554"/>
+          </a:xfrm>
+          <a:prstGeom prst="rect">
+            <a:avLst/>
+          </a:prstGeom>
+          <a:noFill/>
+        </p:spPr>
+        <p:txBody>
+          <a:bodyPr wrap="square" rtlCol="0">
+            <a:spAutoFit/>
+          </a:bodyPr>
+          <a:lstStyle/>
+          <a:p>
+            <a:r>
+              <a:rPr lang="en-US" sz="1600" dirty="0">
+                <a:solidFill>
+                  <a:schemeClr val="accent6">
+                    <a:lumMod val="75000"/>
+                  </a:schemeClr>
+                </a:solidFill>
+              </a:rPr>
               <a:t>GET upload page</a:t>
             </a:r>
           </a:p>
@@ -18296,1494 +22844,6 @@
     <p:extLst>
       <p:ext uri="{BB962C8B-B14F-4D97-AF65-F5344CB8AC3E}">
         <p14:creationId xmlns:p14="http://schemas.microsoft.com/office/powerpoint/2010/main" val="1821728284"/>
-      </p:ext>
-    </p:extLst>
-  </p:cSld>
-  <p:clrMapOvr>
-    <a:masterClrMapping/>
-  </p:clrMapOvr>
-</p:sld>
-</file>
-
-<file path=ppt/slides/slide8.xml><?xml version="1.0" encoding="utf-8"?>
-<p:sld xmlns:a="http://schemas.openxmlformats.org/drawingml/2006/main" xmlns:r="http://schemas.openxmlformats.org/officeDocument/2006/relationships" xmlns:p="http://schemas.openxmlformats.org/presentationml/2006/main">
-  <p:cSld>
-    <p:spTree>
-      <p:nvGrpSpPr>
-        <p:cNvPr id="1" name=""/>
-        <p:cNvGrpSpPr/>
-        <p:nvPr/>
-      </p:nvGrpSpPr>
-      <p:grpSpPr>
-        <a:xfrm>
-          <a:off x="0" y="0"/>
-          <a:ext cx="0" cy="0"/>
-          <a:chOff x="0" y="0"/>
-          <a:chExt cx="0" cy="0"/>
-        </a:xfrm>
-      </p:grpSpPr>
-      <p:sp>
-        <p:nvSpPr>
-          <p:cNvPr id="4" name="Rectangle 3">
-            <a:extLst>
-              <a:ext uri="{FF2B5EF4-FFF2-40B4-BE49-F238E27FC236}">
-                <a16:creationId xmlns:a16="http://schemas.microsoft.com/office/drawing/2014/main" id="{37F5FA4B-7060-C742-80F1-52BB6F44DE39}"/>
-              </a:ext>
-            </a:extLst>
-          </p:cNvPr>
-          <p:cNvSpPr/>
-          <p:nvPr/>
-        </p:nvSpPr>
-        <p:spPr>
-          <a:xfrm>
-            <a:off x="1324178" y="1136451"/>
-            <a:ext cx="8122722" cy="5474525"/>
-          </a:xfrm>
-          <a:prstGeom prst="rect">
-            <a:avLst/>
-          </a:prstGeom>
-          <a:noFill/>
-        </p:spPr>
-        <p:style>
-          <a:lnRef idx="2">
-            <a:schemeClr val="accent1">
-              <a:shade val="50000"/>
-            </a:schemeClr>
-          </a:lnRef>
-          <a:fillRef idx="1">
-            <a:schemeClr val="accent1"/>
-          </a:fillRef>
-          <a:effectRef idx="0">
-            <a:schemeClr val="accent1"/>
-          </a:effectRef>
-          <a:fontRef idx="minor">
-            <a:schemeClr val="lt1"/>
-          </a:fontRef>
-        </p:style>
-        <p:txBody>
-          <a:bodyPr rtlCol="0" anchor="ctr"/>
-          <a:lstStyle/>
-          <a:p>
-            <a:pPr algn="ctr"/>
-            <a:endParaRPr lang="en-US"/>
-          </a:p>
-        </p:txBody>
-      </p:sp>
-      <p:sp>
-        <p:nvSpPr>
-          <p:cNvPr id="5" name="Rectangle 4">
-            <a:extLst>
-              <a:ext uri="{FF2B5EF4-FFF2-40B4-BE49-F238E27FC236}">
-                <a16:creationId xmlns:a16="http://schemas.microsoft.com/office/drawing/2014/main" id="{16F8A9F0-B21D-B24A-BD66-FFCDBC9CB469}"/>
-              </a:ext>
-            </a:extLst>
-          </p:cNvPr>
-          <p:cNvSpPr/>
-          <p:nvPr/>
-        </p:nvSpPr>
-        <p:spPr>
-          <a:xfrm>
-            <a:off x="1324178" y="1136451"/>
-            <a:ext cx="8122722" cy="665019"/>
-          </a:xfrm>
-          <a:prstGeom prst="rect">
-            <a:avLst/>
-          </a:prstGeom>
-        </p:spPr>
-        <p:style>
-          <a:lnRef idx="2">
-            <a:schemeClr val="accent1">
-              <a:shade val="50000"/>
-            </a:schemeClr>
-          </a:lnRef>
-          <a:fillRef idx="1">
-            <a:schemeClr val="accent1"/>
-          </a:fillRef>
-          <a:effectRef idx="0">
-            <a:schemeClr val="accent1"/>
-          </a:effectRef>
-          <a:fontRef idx="minor">
-            <a:schemeClr val="lt1"/>
-          </a:fontRef>
-        </p:style>
-        <p:txBody>
-          <a:bodyPr rtlCol="0" anchor="ctr"/>
-          <a:lstStyle/>
-          <a:p>
-            <a:pPr algn="ctr"/>
-            <a:endParaRPr lang="en-US"/>
-          </a:p>
-        </p:txBody>
-      </p:sp>
-      <p:sp>
-        <p:nvSpPr>
-          <p:cNvPr id="6" name="TextBox 5">
-            <a:extLst>
-              <a:ext uri="{FF2B5EF4-FFF2-40B4-BE49-F238E27FC236}">
-                <a16:creationId xmlns:a16="http://schemas.microsoft.com/office/drawing/2014/main" id="{5E25FB1E-0E5D-7848-ABF3-48DC9A5F81D7}"/>
-              </a:ext>
-            </a:extLst>
-          </p:cNvPr>
-          <p:cNvSpPr txBox="1"/>
-          <p:nvPr/>
-        </p:nvSpPr>
-        <p:spPr>
-          <a:xfrm>
-            <a:off x="4126754" y="1863010"/>
-            <a:ext cx="2220685" cy="369332"/>
-          </a:xfrm>
-          <a:prstGeom prst="rect">
-            <a:avLst/>
-          </a:prstGeom>
-          <a:noFill/>
-        </p:spPr>
-        <p:txBody>
-          <a:bodyPr wrap="square" rtlCol="0">
-            <a:spAutoFit/>
-          </a:bodyPr>
-          <a:lstStyle/>
-          <a:p>
-            <a:pPr algn="ctr"/>
-            <a:r>
-              <a:rPr lang="en-US" dirty="0"/>
-              <a:t>Forecast Page</a:t>
-            </a:r>
-          </a:p>
-        </p:txBody>
-      </p:sp>
-      <p:sp>
-        <p:nvSpPr>
-          <p:cNvPr id="9" name="Rounded Rectangle 8">
-            <a:extLst>
-              <a:ext uri="{FF2B5EF4-FFF2-40B4-BE49-F238E27FC236}">
-                <a16:creationId xmlns:a16="http://schemas.microsoft.com/office/drawing/2014/main" id="{0A40F08C-FAE4-034E-BAC3-B9E1151B2575}"/>
-              </a:ext>
-            </a:extLst>
-          </p:cNvPr>
-          <p:cNvSpPr/>
-          <p:nvPr/>
-        </p:nvSpPr>
-        <p:spPr>
-          <a:xfrm>
-            <a:off x="3526062" y="4479354"/>
-            <a:ext cx="1248888" cy="380010"/>
-          </a:xfrm>
-          <a:prstGeom prst="roundRect">
-            <a:avLst/>
-          </a:prstGeom>
-          <a:solidFill>
-            <a:schemeClr val="accent1">
-              <a:lumMod val="20000"/>
-              <a:lumOff val="80000"/>
-            </a:schemeClr>
-          </a:solidFill>
-          <a:ln>
-            <a:solidFill>
-              <a:schemeClr val="tx1"/>
-            </a:solidFill>
-          </a:ln>
-        </p:spPr>
-        <p:style>
-          <a:lnRef idx="2">
-            <a:schemeClr val="accent1">
-              <a:shade val="50000"/>
-            </a:schemeClr>
-          </a:lnRef>
-          <a:fillRef idx="1">
-            <a:schemeClr val="accent1"/>
-          </a:fillRef>
-          <a:effectRef idx="0">
-            <a:schemeClr val="accent1"/>
-          </a:effectRef>
-          <a:fontRef idx="minor">
-            <a:schemeClr val="lt1"/>
-          </a:fontRef>
-        </p:style>
-        <p:txBody>
-          <a:bodyPr rtlCol="0" anchor="ctr"/>
-          <a:lstStyle/>
-          <a:p>
-            <a:pPr algn="ctr"/>
-            <a:r>
-              <a:rPr lang="en-US" dirty="0">
-                <a:solidFill>
-                  <a:schemeClr val="tx1"/>
-                </a:solidFill>
-              </a:rPr>
-              <a:t>Search</a:t>
-            </a:r>
-          </a:p>
-        </p:txBody>
-      </p:sp>
-      <p:sp>
-        <p:nvSpPr>
-          <p:cNvPr id="11" name="Rounded Rectangle 10">
-            <a:extLst>
-              <a:ext uri="{FF2B5EF4-FFF2-40B4-BE49-F238E27FC236}">
-                <a16:creationId xmlns:a16="http://schemas.microsoft.com/office/drawing/2014/main" id="{53A93196-4EAE-794D-BAA4-DC216C59FBFD}"/>
-              </a:ext>
-            </a:extLst>
-          </p:cNvPr>
-          <p:cNvSpPr/>
-          <p:nvPr/>
-        </p:nvSpPr>
-        <p:spPr>
-          <a:xfrm>
-            <a:off x="5252932" y="4483912"/>
-            <a:ext cx="1248888" cy="380010"/>
-          </a:xfrm>
-          <a:prstGeom prst="roundRect">
-            <a:avLst/>
-          </a:prstGeom>
-          <a:solidFill>
-            <a:schemeClr val="accent1">
-              <a:lumMod val="20000"/>
-              <a:lumOff val="80000"/>
-            </a:schemeClr>
-          </a:solidFill>
-          <a:ln>
-            <a:solidFill>
-              <a:schemeClr val="tx1"/>
-            </a:solidFill>
-          </a:ln>
-        </p:spPr>
-        <p:style>
-          <a:lnRef idx="2">
-            <a:schemeClr val="accent1">
-              <a:shade val="50000"/>
-            </a:schemeClr>
-          </a:lnRef>
-          <a:fillRef idx="1">
-            <a:schemeClr val="accent1"/>
-          </a:fillRef>
-          <a:effectRef idx="0">
-            <a:schemeClr val="accent1"/>
-          </a:effectRef>
-          <a:fontRef idx="minor">
-            <a:schemeClr val="lt1"/>
-          </a:fontRef>
-        </p:style>
-        <p:txBody>
-          <a:bodyPr rtlCol="0" anchor="ctr"/>
-          <a:lstStyle/>
-          <a:p>
-            <a:pPr algn="ctr"/>
-            <a:r>
-              <a:rPr lang="en-US" dirty="0">
-                <a:solidFill>
-                  <a:schemeClr val="tx1"/>
-                </a:solidFill>
-              </a:rPr>
-              <a:t>Clear</a:t>
-            </a:r>
-          </a:p>
-        </p:txBody>
-      </p:sp>
-      <p:sp>
-        <p:nvSpPr>
-          <p:cNvPr id="2" name="TextBox 1">
-            <a:extLst>
-              <a:ext uri="{FF2B5EF4-FFF2-40B4-BE49-F238E27FC236}">
-                <a16:creationId xmlns:a16="http://schemas.microsoft.com/office/drawing/2014/main" id="{7A254233-B99F-594F-97DC-23F47E19010E}"/>
-              </a:ext>
-            </a:extLst>
-          </p:cNvPr>
-          <p:cNvSpPr txBox="1"/>
-          <p:nvPr/>
-        </p:nvSpPr>
-        <p:spPr>
-          <a:xfrm>
-            <a:off x="1689346" y="2874530"/>
-            <a:ext cx="1579419" cy="646331"/>
-          </a:xfrm>
-          <a:prstGeom prst="rect">
-            <a:avLst/>
-          </a:prstGeom>
-          <a:noFill/>
-        </p:spPr>
-        <p:txBody>
-          <a:bodyPr wrap="square" rtlCol="0">
-            <a:spAutoFit/>
-          </a:bodyPr>
-          <a:lstStyle/>
-          <a:p>
-            <a:r>
-              <a:rPr lang="en-US" dirty="0"/>
-              <a:t>History Start Date</a:t>
-            </a:r>
-          </a:p>
-        </p:txBody>
-      </p:sp>
-      <p:sp>
-        <p:nvSpPr>
-          <p:cNvPr id="10" name="Rounded Rectangle 9">
-            <a:extLst>
-              <a:ext uri="{FF2B5EF4-FFF2-40B4-BE49-F238E27FC236}">
-                <a16:creationId xmlns:a16="http://schemas.microsoft.com/office/drawing/2014/main" id="{93BEF110-0609-E240-ABF9-0512546B53BE}"/>
-              </a:ext>
-            </a:extLst>
-          </p:cNvPr>
-          <p:cNvSpPr/>
-          <p:nvPr/>
-        </p:nvSpPr>
-        <p:spPr>
-          <a:xfrm>
-            <a:off x="3096856" y="2899938"/>
-            <a:ext cx="2351314" cy="380010"/>
-          </a:xfrm>
-          <a:prstGeom prst="roundRect">
-            <a:avLst/>
-          </a:prstGeom>
-          <a:noFill/>
-        </p:spPr>
-        <p:style>
-          <a:lnRef idx="2">
-            <a:schemeClr val="accent1">
-              <a:shade val="50000"/>
-            </a:schemeClr>
-          </a:lnRef>
-          <a:fillRef idx="1">
-            <a:schemeClr val="accent1"/>
-          </a:fillRef>
-          <a:effectRef idx="0">
-            <a:schemeClr val="accent1"/>
-          </a:effectRef>
-          <a:fontRef idx="minor">
-            <a:schemeClr val="lt1"/>
-          </a:fontRef>
-        </p:style>
-        <p:txBody>
-          <a:bodyPr rot="0" spcFirstLastPara="0" vertOverflow="overflow" horzOverflow="overflow" vert="horz" wrap="square" lIns="91440" tIns="45720" rIns="91440" bIns="45720" numCol="1" spcCol="0" rtlCol="0" fromWordArt="0" anchor="ctr" anchorCtr="0" forceAA="0" compatLnSpc="1">
-            <a:prstTxWarp prst="textNoShape">
-              <a:avLst/>
-            </a:prstTxWarp>
-            <a:noAutofit/>
-          </a:bodyPr>
-          <a:lstStyle/>
-          <a:p>
-            <a:pPr algn="ctr"/>
-            <a:r>
-              <a:rPr lang="en-US" sz="1200" dirty="0">
-                <a:solidFill>
-                  <a:schemeClr val="accent1">
-                    <a:lumMod val="60000"/>
-                    <a:lumOff val="40000"/>
-                  </a:schemeClr>
-                </a:solidFill>
-              </a:rPr>
-              <a:t>Date Picker</a:t>
-            </a:r>
-          </a:p>
-        </p:txBody>
-      </p:sp>
-      <p:sp>
-        <p:nvSpPr>
-          <p:cNvPr id="13" name="Rounded Rectangle 12">
-            <a:extLst>
-              <a:ext uri="{FF2B5EF4-FFF2-40B4-BE49-F238E27FC236}">
-                <a16:creationId xmlns:a16="http://schemas.microsoft.com/office/drawing/2014/main" id="{A1A5E006-0588-9647-91AC-B3E568408333}"/>
-              </a:ext>
-            </a:extLst>
-          </p:cNvPr>
-          <p:cNvSpPr/>
-          <p:nvPr/>
-        </p:nvSpPr>
-        <p:spPr>
-          <a:xfrm>
-            <a:off x="5442231" y="2899938"/>
-            <a:ext cx="415637" cy="381600"/>
-          </a:xfrm>
-          <a:prstGeom prst="roundRect">
-            <a:avLst/>
-          </a:prstGeom>
-        </p:spPr>
-        <p:style>
-          <a:lnRef idx="2">
-            <a:schemeClr val="accent1">
-              <a:shade val="50000"/>
-            </a:schemeClr>
-          </a:lnRef>
-          <a:fillRef idx="1">
-            <a:schemeClr val="accent1"/>
-          </a:fillRef>
-          <a:effectRef idx="0">
-            <a:schemeClr val="accent1"/>
-          </a:effectRef>
-          <a:fontRef idx="minor">
-            <a:schemeClr val="lt1"/>
-          </a:fontRef>
-        </p:style>
-        <p:txBody>
-          <a:bodyPr rtlCol="0" anchor="ctr"/>
-          <a:lstStyle/>
-          <a:p>
-            <a:pPr algn="ctr"/>
-            <a:endParaRPr lang="en-US"/>
-          </a:p>
-        </p:txBody>
-      </p:sp>
-      <p:sp>
-        <p:nvSpPr>
-          <p:cNvPr id="14" name="Rounded Rectangle 13">
-            <a:extLst>
-              <a:ext uri="{FF2B5EF4-FFF2-40B4-BE49-F238E27FC236}">
-                <a16:creationId xmlns:a16="http://schemas.microsoft.com/office/drawing/2014/main" id="{CF9AE57E-BA8B-854D-8F99-815629FD82D8}"/>
-              </a:ext>
-            </a:extLst>
-          </p:cNvPr>
-          <p:cNvSpPr/>
-          <p:nvPr/>
-        </p:nvSpPr>
-        <p:spPr>
-          <a:xfrm>
-            <a:off x="1680438" y="1884598"/>
-            <a:ext cx="7481455" cy="3277590"/>
-          </a:xfrm>
-          <a:prstGeom prst="roundRect">
-            <a:avLst/>
-          </a:prstGeom>
-          <a:noFill/>
-        </p:spPr>
-        <p:style>
-          <a:lnRef idx="2">
-            <a:schemeClr val="accent1">
-              <a:shade val="50000"/>
-            </a:schemeClr>
-          </a:lnRef>
-          <a:fillRef idx="1">
-            <a:schemeClr val="accent1"/>
-          </a:fillRef>
-          <a:effectRef idx="0">
-            <a:schemeClr val="accent1"/>
-          </a:effectRef>
-          <a:fontRef idx="minor">
-            <a:schemeClr val="lt1"/>
-          </a:fontRef>
-        </p:style>
-        <p:txBody>
-          <a:bodyPr rtlCol="0" anchor="ctr"/>
-          <a:lstStyle/>
-          <a:p>
-            <a:pPr algn="ctr"/>
-            <a:endParaRPr lang="en-US"/>
-          </a:p>
-        </p:txBody>
-      </p:sp>
-      <p:sp>
-        <p:nvSpPr>
-          <p:cNvPr id="15" name="TextBox 14">
-            <a:extLst>
-              <a:ext uri="{FF2B5EF4-FFF2-40B4-BE49-F238E27FC236}">
-                <a16:creationId xmlns:a16="http://schemas.microsoft.com/office/drawing/2014/main" id="{BFC57EC8-AD33-CE4D-9BEF-68BBCEA53157}"/>
-              </a:ext>
-            </a:extLst>
-          </p:cNvPr>
-          <p:cNvSpPr txBox="1"/>
-          <p:nvPr/>
-        </p:nvSpPr>
-        <p:spPr>
-          <a:xfrm>
-            <a:off x="5845342" y="2893632"/>
-            <a:ext cx="1579419" cy="369332"/>
-          </a:xfrm>
-          <a:prstGeom prst="rect">
-            <a:avLst/>
-          </a:prstGeom>
-          <a:noFill/>
-        </p:spPr>
-        <p:txBody>
-          <a:bodyPr wrap="square" rtlCol="0">
-            <a:spAutoFit/>
-          </a:bodyPr>
-          <a:lstStyle/>
-          <a:p>
-            <a:r>
-              <a:rPr lang="en-US" dirty="0"/>
-              <a:t>Num of Weeks</a:t>
-            </a:r>
-          </a:p>
-        </p:txBody>
-      </p:sp>
-      <p:sp>
-        <p:nvSpPr>
-          <p:cNvPr id="16" name="Rounded Rectangle 15">
-            <a:extLst>
-              <a:ext uri="{FF2B5EF4-FFF2-40B4-BE49-F238E27FC236}">
-                <a16:creationId xmlns:a16="http://schemas.microsoft.com/office/drawing/2014/main" id="{BE8725FF-F202-124E-8E72-9843ADB798FD}"/>
-              </a:ext>
-            </a:extLst>
-          </p:cNvPr>
-          <p:cNvSpPr/>
-          <p:nvPr/>
-        </p:nvSpPr>
-        <p:spPr>
-          <a:xfrm>
-            <a:off x="7310643" y="2910155"/>
-            <a:ext cx="1476993" cy="380010"/>
-          </a:xfrm>
-          <a:prstGeom prst="roundRect">
-            <a:avLst/>
-          </a:prstGeom>
-          <a:noFill/>
-        </p:spPr>
-        <p:style>
-          <a:lnRef idx="2">
-            <a:schemeClr val="accent1">
-              <a:shade val="50000"/>
-            </a:schemeClr>
-          </a:lnRef>
-          <a:fillRef idx="1">
-            <a:schemeClr val="accent1"/>
-          </a:fillRef>
-          <a:effectRef idx="0">
-            <a:schemeClr val="accent1"/>
-          </a:effectRef>
-          <a:fontRef idx="minor">
-            <a:schemeClr val="lt1"/>
-          </a:fontRef>
-        </p:style>
-        <p:txBody>
-          <a:bodyPr rot="0" spcFirstLastPara="0" vertOverflow="overflow" horzOverflow="overflow" vert="horz" wrap="square" lIns="91440" tIns="45720" rIns="91440" bIns="45720" numCol="1" spcCol="0" rtlCol="0" fromWordArt="0" anchor="ctr" anchorCtr="0" forceAA="0" compatLnSpc="1">
-            <a:prstTxWarp prst="textNoShape">
-              <a:avLst/>
-            </a:prstTxWarp>
-            <a:noAutofit/>
-          </a:bodyPr>
-          <a:lstStyle/>
-          <a:p>
-            <a:pPr algn="ctr"/>
-            <a:r>
-              <a:rPr lang="en-US" sz="1200" dirty="0">
-                <a:solidFill>
-                  <a:schemeClr val="accent1">
-                    <a:lumMod val="60000"/>
-                    <a:lumOff val="40000"/>
-                  </a:schemeClr>
-                </a:solidFill>
-              </a:rPr>
-              <a:t>Dropdown</a:t>
-            </a:r>
-          </a:p>
-        </p:txBody>
-      </p:sp>
-      <p:sp>
-        <p:nvSpPr>
-          <p:cNvPr id="17" name="TextBox 16">
-            <a:extLst>
-              <a:ext uri="{FF2B5EF4-FFF2-40B4-BE49-F238E27FC236}">
-                <a16:creationId xmlns:a16="http://schemas.microsoft.com/office/drawing/2014/main" id="{2C261B3E-8201-EE4B-B4F8-9DA8B6CCA8E0}"/>
-              </a:ext>
-            </a:extLst>
-          </p:cNvPr>
-          <p:cNvSpPr txBox="1"/>
-          <p:nvPr/>
-        </p:nvSpPr>
-        <p:spPr>
-          <a:xfrm>
-            <a:off x="1711116" y="3520861"/>
-            <a:ext cx="1579419" cy="646331"/>
-          </a:xfrm>
-          <a:prstGeom prst="rect">
-            <a:avLst/>
-          </a:prstGeom>
-          <a:noFill/>
-        </p:spPr>
-        <p:txBody>
-          <a:bodyPr wrap="square" rtlCol="0">
-            <a:spAutoFit/>
-          </a:bodyPr>
-          <a:lstStyle/>
-          <a:p>
-            <a:r>
-              <a:rPr lang="en-US" dirty="0"/>
-              <a:t>Forecast Start Date</a:t>
-            </a:r>
-          </a:p>
-        </p:txBody>
-      </p:sp>
-      <p:sp>
-        <p:nvSpPr>
-          <p:cNvPr id="18" name="Rounded Rectangle 17">
-            <a:extLst>
-              <a:ext uri="{FF2B5EF4-FFF2-40B4-BE49-F238E27FC236}">
-                <a16:creationId xmlns:a16="http://schemas.microsoft.com/office/drawing/2014/main" id="{70A090B6-AA67-A546-8499-F6007965DDF2}"/>
-              </a:ext>
-            </a:extLst>
-          </p:cNvPr>
-          <p:cNvSpPr/>
-          <p:nvPr/>
-        </p:nvSpPr>
-        <p:spPr>
-          <a:xfrm>
-            <a:off x="3079747" y="3551101"/>
-            <a:ext cx="2351314" cy="380010"/>
-          </a:xfrm>
-          <a:prstGeom prst="roundRect">
-            <a:avLst/>
-          </a:prstGeom>
-          <a:noFill/>
-        </p:spPr>
-        <p:style>
-          <a:lnRef idx="2">
-            <a:schemeClr val="accent1">
-              <a:shade val="50000"/>
-            </a:schemeClr>
-          </a:lnRef>
-          <a:fillRef idx="1">
-            <a:schemeClr val="accent1"/>
-          </a:fillRef>
-          <a:effectRef idx="0">
-            <a:schemeClr val="accent1"/>
-          </a:effectRef>
-          <a:fontRef idx="minor">
-            <a:schemeClr val="lt1"/>
-          </a:fontRef>
-        </p:style>
-        <p:txBody>
-          <a:bodyPr rot="0" spcFirstLastPara="0" vertOverflow="overflow" horzOverflow="overflow" vert="horz" wrap="square" lIns="91440" tIns="45720" rIns="91440" bIns="45720" numCol="1" spcCol="0" rtlCol="0" fromWordArt="0" anchor="ctr" anchorCtr="0" forceAA="0" compatLnSpc="1">
-            <a:prstTxWarp prst="textNoShape">
-              <a:avLst/>
-            </a:prstTxWarp>
-            <a:noAutofit/>
-          </a:bodyPr>
-          <a:lstStyle/>
-          <a:p>
-            <a:pPr algn="ctr"/>
-            <a:r>
-              <a:rPr lang="en-US" sz="1200" dirty="0">
-                <a:solidFill>
-                  <a:schemeClr val="accent1">
-                    <a:lumMod val="60000"/>
-                    <a:lumOff val="40000"/>
-                  </a:schemeClr>
-                </a:solidFill>
-              </a:rPr>
-              <a:t>Date Picker</a:t>
-            </a:r>
-          </a:p>
-        </p:txBody>
-      </p:sp>
-      <p:sp>
-        <p:nvSpPr>
-          <p:cNvPr id="19" name="Rounded Rectangle 18">
-            <a:extLst>
-              <a:ext uri="{FF2B5EF4-FFF2-40B4-BE49-F238E27FC236}">
-                <a16:creationId xmlns:a16="http://schemas.microsoft.com/office/drawing/2014/main" id="{9AD91A39-7792-9E45-BD47-BDCB36D416F0}"/>
-              </a:ext>
-            </a:extLst>
-          </p:cNvPr>
-          <p:cNvSpPr/>
-          <p:nvPr/>
-        </p:nvSpPr>
-        <p:spPr>
-          <a:xfrm>
-            <a:off x="5425122" y="3551101"/>
-            <a:ext cx="415637" cy="381600"/>
-          </a:xfrm>
-          <a:prstGeom prst="roundRect">
-            <a:avLst/>
-          </a:prstGeom>
-        </p:spPr>
-        <p:style>
-          <a:lnRef idx="2">
-            <a:schemeClr val="accent1">
-              <a:shade val="50000"/>
-            </a:schemeClr>
-          </a:lnRef>
-          <a:fillRef idx="1">
-            <a:schemeClr val="accent1"/>
-          </a:fillRef>
-          <a:effectRef idx="0">
-            <a:schemeClr val="accent1"/>
-          </a:effectRef>
-          <a:fontRef idx="minor">
-            <a:schemeClr val="lt1"/>
-          </a:fontRef>
-        </p:style>
-        <p:txBody>
-          <a:bodyPr rtlCol="0" anchor="ctr"/>
-          <a:lstStyle/>
-          <a:p>
-            <a:pPr algn="ctr"/>
-            <a:endParaRPr lang="en-US"/>
-          </a:p>
-        </p:txBody>
-      </p:sp>
-      <p:sp>
-        <p:nvSpPr>
-          <p:cNvPr id="20" name="TextBox 19">
-            <a:extLst>
-              <a:ext uri="{FF2B5EF4-FFF2-40B4-BE49-F238E27FC236}">
-                <a16:creationId xmlns:a16="http://schemas.microsoft.com/office/drawing/2014/main" id="{BCF7E3C1-F600-8C48-B7F1-8B22005D14C0}"/>
-              </a:ext>
-            </a:extLst>
-          </p:cNvPr>
-          <p:cNvSpPr txBox="1"/>
-          <p:nvPr/>
-        </p:nvSpPr>
-        <p:spPr>
-          <a:xfrm>
-            <a:off x="5840759" y="3544795"/>
-            <a:ext cx="1579419" cy="369332"/>
-          </a:xfrm>
-          <a:prstGeom prst="rect">
-            <a:avLst/>
-          </a:prstGeom>
-          <a:noFill/>
-        </p:spPr>
-        <p:txBody>
-          <a:bodyPr wrap="square" rtlCol="0">
-            <a:spAutoFit/>
-          </a:bodyPr>
-          <a:lstStyle/>
-          <a:p>
-            <a:r>
-              <a:rPr lang="en-US" dirty="0"/>
-              <a:t>Num of Weeks</a:t>
-            </a:r>
-          </a:p>
-        </p:txBody>
-      </p:sp>
-      <p:sp>
-        <p:nvSpPr>
-          <p:cNvPr id="21" name="Rounded Rectangle 20">
-            <a:extLst>
-              <a:ext uri="{FF2B5EF4-FFF2-40B4-BE49-F238E27FC236}">
-                <a16:creationId xmlns:a16="http://schemas.microsoft.com/office/drawing/2014/main" id="{F01A790A-4AB4-DD4F-A8D6-A4D403FFAED7}"/>
-              </a:ext>
-            </a:extLst>
-          </p:cNvPr>
-          <p:cNvSpPr/>
-          <p:nvPr/>
-        </p:nvSpPr>
-        <p:spPr>
-          <a:xfrm>
-            <a:off x="7331112" y="3561318"/>
-            <a:ext cx="1476993" cy="380010"/>
-          </a:xfrm>
-          <a:prstGeom prst="roundRect">
-            <a:avLst/>
-          </a:prstGeom>
-          <a:noFill/>
-        </p:spPr>
-        <p:style>
-          <a:lnRef idx="2">
-            <a:schemeClr val="accent1">
-              <a:shade val="50000"/>
-            </a:schemeClr>
-          </a:lnRef>
-          <a:fillRef idx="1">
-            <a:schemeClr val="accent1"/>
-          </a:fillRef>
-          <a:effectRef idx="0">
-            <a:schemeClr val="accent1"/>
-          </a:effectRef>
-          <a:fontRef idx="minor">
-            <a:schemeClr val="lt1"/>
-          </a:fontRef>
-        </p:style>
-        <p:txBody>
-          <a:bodyPr rot="0" spcFirstLastPara="0" vertOverflow="overflow" horzOverflow="overflow" vert="horz" wrap="square" lIns="91440" tIns="45720" rIns="91440" bIns="45720" numCol="1" spcCol="0" rtlCol="0" fromWordArt="0" anchor="ctr" anchorCtr="0" forceAA="0" compatLnSpc="1">
-            <a:prstTxWarp prst="textNoShape">
-              <a:avLst/>
-            </a:prstTxWarp>
-            <a:noAutofit/>
-          </a:bodyPr>
-          <a:lstStyle/>
-          <a:p>
-            <a:pPr algn="ctr"/>
-            <a:r>
-              <a:rPr lang="en-US" sz="1200" dirty="0">
-                <a:solidFill>
-                  <a:schemeClr val="accent1">
-                    <a:lumMod val="60000"/>
-                    <a:lumOff val="40000"/>
-                  </a:schemeClr>
-                </a:solidFill>
-              </a:rPr>
-              <a:t>Dropdown</a:t>
-            </a:r>
-          </a:p>
-        </p:txBody>
-      </p:sp>
-      <p:sp>
-        <p:nvSpPr>
-          <p:cNvPr id="22" name="Rounded Rectangle 21">
-            <a:extLst>
-              <a:ext uri="{FF2B5EF4-FFF2-40B4-BE49-F238E27FC236}">
-                <a16:creationId xmlns:a16="http://schemas.microsoft.com/office/drawing/2014/main" id="{0902201A-26F7-B142-8049-D0D5E3C0B683}"/>
-              </a:ext>
-            </a:extLst>
-          </p:cNvPr>
-          <p:cNvSpPr/>
-          <p:nvPr/>
-        </p:nvSpPr>
-        <p:spPr>
-          <a:xfrm>
-            <a:off x="4456544" y="2278878"/>
-            <a:ext cx="1476993" cy="380010"/>
-          </a:xfrm>
-          <a:prstGeom prst="roundRect">
-            <a:avLst/>
-          </a:prstGeom>
-          <a:noFill/>
-        </p:spPr>
-        <p:style>
-          <a:lnRef idx="2">
-            <a:schemeClr val="accent1">
-              <a:shade val="50000"/>
-            </a:schemeClr>
-          </a:lnRef>
-          <a:fillRef idx="1">
-            <a:schemeClr val="accent1"/>
-          </a:fillRef>
-          <a:effectRef idx="0">
-            <a:schemeClr val="accent1"/>
-          </a:effectRef>
-          <a:fontRef idx="minor">
-            <a:schemeClr val="lt1"/>
-          </a:fontRef>
-        </p:style>
-        <p:txBody>
-          <a:bodyPr rot="0" spcFirstLastPara="0" vertOverflow="overflow" horzOverflow="overflow" vert="horz" wrap="square" lIns="91440" tIns="45720" rIns="91440" bIns="45720" numCol="1" spcCol="0" rtlCol="0" fromWordArt="0" anchor="ctr" anchorCtr="0" forceAA="0" compatLnSpc="1">
-            <a:prstTxWarp prst="textNoShape">
-              <a:avLst/>
-            </a:prstTxWarp>
-            <a:noAutofit/>
-          </a:bodyPr>
-          <a:lstStyle/>
-          <a:p>
-            <a:pPr algn="ctr"/>
-            <a:r>
-              <a:rPr lang="en-US" sz="1200" dirty="0">
-                <a:solidFill>
-                  <a:schemeClr val="accent1">
-                    <a:lumMod val="60000"/>
-                    <a:lumOff val="40000"/>
-                  </a:schemeClr>
-                </a:solidFill>
-              </a:rPr>
-              <a:t>Dropdown</a:t>
-            </a:r>
-          </a:p>
-        </p:txBody>
-      </p:sp>
-      <p:sp>
-        <p:nvSpPr>
-          <p:cNvPr id="23" name="TextBox 22">
-            <a:extLst>
-              <a:ext uri="{FF2B5EF4-FFF2-40B4-BE49-F238E27FC236}">
-                <a16:creationId xmlns:a16="http://schemas.microsoft.com/office/drawing/2014/main" id="{2C5BC43B-F6B5-7C4C-B762-1BFE16D471E1}"/>
-              </a:ext>
-            </a:extLst>
-          </p:cNvPr>
-          <p:cNvSpPr txBox="1"/>
-          <p:nvPr/>
-        </p:nvSpPr>
-        <p:spPr>
-          <a:xfrm>
-            <a:off x="3031259" y="2277288"/>
-            <a:ext cx="1579419" cy="369332"/>
-          </a:xfrm>
-          <a:prstGeom prst="rect">
-            <a:avLst/>
-          </a:prstGeom>
-          <a:noFill/>
-        </p:spPr>
-        <p:txBody>
-          <a:bodyPr wrap="square" rtlCol="0">
-            <a:spAutoFit/>
-          </a:bodyPr>
-          <a:lstStyle/>
-          <a:p>
-            <a:r>
-              <a:rPr lang="en-US" dirty="0"/>
-              <a:t>Channel</a:t>
-            </a:r>
-          </a:p>
-        </p:txBody>
-      </p:sp>
-      <p:sp>
-        <p:nvSpPr>
-          <p:cNvPr id="24" name="Rectangle 23">
-            <a:extLst>
-              <a:ext uri="{FF2B5EF4-FFF2-40B4-BE49-F238E27FC236}">
-                <a16:creationId xmlns:a16="http://schemas.microsoft.com/office/drawing/2014/main" id="{BFFE35C8-46B4-3B4A-A38C-E17EBC7F53A9}"/>
-              </a:ext>
-            </a:extLst>
-          </p:cNvPr>
-          <p:cNvSpPr/>
-          <p:nvPr/>
-        </p:nvSpPr>
-        <p:spPr>
-          <a:xfrm>
-            <a:off x="1324178" y="6290342"/>
-            <a:ext cx="8122722" cy="329921"/>
-          </a:xfrm>
-          <a:prstGeom prst="rect">
-            <a:avLst/>
-          </a:prstGeom>
-        </p:spPr>
-        <p:style>
-          <a:lnRef idx="2">
-            <a:schemeClr val="accent1">
-              <a:shade val="50000"/>
-            </a:schemeClr>
-          </a:lnRef>
-          <a:fillRef idx="1">
-            <a:schemeClr val="accent1"/>
-          </a:fillRef>
-          <a:effectRef idx="0">
-            <a:schemeClr val="accent1"/>
-          </a:effectRef>
-          <a:fontRef idx="minor">
-            <a:schemeClr val="lt1"/>
-          </a:fontRef>
-        </p:style>
-        <p:txBody>
-          <a:bodyPr rtlCol="0" anchor="ctr"/>
-          <a:lstStyle/>
-          <a:p>
-            <a:pPr algn="ctr"/>
-            <a:endParaRPr lang="en-US"/>
-          </a:p>
-        </p:txBody>
-      </p:sp>
-      <p:sp>
-        <p:nvSpPr>
-          <p:cNvPr id="25" name="TextBox 24">
-            <a:extLst>
-              <a:ext uri="{FF2B5EF4-FFF2-40B4-BE49-F238E27FC236}">
-                <a16:creationId xmlns:a16="http://schemas.microsoft.com/office/drawing/2014/main" id="{507B1754-E637-B24D-B1E9-C56BC32CD23B}"/>
-              </a:ext>
-            </a:extLst>
-          </p:cNvPr>
-          <p:cNvSpPr txBox="1"/>
-          <p:nvPr/>
-        </p:nvSpPr>
-        <p:spPr>
-          <a:xfrm>
-            <a:off x="4610678" y="6290342"/>
-            <a:ext cx="1736761" cy="369332"/>
-          </a:xfrm>
-          <a:prstGeom prst="rect">
-            <a:avLst/>
-          </a:prstGeom>
-          <a:noFill/>
-        </p:spPr>
-        <p:txBody>
-          <a:bodyPr wrap="square" rtlCol="0">
-            <a:spAutoFit/>
-          </a:bodyPr>
-          <a:lstStyle/>
-          <a:p>
-            <a:r>
-              <a:rPr lang="en-US" dirty="0">
-                <a:solidFill>
-                  <a:schemeClr val="bg1"/>
-                </a:solidFill>
-              </a:rPr>
-              <a:t>FOOTER</a:t>
-            </a:r>
-          </a:p>
-        </p:txBody>
-      </p:sp>
-      <p:sp>
-        <p:nvSpPr>
-          <p:cNvPr id="26" name="TextBox 25">
-            <a:extLst>
-              <a:ext uri="{FF2B5EF4-FFF2-40B4-BE49-F238E27FC236}">
-                <a16:creationId xmlns:a16="http://schemas.microsoft.com/office/drawing/2014/main" id="{F6532D3F-B5DC-494A-886E-55026679C840}"/>
-              </a:ext>
-            </a:extLst>
-          </p:cNvPr>
-          <p:cNvSpPr txBox="1"/>
-          <p:nvPr/>
-        </p:nvSpPr>
-        <p:spPr>
-          <a:xfrm>
-            <a:off x="4893708" y="1313592"/>
-            <a:ext cx="1039830" cy="369332"/>
-          </a:xfrm>
-          <a:prstGeom prst="rect">
-            <a:avLst/>
-          </a:prstGeom>
-          <a:noFill/>
-        </p:spPr>
-        <p:txBody>
-          <a:bodyPr wrap="square" rtlCol="0">
-            <a:spAutoFit/>
-          </a:bodyPr>
-          <a:lstStyle/>
-          <a:p>
-            <a:r>
-              <a:rPr lang="en-US" dirty="0">
-                <a:solidFill>
-                  <a:schemeClr val="bg1"/>
-                </a:solidFill>
-              </a:rPr>
-              <a:t>HEADER</a:t>
-            </a:r>
-          </a:p>
-        </p:txBody>
-      </p:sp>
-      <p:sp>
-        <p:nvSpPr>
-          <p:cNvPr id="27" name="TextBox 26">
-            <a:extLst>
-              <a:ext uri="{FF2B5EF4-FFF2-40B4-BE49-F238E27FC236}">
-                <a16:creationId xmlns:a16="http://schemas.microsoft.com/office/drawing/2014/main" id="{172ED35B-1939-8B45-9C74-68CA739507F1}"/>
-              </a:ext>
-            </a:extLst>
-          </p:cNvPr>
-          <p:cNvSpPr txBox="1"/>
-          <p:nvPr/>
-        </p:nvSpPr>
-        <p:spPr>
-          <a:xfrm>
-            <a:off x="1454807" y="1421459"/>
-            <a:ext cx="855023" cy="380011"/>
-          </a:xfrm>
-          <a:prstGeom prst="rect">
-            <a:avLst/>
-          </a:prstGeom>
-          <a:noFill/>
-        </p:spPr>
-        <p:txBody>
-          <a:bodyPr wrap="square" rtlCol="0">
-            <a:spAutoFit/>
-          </a:bodyPr>
-          <a:lstStyle/>
-          <a:p>
-            <a:r>
-              <a:rPr lang="en-US" dirty="0">
-                <a:solidFill>
-                  <a:schemeClr val="bg1"/>
-                </a:solidFill>
-              </a:rPr>
-              <a:t>LOGO</a:t>
-            </a:r>
-          </a:p>
-        </p:txBody>
-      </p:sp>
-      <p:sp>
-        <p:nvSpPr>
-          <p:cNvPr id="28" name="TextBox 27">
-            <a:extLst>
-              <a:ext uri="{FF2B5EF4-FFF2-40B4-BE49-F238E27FC236}">
-                <a16:creationId xmlns:a16="http://schemas.microsoft.com/office/drawing/2014/main" id="{6C257449-F5A3-8146-92E0-AC1166D11295}"/>
-              </a:ext>
-            </a:extLst>
-          </p:cNvPr>
-          <p:cNvSpPr txBox="1"/>
-          <p:nvPr/>
-        </p:nvSpPr>
-        <p:spPr>
-          <a:xfrm>
-            <a:off x="2176236" y="1419869"/>
-            <a:ext cx="1114299" cy="369332"/>
-          </a:xfrm>
-          <a:prstGeom prst="rect">
-            <a:avLst/>
-          </a:prstGeom>
-          <a:noFill/>
-        </p:spPr>
-        <p:txBody>
-          <a:bodyPr wrap="square" rtlCol="0">
-            <a:spAutoFit/>
-          </a:bodyPr>
-          <a:lstStyle/>
-          <a:p>
-            <a:r>
-              <a:rPr lang="en-US" dirty="0">
-                <a:solidFill>
-                  <a:schemeClr val="accent2">
-                    <a:lumMod val="75000"/>
-                  </a:schemeClr>
-                </a:solidFill>
-              </a:rPr>
-              <a:t>Forecast</a:t>
-            </a:r>
-          </a:p>
-        </p:txBody>
-      </p:sp>
-      <p:sp>
-        <p:nvSpPr>
-          <p:cNvPr id="29" name="Rectangle 28">
-            <a:extLst>
-              <a:ext uri="{FF2B5EF4-FFF2-40B4-BE49-F238E27FC236}">
-                <a16:creationId xmlns:a16="http://schemas.microsoft.com/office/drawing/2014/main" id="{E9D44387-AC43-BF49-BF4B-2E17E7B9E815}"/>
-              </a:ext>
-            </a:extLst>
-          </p:cNvPr>
-          <p:cNvSpPr/>
-          <p:nvPr/>
-        </p:nvSpPr>
-        <p:spPr>
-          <a:xfrm>
-            <a:off x="8425622" y="1689295"/>
-            <a:ext cx="1021278" cy="380011"/>
-          </a:xfrm>
-          <a:prstGeom prst="rect">
-            <a:avLst/>
-          </a:prstGeom>
-          <a:solidFill>
-            <a:schemeClr val="accent1">
-              <a:lumMod val="40000"/>
-              <a:lumOff val="60000"/>
-            </a:schemeClr>
-          </a:solidFill>
-          <a:ln>
-            <a:solidFill>
-              <a:schemeClr val="accent1">
-                <a:lumMod val="60000"/>
-                <a:lumOff val="40000"/>
-              </a:schemeClr>
-            </a:solidFill>
-          </a:ln>
-        </p:spPr>
-        <p:style>
-          <a:lnRef idx="2">
-            <a:schemeClr val="accent1">
-              <a:shade val="50000"/>
-            </a:schemeClr>
-          </a:lnRef>
-          <a:fillRef idx="1">
-            <a:schemeClr val="accent1"/>
-          </a:fillRef>
-          <a:effectRef idx="0">
-            <a:schemeClr val="accent1"/>
-          </a:effectRef>
-          <a:fontRef idx="minor">
-            <a:schemeClr val="lt1"/>
-          </a:fontRef>
-        </p:style>
-        <p:txBody>
-          <a:bodyPr rtlCol="0" anchor="ctr"/>
-          <a:lstStyle/>
-          <a:p>
-            <a:pPr algn="ctr"/>
-            <a:r>
-              <a:rPr lang="en-US" dirty="0"/>
-              <a:t>Logout</a:t>
-            </a:r>
-          </a:p>
-        </p:txBody>
-      </p:sp>
-      <p:cxnSp>
-        <p:nvCxnSpPr>
-          <p:cNvPr id="30" name="Straight Connector 29">
-            <a:extLst>
-              <a:ext uri="{FF2B5EF4-FFF2-40B4-BE49-F238E27FC236}">
-                <a16:creationId xmlns:a16="http://schemas.microsoft.com/office/drawing/2014/main" id="{BA40FB1B-A0A2-C342-99FF-1882C0E3383B}"/>
-              </a:ext>
-            </a:extLst>
-          </p:cNvPr>
-          <p:cNvCxnSpPr>
-            <a:cxnSpLocks/>
-          </p:cNvCxnSpPr>
-          <p:nvPr/>
-        </p:nvCxnSpPr>
-        <p:spPr>
-          <a:xfrm>
-            <a:off x="690221" y="965200"/>
-            <a:ext cx="7263806" cy="0"/>
-          </a:xfrm>
-          <a:prstGeom prst="line">
-            <a:avLst/>
-          </a:prstGeom>
-        </p:spPr>
-        <p:style>
-          <a:lnRef idx="3">
-            <a:schemeClr val="accent5"/>
-          </a:lnRef>
-          <a:fillRef idx="0">
-            <a:schemeClr val="accent5"/>
-          </a:fillRef>
-          <a:effectRef idx="2">
-            <a:schemeClr val="accent5"/>
-          </a:effectRef>
-          <a:fontRef idx="minor">
-            <a:schemeClr val="tx1"/>
-          </a:fontRef>
-        </p:style>
-      </p:cxnSp>
-      <p:sp>
-        <p:nvSpPr>
-          <p:cNvPr id="31" name="Rectangle 30">
-            <a:extLst>
-              <a:ext uri="{FF2B5EF4-FFF2-40B4-BE49-F238E27FC236}">
-                <a16:creationId xmlns:a16="http://schemas.microsoft.com/office/drawing/2014/main" id="{E8F1BEB8-0525-474C-8D26-19561169D060}"/>
-              </a:ext>
-            </a:extLst>
-          </p:cNvPr>
-          <p:cNvSpPr/>
-          <p:nvPr/>
-        </p:nvSpPr>
-        <p:spPr>
-          <a:xfrm>
-            <a:off x="572579" y="571778"/>
-            <a:ext cx="4529959" cy="369332"/>
-          </a:xfrm>
-          <a:prstGeom prst="rect">
-            <a:avLst/>
-          </a:prstGeom>
-          <a:noFill/>
-        </p:spPr>
-        <p:txBody>
-          <a:bodyPr wrap="none" lIns="91440" tIns="45720" rIns="91440" bIns="45720">
-            <a:spAutoFit/>
-          </a:bodyPr>
-          <a:lstStyle/>
-          <a:p>
-            <a:pPr algn="ctr"/>
-            <a:r>
-              <a:rPr lang="en-US" b="0" cap="none" spc="0" dirty="0">
-                <a:ln w="0"/>
-                <a:solidFill>
-                  <a:schemeClr val="tx1"/>
-                </a:solidFill>
-                <a:effectLst>
-                  <a:outerShdw blurRad="38100" dist="19050" dir="2700000" algn="tl" rotWithShape="0">
-                    <a:schemeClr val="dk1">
-                      <a:alpha val="40000"/>
-                    </a:schemeClr>
-                  </a:outerShdw>
-                </a:effectLst>
-              </a:rPr>
-              <a:t>Screen layout for Forecast Page – On first load</a:t>
-            </a:r>
-          </a:p>
-        </p:txBody>
-      </p:sp>
-    </p:spTree>
-    <p:extLst>
-      <p:ext uri="{BB962C8B-B14F-4D97-AF65-F5344CB8AC3E}">
-        <p14:creationId xmlns:p14="http://schemas.microsoft.com/office/powerpoint/2010/main" val="2889750881"/>
-      </p:ext>
-    </p:extLst>
-  </p:cSld>
-  <p:clrMapOvr>
-    <a:masterClrMapping/>
-  </p:clrMapOvr>
-</p:sld>
-</file>
-
-<file path=ppt/slides/slide9.xml><?xml version="1.0" encoding="utf-8"?>
-<p:sld xmlns:a="http://schemas.openxmlformats.org/drawingml/2006/main" xmlns:r="http://schemas.openxmlformats.org/officeDocument/2006/relationships" xmlns:p="http://schemas.openxmlformats.org/presentationml/2006/main">
-  <p:cSld>
-    <p:spTree>
-      <p:nvGrpSpPr>
-        <p:cNvPr id="1" name=""/>
-        <p:cNvGrpSpPr/>
-        <p:nvPr/>
-      </p:nvGrpSpPr>
-      <p:grpSpPr>
-        <a:xfrm>
-          <a:off x="0" y="0"/>
-          <a:ext cx="0" cy="0"/>
-          <a:chOff x="0" y="0"/>
-          <a:chExt cx="0" cy="0"/>
-        </a:xfrm>
-      </p:grpSpPr>
-      <p:sp>
-        <p:nvSpPr>
-          <p:cNvPr id="4" name="TextBox 3">
-            <a:extLst>
-              <a:ext uri="{FF2B5EF4-FFF2-40B4-BE49-F238E27FC236}">
-                <a16:creationId xmlns:a16="http://schemas.microsoft.com/office/drawing/2014/main" id="{D1AA7D31-AABA-FA47-9538-E020588263FA}"/>
-              </a:ext>
-            </a:extLst>
-          </p:cNvPr>
-          <p:cNvSpPr txBox="1"/>
-          <p:nvPr/>
-        </p:nvSpPr>
-        <p:spPr>
-          <a:xfrm>
-            <a:off x="676518" y="1237619"/>
-            <a:ext cx="10384077" cy="5078313"/>
-          </a:xfrm>
-          <a:prstGeom prst="rect">
-            <a:avLst/>
-          </a:prstGeom>
-          <a:noFill/>
-        </p:spPr>
-        <p:txBody>
-          <a:bodyPr wrap="square" rtlCol="0">
-            <a:spAutoFit/>
-          </a:bodyPr>
-          <a:lstStyle/>
-          <a:p>
-            <a:r>
-              <a:rPr lang="en-US" dirty="0"/>
-              <a:t>Channel Dropdown:</a:t>
-            </a:r>
-          </a:p>
-          <a:p>
-            <a:r>
-              <a:rPr lang="en-US" dirty="0"/>
-              <a:t>   1. Only shows up on first time page loads with data as retrieved from table Channels</a:t>
-            </a:r>
-          </a:p>
-          <a:p>
-            <a:r>
-              <a:rPr lang="en-US" dirty="0"/>
-              <a:t>   2. On selection of an available channel, the rest of the fields (History start date and forecast start date appear</a:t>
-            </a:r>
-          </a:p>
-          <a:p>
-            <a:endParaRPr lang="en-US" dirty="0"/>
-          </a:p>
-          <a:p>
-            <a:r>
-              <a:rPr lang="en-US" dirty="0"/>
-              <a:t>History Start Date and Forecast Start Date:</a:t>
-            </a:r>
-          </a:p>
-          <a:p>
-            <a:pPr marL="342900" indent="-342900">
-              <a:buAutoNum type="arabicPeriod"/>
-            </a:pPr>
-            <a:r>
-              <a:rPr lang="en-US" dirty="0"/>
-              <a:t>These data pickers only shows the dates that the data is available enabled. The rest of the dates are disabled.</a:t>
-            </a:r>
-          </a:p>
-          <a:p>
-            <a:pPr marL="342900" indent="-342900">
-              <a:buAutoNum type="arabicPeriod"/>
-            </a:pPr>
-            <a:endParaRPr lang="en-US" dirty="0"/>
-          </a:p>
-          <a:p>
-            <a:r>
-              <a:rPr lang="en-US" dirty="0"/>
-              <a:t>Num of Weeks:</a:t>
-            </a:r>
-          </a:p>
-          <a:p>
-            <a:r>
-              <a:rPr lang="en-US" dirty="0"/>
-              <a:t>1. These dropdown only start from 4</a:t>
-            </a:r>
-          </a:p>
-          <a:p>
-            <a:r>
-              <a:rPr lang="en-US" dirty="0"/>
-              <a:t>2. The dropdown for forecast only have values till 12 (based on the assumption that the forecast can be only done for 12 months into the future by the analyst team)</a:t>
-            </a:r>
-          </a:p>
-          <a:p>
-            <a:endParaRPr lang="en-US" dirty="0"/>
-          </a:p>
-          <a:p>
-            <a:r>
-              <a:rPr lang="en-US" dirty="0"/>
-              <a:t>Search Button:</a:t>
-            </a:r>
-          </a:p>
-          <a:p>
-            <a:r>
-              <a:rPr lang="en-US" dirty="0"/>
-              <a:t>Is not enabled till all the fields are provided</a:t>
-            </a:r>
-          </a:p>
-          <a:p>
-            <a:endParaRPr lang="en-US" dirty="0"/>
-          </a:p>
-          <a:p>
-            <a:endParaRPr lang="en-US" dirty="0"/>
-          </a:p>
-        </p:txBody>
-      </p:sp>
-      <p:sp>
-        <p:nvSpPr>
-          <p:cNvPr id="5" name="Rectangle 4">
-            <a:extLst>
-              <a:ext uri="{FF2B5EF4-FFF2-40B4-BE49-F238E27FC236}">
-                <a16:creationId xmlns:a16="http://schemas.microsoft.com/office/drawing/2014/main" id="{5F59320E-62C1-3F48-8DD9-11C32E0E25CD}"/>
-              </a:ext>
-            </a:extLst>
-          </p:cNvPr>
-          <p:cNvSpPr/>
-          <p:nvPr/>
-        </p:nvSpPr>
-        <p:spPr>
-          <a:xfrm>
-            <a:off x="562167" y="547412"/>
-            <a:ext cx="5306389" cy="369332"/>
-          </a:xfrm>
-          <a:prstGeom prst="rect">
-            <a:avLst/>
-          </a:prstGeom>
-          <a:noFill/>
-        </p:spPr>
-        <p:txBody>
-          <a:bodyPr wrap="none" lIns="91440" tIns="45720" rIns="91440" bIns="45720">
-            <a:spAutoFit/>
-          </a:bodyPr>
-          <a:lstStyle/>
-          <a:p>
-            <a:pPr algn="ctr"/>
-            <a:r>
-              <a:rPr lang="en-US" b="0" cap="none" spc="0" dirty="0">
-                <a:ln w="0"/>
-                <a:solidFill>
-                  <a:schemeClr val="tx1"/>
-                </a:solidFill>
-                <a:effectLst>
-                  <a:outerShdw blurRad="38100" dist="19050" dir="2700000" algn="tl" rotWithShape="0">
-                    <a:schemeClr val="dk1">
-                      <a:alpha val="40000"/>
-                    </a:schemeClr>
-                  </a:outerShdw>
-                </a:effectLst>
-              </a:rPr>
-              <a:t>Forecast Page – Query Section – Behavior/Validations</a:t>
-            </a:r>
-          </a:p>
-        </p:txBody>
-      </p:sp>
-      <p:cxnSp>
-        <p:nvCxnSpPr>
-          <p:cNvPr id="6" name="Straight Connector 5">
-            <a:extLst>
-              <a:ext uri="{FF2B5EF4-FFF2-40B4-BE49-F238E27FC236}">
-                <a16:creationId xmlns:a16="http://schemas.microsoft.com/office/drawing/2014/main" id="{6E385866-8BB1-8146-9D7D-469D5C56458C}"/>
-              </a:ext>
-            </a:extLst>
-          </p:cNvPr>
-          <p:cNvCxnSpPr/>
-          <p:nvPr/>
-        </p:nvCxnSpPr>
-        <p:spPr>
-          <a:xfrm>
-            <a:off x="690221" y="965200"/>
-            <a:ext cx="4865560" cy="0"/>
-          </a:xfrm>
-          <a:prstGeom prst="line">
-            <a:avLst/>
-          </a:prstGeom>
-        </p:spPr>
-        <p:style>
-          <a:lnRef idx="3">
-            <a:schemeClr val="accent5"/>
-          </a:lnRef>
-          <a:fillRef idx="0">
-            <a:schemeClr val="accent5"/>
-          </a:fillRef>
-          <a:effectRef idx="2">
-            <a:schemeClr val="accent5"/>
-          </a:effectRef>
-          <a:fontRef idx="minor">
-            <a:schemeClr val="tx1"/>
-          </a:fontRef>
-        </p:style>
-      </p:cxnSp>
-    </p:spTree>
-    <p:extLst>
-      <p:ext uri="{BB962C8B-B14F-4D97-AF65-F5344CB8AC3E}">
-        <p14:creationId xmlns:p14="http://schemas.microsoft.com/office/powerpoint/2010/main" val="503040214"/>
       </p:ext>
     </p:extLst>
   </p:cSld>
